--- a/Angular Traning Data/presentation/01-01 Angular JS v 3.0.pptx
+++ b/Angular Traning Data/presentation/01-01 Angular JS v 3.0.pptx
@@ -11,7 +11,7 @@
     <p:handoutMasterId r:id="rId80"/>
   </p:handoutMasterIdLst>
   <p:sldIdLst>
-    <p:sldId id="313" r:id="rId5"/>
+    <p:sldId id="436" r:id="rId5"/>
     <p:sldId id="383" r:id="rId6"/>
     <p:sldId id="420" r:id="rId7"/>
     <p:sldId id="421" r:id="rId8"/>
@@ -5373,34 +5373,34 @@
     </dgm:pt>
   </dgm:ptLst>
   <dgm:cxnLst>
-    <dgm:cxn modelId="{978FB0EB-0086-4EB8-A566-BE6BC5C974EE}" type="presOf" srcId="{B8B90E6D-8132-4E24-AED9-18383EB6F044}" destId="{5AD06BD5-F88C-4A1D-970E-CECFDEFA7891}" srcOrd="1" destOrd="0" presId="urn:microsoft.com/office/officeart/2005/8/layout/orgChart1"/>
-    <dgm:cxn modelId="{02D430F3-D777-4AA9-8A55-1DA48C20BB63}" type="presOf" srcId="{E8F0C397-76CD-4820-A618-F84613228903}" destId="{5D2E3D30-FD58-4CEC-AE1F-F7C6A211AAD9}" srcOrd="0" destOrd="0" presId="urn:microsoft.com/office/officeart/2005/8/layout/orgChart1"/>
-    <dgm:cxn modelId="{D86783A9-B395-435F-9F1C-BB0942A01258}" type="presOf" srcId="{9373C66C-D51D-4923-94E3-4A5684D76045}" destId="{57DC5761-B884-4BDE-9DA8-B04179D82614}" srcOrd="0" destOrd="0" presId="urn:microsoft.com/office/officeart/2005/8/layout/orgChart1"/>
+    <dgm:cxn modelId="{772CF96A-ED58-48FB-A97E-DB5BC755C6F9}" srcId="{59C903FB-229D-45CD-AC02-083F615C7139}" destId="{C702FFA3-922C-4F71-8C4E-12A499734AE2}" srcOrd="1" destOrd="0" parTransId="{CEB0E67D-9FD7-430F-A74E-EA4D7B5F8185}" sibTransId="{E90D180E-9BE4-438E-99E8-9D9EEBB7F130}"/>
+    <dgm:cxn modelId="{E31E4BB4-5273-4B98-9684-0BCAF739B362}" type="presOf" srcId="{1066D685-640D-4EC5-9EFC-7C6FA307E3A1}" destId="{9CF3B3D3-00DC-4470-8567-EF897131B7EE}" srcOrd="0" destOrd="0" presId="urn:microsoft.com/office/officeart/2005/8/layout/orgChart1"/>
+    <dgm:cxn modelId="{CE5187D9-F5E8-4FC2-B2CD-8DE49524A713}" type="presOf" srcId="{DBDC6586-16AA-4922-A1BA-3477376FCD1B}" destId="{08EFE804-B4C8-4E2F-BC0E-2B4859B11431}" srcOrd="0" destOrd="0" presId="urn:microsoft.com/office/officeart/2005/8/layout/orgChart1"/>
     <dgm:cxn modelId="{936043B6-FBCC-4773-8382-F77A8CA6D308}" type="presOf" srcId="{F241B56D-E123-46B5-B634-0866AFC80C49}" destId="{4EFA8C4D-E858-45FE-A293-163113EEC24E}" srcOrd="1" destOrd="0" presId="urn:microsoft.com/office/officeart/2005/8/layout/orgChart1"/>
+    <dgm:cxn modelId="{395487CA-386C-457C-ABE9-2A68707772DD}" type="presOf" srcId="{C702FFA3-922C-4F71-8C4E-12A499734AE2}" destId="{15E5CD19-57FE-44DC-9B28-8F6B43CF5C5C}" srcOrd="0" destOrd="0" presId="urn:microsoft.com/office/officeart/2005/8/layout/orgChart1"/>
+    <dgm:cxn modelId="{F34447FE-16B9-493C-AF5C-976B20E20D22}" type="presOf" srcId="{4302C306-D5B3-4ACA-A489-A7A69CB40FE0}" destId="{CF859259-C569-4486-8FBC-E6F1B25788EB}" srcOrd="0" destOrd="0" presId="urn:microsoft.com/office/officeart/2005/8/layout/orgChart1"/>
+    <dgm:cxn modelId="{F1C52632-B90F-4677-B5C7-1B26FFDACA2F}" type="presOf" srcId="{CEB0E67D-9FD7-430F-A74E-EA4D7B5F8185}" destId="{1D662966-863A-4954-891C-31F41680F29E}" srcOrd="0" destOrd="0" presId="urn:microsoft.com/office/officeart/2005/8/layout/orgChart1"/>
+    <dgm:cxn modelId="{A4178FA3-EB4E-4B86-A093-F58F7D4515B5}" type="presOf" srcId="{D14F8A75-4C9E-416F-86AA-B920F235F5A6}" destId="{CD9BED1F-9C45-4B38-A229-A1492E67B864}" srcOrd="0" destOrd="0" presId="urn:microsoft.com/office/officeart/2005/8/layout/orgChart1"/>
+    <dgm:cxn modelId="{1671DB92-5E4C-4C7E-8F46-B1E0EC1FAB23}" type="presOf" srcId="{695F6182-747C-4667-9830-355C524C7510}" destId="{ED5E9EF1-0E60-42DC-8A98-C185596CA28F}" srcOrd="1" destOrd="0" presId="urn:microsoft.com/office/officeart/2005/8/layout/orgChart1"/>
+    <dgm:cxn modelId="{96C6B091-91A9-4263-9C73-B335368F9687}" srcId="{59C903FB-229D-45CD-AC02-083F615C7139}" destId="{1066D685-640D-4EC5-9EFC-7C6FA307E3A1}" srcOrd="2" destOrd="0" parTransId="{D14F8A75-4C9E-416F-86AA-B920F235F5A6}" sibTransId="{2725161B-8656-4328-9F27-2148CAA5DB7D}"/>
+    <dgm:cxn modelId="{42025059-3A5D-460B-B4B2-ADCB6130DBC9}" srcId="{E8F0C397-76CD-4820-A618-F84613228903}" destId="{695F6182-747C-4667-9830-355C524C7510}" srcOrd="0" destOrd="0" parTransId="{C8175B32-1491-44D2-94BA-0423C6D10200}" sibTransId="{289D0EB5-5AE9-479B-8982-9D7775705855}"/>
+    <dgm:cxn modelId="{8DDB12CB-5361-4ECF-AE0D-6F229E25EF28}" srcId="{695F6182-747C-4667-9830-355C524C7510}" destId="{59C903FB-229D-45CD-AC02-083F615C7139}" srcOrd="1" destOrd="0" parTransId="{DBDC6586-16AA-4922-A1BA-3477376FCD1B}" sibTransId="{005C0A55-3F0D-446A-B589-FB2F9667ACCA}"/>
+    <dgm:cxn modelId="{FD188D93-A525-4B4B-A5EB-97F9D1F62656}" type="presOf" srcId="{59C903FB-229D-45CD-AC02-083F615C7139}" destId="{F9718DE1-1D04-4B02-B033-117078DF0C82}" srcOrd="1" destOrd="0" presId="urn:microsoft.com/office/officeart/2005/8/layout/orgChart1"/>
+    <dgm:cxn modelId="{4FBB21E8-0A93-4283-8053-494335D6E064}" srcId="{695F6182-747C-4667-9830-355C524C7510}" destId="{4302C306-D5B3-4ACA-A489-A7A69CB40FE0}" srcOrd="0" destOrd="0" parTransId="{9373C66C-D51D-4923-94E3-4A5684D76045}" sibTransId="{C159FB76-C7B5-4CC3-889E-A54B79A108F2}"/>
+    <dgm:cxn modelId="{7C67521D-265D-40AF-84DE-687803DB4AC9}" type="presOf" srcId="{59C903FB-229D-45CD-AC02-083F615C7139}" destId="{99BB45A3-DEAC-4C62-A79D-ABA454BABF5D}" srcOrd="0" destOrd="0" presId="urn:microsoft.com/office/officeart/2005/8/layout/orgChart1"/>
     <dgm:cxn modelId="{CB93522E-39C0-45A9-B164-328E5A58A030}" srcId="{59C903FB-229D-45CD-AC02-083F615C7139}" destId="{B8B90E6D-8132-4E24-AED9-18383EB6F044}" srcOrd="0" destOrd="0" parTransId="{5BA02E5E-FA3B-4D8E-AD8A-B16DBF4B73F0}" sibTransId="{3D0B3545-7F2D-4D18-A144-D2FD81BDA1E3}"/>
-    <dgm:cxn modelId="{E31E4BB4-5273-4B98-9684-0BCAF739B362}" type="presOf" srcId="{1066D685-640D-4EC5-9EFC-7C6FA307E3A1}" destId="{9CF3B3D3-00DC-4470-8567-EF897131B7EE}" srcOrd="0" destOrd="0" presId="urn:microsoft.com/office/officeart/2005/8/layout/orgChart1"/>
-    <dgm:cxn modelId="{772CF96A-ED58-48FB-A97E-DB5BC755C6F9}" srcId="{59C903FB-229D-45CD-AC02-083F615C7139}" destId="{C702FFA3-922C-4F71-8C4E-12A499734AE2}" srcOrd="1" destOrd="0" parTransId="{CEB0E67D-9FD7-430F-A74E-EA4D7B5F8185}" sibTransId="{E90D180E-9BE4-438E-99E8-9D9EEBB7F130}"/>
-    <dgm:cxn modelId="{303EA5DC-66A0-429F-833A-C97783EAC141}" type="presOf" srcId="{1066D685-640D-4EC5-9EFC-7C6FA307E3A1}" destId="{44BD53D6-DF19-4F2C-93CF-37DBEE172142}" srcOrd="1" destOrd="0" presId="urn:microsoft.com/office/officeart/2005/8/layout/orgChart1"/>
-    <dgm:cxn modelId="{F1C52632-B90F-4677-B5C7-1B26FFDACA2F}" type="presOf" srcId="{CEB0E67D-9FD7-430F-A74E-EA4D7B5F8185}" destId="{1D662966-863A-4954-891C-31F41680F29E}" srcOrd="0" destOrd="0" presId="urn:microsoft.com/office/officeart/2005/8/layout/orgChart1"/>
-    <dgm:cxn modelId="{96C6B091-91A9-4263-9C73-B335368F9687}" srcId="{59C903FB-229D-45CD-AC02-083F615C7139}" destId="{1066D685-640D-4EC5-9EFC-7C6FA307E3A1}" srcOrd="2" destOrd="0" parTransId="{D14F8A75-4C9E-416F-86AA-B920F235F5A6}" sibTransId="{2725161B-8656-4328-9F27-2148CAA5DB7D}"/>
-    <dgm:cxn modelId="{4FBB21E8-0A93-4283-8053-494335D6E064}" srcId="{695F6182-747C-4667-9830-355C524C7510}" destId="{4302C306-D5B3-4ACA-A489-A7A69CB40FE0}" srcOrd="0" destOrd="0" parTransId="{9373C66C-D51D-4923-94E3-4A5684D76045}" sibTransId="{C159FB76-C7B5-4CC3-889E-A54B79A108F2}"/>
+    <dgm:cxn modelId="{CDAEA34B-15D2-4AD7-970E-0A77636CB896}" type="presOf" srcId="{F241B56D-E123-46B5-B634-0866AFC80C49}" destId="{435A6F70-A910-443C-9B47-46F3EA564883}" srcOrd="0" destOrd="0" presId="urn:microsoft.com/office/officeart/2005/8/layout/orgChart1"/>
     <dgm:cxn modelId="{73F9758F-EA4A-42C9-B729-A73F3A4F6766}" type="presOf" srcId="{4302C306-D5B3-4ACA-A489-A7A69CB40FE0}" destId="{5E53133C-42A3-4F70-839D-6F688C663715}" srcOrd="1" destOrd="0" presId="urn:microsoft.com/office/officeart/2005/8/layout/orgChart1"/>
     <dgm:cxn modelId="{7381CF2F-2AAD-4919-B591-8123FDDAD9A6}" srcId="{695F6182-747C-4667-9830-355C524C7510}" destId="{F241B56D-E123-46B5-B634-0866AFC80C49}" srcOrd="2" destOrd="0" parTransId="{22DCE377-8977-4D83-86BB-045750049CD0}" sibTransId="{90FFA525-A937-4EA7-B1D4-D1935E4CE385}"/>
-    <dgm:cxn modelId="{A4178FA3-EB4E-4B86-A093-F58F7D4515B5}" type="presOf" srcId="{D14F8A75-4C9E-416F-86AA-B920F235F5A6}" destId="{CD9BED1F-9C45-4B38-A229-A1492E67B864}" srcOrd="0" destOrd="0" presId="urn:microsoft.com/office/officeart/2005/8/layout/orgChart1"/>
+    <dgm:cxn modelId="{303EA5DC-66A0-429F-833A-C97783EAC141}" type="presOf" srcId="{1066D685-640D-4EC5-9EFC-7C6FA307E3A1}" destId="{44BD53D6-DF19-4F2C-93CF-37DBEE172142}" srcOrd="1" destOrd="0" presId="urn:microsoft.com/office/officeart/2005/8/layout/orgChart1"/>
+    <dgm:cxn modelId="{7E472D53-8187-4E54-9E4F-4AABF988E233}" type="presOf" srcId="{B8B90E6D-8132-4E24-AED9-18383EB6F044}" destId="{B7785F9C-FBCF-4702-923F-A01DC4811A3E}" srcOrd="0" destOrd="0" presId="urn:microsoft.com/office/officeart/2005/8/layout/orgChart1"/>
+    <dgm:cxn modelId="{859C2E16-5BC8-4D31-A62D-0C3E15AAFBB4}" type="presOf" srcId="{C702FFA3-922C-4F71-8C4E-12A499734AE2}" destId="{BF6F8168-E0FE-4203-9FD5-DBBAA7C3BEDF}" srcOrd="1" destOrd="0" presId="urn:microsoft.com/office/officeart/2005/8/layout/orgChart1"/>
+    <dgm:cxn modelId="{2AC658C1-951A-45C3-BC75-6B872897CFCF}" type="presOf" srcId="{5BA02E5E-FA3B-4D8E-AD8A-B16DBF4B73F0}" destId="{968833C8-D4FE-47B4-989C-82413DBB4878}" srcOrd="0" destOrd="0" presId="urn:microsoft.com/office/officeart/2005/8/layout/orgChart1"/>
+    <dgm:cxn modelId="{FAC82020-1B1A-402A-A3C0-22FA2F03BA9E}" type="presOf" srcId="{22DCE377-8977-4D83-86BB-045750049CD0}" destId="{3F7C4A2C-E5FF-43FB-841A-BD38F557EA63}" srcOrd="0" destOrd="0" presId="urn:microsoft.com/office/officeart/2005/8/layout/orgChart1"/>
+    <dgm:cxn modelId="{978FB0EB-0086-4EB8-A566-BE6BC5C974EE}" type="presOf" srcId="{B8B90E6D-8132-4E24-AED9-18383EB6F044}" destId="{5AD06BD5-F88C-4A1D-970E-CECFDEFA7891}" srcOrd="1" destOrd="0" presId="urn:microsoft.com/office/officeart/2005/8/layout/orgChart1"/>
+    <dgm:cxn modelId="{D86783A9-B395-435F-9F1C-BB0942A01258}" type="presOf" srcId="{9373C66C-D51D-4923-94E3-4A5684D76045}" destId="{57DC5761-B884-4BDE-9DA8-B04179D82614}" srcOrd="0" destOrd="0" presId="urn:microsoft.com/office/officeart/2005/8/layout/orgChart1"/>
+    <dgm:cxn modelId="{02D430F3-D777-4AA9-8A55-1DA48C20BB63}" type="presOf" srcId="{E8F0C397-76CD-4820-A618-F84613228903}" destId="{5D2E3D30-FD58-4CEC-AE1F-F7C6A211AAD9}" srcOrd="0" destOrd="0" presId="urn:microsoft.com/office/officeart/2005/8/layout/orgChart1"/>
     <dgm:cxn modelId="{EA743CC4-D524-47F1-A133-9D85231B3CC8}" type="presOf" srcId="{695F6182-747C-4667-9830-355C524C7510}" destId="{18FCDEC0-8760-46B3-B1F7-05E318F37765}" srcOrd="0" destOrd="0" presId="urn:microsoft.com/office/officeart/2005/8/layout/orgChart1"/>
-    <dgm:cxn modelId="{FD188D93-A525-4B4B-A5EB-97F9D1F62656}" type="presOf" srcId="{59C903FB-229D-45CD-AC02-083F615C7139}" destId="{F9718DE1-1D04-4B02-B033-117078DF0C82}" srcOrd="1" destOrd="0" presId="urn:microsoft.com/office/officeart/2005/8/layout/orgChart1"/>
-    <dgm:cxn modelId="{859C2E16-5BC8-4D31-A62D-0C3E15AAFBB4}" type="presOf" srcId="{C702FFA3-922C-4F71-8C4E-12A499734AE2}" destId="{BF6F8168-E0FE-4203-9FD5-DBBAA7C3BEDF}" srcOrd="1" destOrd="0" presId="urn:microsoft.com/office/officeart/2005/8/layout/orgChart1"/>
-    <dgm:cxn modelId="{8DDB12CB-5361-4ECF-AE0D-6F229E25EF28}" srcId="{695F6182-747C-4667-9830-355C524C7510}" destId="{59C903FB-229D-45CD-AC02-083F615C7139}" srcOrd="1" destOrd="0" parTransId="{DBDC6586-16AA-4922-A1BA-3477376FCD1B}" sibTransId="{005C0A55-3F0D-446A-B589-FB2F9667ACCA}"/>
-    <dgm:cxn modelId="{FAC82020-1B1A-402A-A3C0-22FA2F03BA9E}" type="presOf" srcId="{22DCE377-8977-4D83-86BB-045750049CD0}" destId="{3F7C4A2C-E5FF-43FB-841A-BD38F557EA63}" srcOrd="0" destOrd="0" presId="urn:microsoft.com/office/officeart/2005/8/layout/orgChart1"/>
-    <dgm:cxn modelId="{395487CA-386C-457C-ABE9-2A68707772DD}" type="presOf" srcId="{C702FFA3-922C-4F71-8C4E-12A499734AE2}" destId="{15E5CD19-57FE-44DC-9B28-8F6B43CF5C5C}" srcOrd="0" destOrd="0" presId="urn:microsoft.com/office/officeart/2005/8/layout/orgChart1"/>
-    <dgm:cxn modelId="{7C67521D-265D-40AF-84DE-687803DB4AC9}" type="presOf" srcId="{59C903FB-229D-45CD-AC02-083F615C7139}" destId="{99BB45A3-DEAC-4C62-A79D-ABA454BABF5D}" srcOrd="0" destOrd="0" presId="urn:microsoft.com/office/officeart/2005/8/layout/orgChart1"/>
-    <dgm:cxn modelId="{42025059-3A5D-460B-B4B2-ADCB6130DBC9}" srcId="{E8F0C397-76CD-4820-A618-F84613228903}" destId="{695F6182-747C-4667-9830-355C524C7510}" srcOrd="0" destOrd="0" parTransId="{C8175B32-1491-44D2-94BA-0423C6D10200}" sibTransId="{289D0EB5-5AE9-479B-8982-9D7775705855}"/>
-    <dgm:cxn modelId="{CE5187D9-F5E8-4FC2-B2CD-8DE49524A713}" type="presOf" srcId="{DBDC6586-16AA-4922-A1BA-3477376FCD1B}" destId="{08EFE804-B4C8-4E2F-BC0E-2B4859B11431}" srcOrd="0" destOrd="0" presId="urn:microsoft.com/office/officeart/2005/8/layout/orgChart1"/>
-    <dgm:cxn modelId="{CDAEA34B-15D2-4AD7-970E-0A77636CB896}" type="presOf" srcId="{F241B56D-E123-46B5-B634-0866AFC80C49}" destId="{435A6F70-A910-443C-9B47-46F3EA564883}" srcOrd="0" destOrd="0" presId="urn:microsoft.com/office/officeart/2005/8/layout/orgChart1"/>
-    <dgm:cxn modelId="{2AC658C1-951A-45C3-BC75-6B872897CFCF}" type="presOf" srcId="{5BA02E5E-FA3B-4D8E-AD8A-B16DBF4B73F0}" destId="{968833C8-D4FE-47B4-989C-82413DBB4878}" srcOrd="0" destOrd="0" presId="urn:microsoft.com/office/officeart/2005/8/layout/orgChart1"/>
-    <dgm:cxn modelId="{F34447FE-16B9-493C-AF5C-976B20E20D22}" type="presOf" srcId="{4302C306-D5B3-4ACA-A489-A7A69CB40FE0}" destId="{CF859259-C569-4486-8FBC-E6F1B25788EB}" srcOrd="0" destOrd="0" presId="urn:microsoft.com/office/officeart/2005/8/layout/orgChart1"/>
-    <dgm:cxn modelId="{7E472D53-8187-4E54-9E4F-4AABF988E233}" type="presOf" srcId="{B8B90E6D-8132-4E24-AED9-18383EB6F044}" destId="{B7785F9C-FBCF-4702-923F-A01DC4811A3E}" srcOrd="0" destOrd="0" presId="urn:microsoft.com/office/officeart/2005/8/layout/orgChart1"/>
-    <dgm:cxn modelId="{1671DB92-5E4C-4C7E-8F46-B1E0EC1FAB23}" type="presOf" srcId="{695F6182-747C-4667-9830-355C524C7510}" destId="{ED5E9EF1-0E60-42DC-8A98-C185596CA28F}" srcOrd="1" destOrd="0" presId="urn:microsoft.com/office/officeart/2005/8/layout/orgChart1"/>
     <dgm:cxn modelId="{7AF4BBE1-5B5F-4824-8157-C18D1BE2EDFD}" type="presParOf" srcId="{5D2E3D30-FD58-4CEC-AE1F-F7C6A211AAD9}" destId="{F1CAD00D-6B0D-44C9-B062-14182C7BEBAB}" srcOrd="0" destOrd="0" presId="urn:microsoft.com/office/officeart/2005/8/layout/orgChart1"/>
     <dgm:cxn modelId="{7C685D93-4D47-4BB9-96DE-02ED3D6AA228}" type="presParOf" srcId="{F1CAD00D-6B0D-44C9-B062-14182C7BEBAB}" destId="{F61F3395-8943-4855-AC62-FD7CABDD3374}" srcOrd="0" destOrd="0" presId="urn:microsoft.com/office/officeart/2005/8/layout/orgChart1"/>
     <dgm:cxn modelId="{F2343A30-ED0F-4361-B9E7-D0DB52F843C7}" type="presParOf" srcId="{F61F3395-8943-4855-AC62-FD7CABDD3374}" destId="{18FCDEC0-8760-46B3-B1F7-05E318F37765}" srcOrd="0" destOrd="0" presId="urn:microsoft.com/office/officeart/2005/8/layout/orgChart1"/>
@@ -14739,7 +14739,7 @@
             <a:fld id="{BD8FA3CA-5725-4BA7-A851-72A62AC5A8EE}" type="datetimeFigureOut">
               <a:rPr lang="en-CA" smtClean="0"/>
               <a:pPr/>
-              <a:t>2017-11-08</a:t>
+              <a:t>2017-11-14</a:t>
             </a:fld>
             <a:endParaRPr lang="en-CA"/>
           </a:p>
@@ -14820,7 +14820,7 @@
     </p:extLst>
   </p:cSld>
   <p:clrMap bg1="lt1" tx1="dk1" bg2="lt2" tx2="dk2" accent1="accent1" accent2="accent2" accent3="accent3" accent4="accent4" accent5="accent5" accent6="accent6" hlink="hlink" folHlink="folHlink"/>
-  <p:hf hdr="0" ftr="0" dt="0"/>
+  <p:hf sldNum="0" hdr="0" ftr="0" dt="0"/>
 </p:handoutMaster>
 </file>
 
@@ -14907,7 +14907,7 @@
             <a:fld id="{C3B58700-9FA2-48CE-AC88-D71D45EB490A}" type="datetimeFigureOut">
               <a:rPr lang="en-US" smtClean="0"/>
               <a:pPr/>
-              <a:t>11/8/17</a:t>
+              <a:t>11/14/17</a:t>
             </a:fld>
             <a:endParaRPr lang="en-US"/>
           </a:p>
@@ -15080,7 +15080,7 @@
     </p:extLst>
   </p:cSld>
   <p:clrMap bg1="lt1" tx1="dk1" bg2="lt2" tx2="dk2" accent1="accent1" accent2="accent2" accent3="accent3" accent4="accent4" accent5="accent5" accent6="accent6" hlink="hlink" folHlink="folHlink"/>
-  <p:hf hdr="0" ftr="0" dt="0"/>
+  <p:hf sldNum="0" hdr="0" ftr="0" dt="0"/>
   <p:notesStyle>
     <a:lvl1pPr marL="0" algn="l" defTabSz="914400" rtl="0" eaLnBrk="1" latinLnBrk="0" hangingPunct="1">
       <a:defRPr sz="1200" kern="1200">
@@ -15224,34 +15224,10 @@
           </a:p>
         </p:txBody>
       </p:sp>
-      <p:sp>
-        <p:nvSpPr>
-          <p:cNvPr id="4" name="Slide Number Placeholder 3"/>
-          <p:cNvSpPr>
-            <a:spLocks noGrp="1"/>
-          </p:cNvSpPr>
-          <p:nvPr>
-            <p:ph type="sldNum" sz="quarter" idx="10"/>
-          </p:nvPr>
-        </p:nvSpPr>
-        <p:spPr/>
-        <p:txBody>
-          <a:bodyPr/>
-          <a:lstStyle/>
-          <a:p>
-            <a:fld id="{FE9BC4E5-2BC1-4F43-85DD-A1B8F74CB7EB}" type="slidenum">
-              <a:rPr lang="en-US" smtClean="0"/>
-              <a:pPr/>
-              <a:t>1</a:t>
-            </a:fld>
-            <a:endParaRPr lang="en-US"/>
-          </a:p>
-        </p:txBody>
-      </p:sp>
     </p:spTree>
     <p:extLst>
       <p:ext uri="{BB962C8B-B14F-4D97-AF65-F5344CB8AC3E}">
-        <p14:creationId xmlns:p14="http://schemas.microsoft.com/office/powerpoint/2010/main" val="682416209"/>
+        <p14:creationId xmlns:p14="http://schemas.microsoft.com/office/powerpoint/2010/main" val="377771028"/>
       </p:ext>
     </p:extLst>
   </p:cSld>
@@ -15305,30 +15281,6 @@
           <a:bodyPr/>
           <a:lstStyle/>
           <a:p>
-            <a:endParaRPr lang="en-US"/>
-          </a:p>
-        </p:txBody>
-      </p:sp>
-      <p:sp>
-        <p:nvSpPr>
-          <p:cNvPr id="4" name="Slide Number Placeholder 3"/>
-          <p:cNvSpPr>
-            <a:spLocks noGrp="1"/>
-          </p:cNvSpPr>
-          <p:nvPr>
-            <p:ph type="sldNum" sz="quarter" idx="10"/>
-          </p:nvPr>
-        </p:nvSpPr>
-        <p:spPr/>
-        <p:txBody>
-          <a:bodyPr/>
-          <a:lstStyle/>
-          <a:p>
-            <a:fld id="{FE9BC4E5-2BC1-4F43-85DD-A1B8F74CB7EB}" type="slidenum">
-              <a:rPr lang="en-US" smtClean="0"/>
-              <a:pPr/>
-              <a:t>12</a:t>
-            </a:fld>
             <a:endParaRPr lang="en-US"/>
           </a:p>
         </p:txBody>
@@ -15394,30 +15346,6 @@
           </a:p>
         </p:txBody>
       </p:sp>
-      <p:sp>
-        <p:nvSpPr>
-          <p:cNvPr id="4" name="Slide Number Placeholder 3"/>
-          <p:cNvSpPr>
-            <a:spLocks noGrp="1"/>
-          </p:cNvSpPr>
-          <p:nvPr>
-            <p:ph type="sldNum" sz="quarter" idx="10"/>
-          </p:nvPr>
-        </p:nvSpPr>
-        <p:spPr/>
-        <p:txBody>
-          <a:bodyPr/>
-          <a:lstStyle/>
-          <a:p>
-            <a:fld id="{FE9BC4E5-2BC1-4F43-85DD-A1B8F74CB7EB}" type="slidenum">
-              <a:rPr lang="en-US" smtClean="0"/>
-              <a:pPr/>
-              <a:t>13</a:t>
-            </a:fld>
-            <a:endParaRPr lang="en-US"/>
-          </a:p>
-        </p:txBody>
-      </p:sp>
     </p:spTree>
     <p:extLst>
       <p:ext uri="{BB962C8B-B14F-4D97-AF65-F5344CB8AC3E}">
@@ -15476,30 +15404,6 @@
           <a:lstStyle/>
           <a:p>
             <a:endParaRPr lang="en-US" dirty="0"/>
-          </a:p>
-        </p:txBody>
-      </p:sp>
-      <p:sp>
-        <p:nvSpPr>
-          <p:cNvPr id="4" name="Slide Number Placeholder 3"/>
-          <p:cNvSpPr>
-            <a:spLocks noGrp="1"/>
-          </p:cNvSpPr>
-          <p:nvPr>
-            <p:ph type="sldNum" sz="quarter" idx="10"/>
-          </p:nvPr>
-        </p:nvSpPr>
-        <p:spPr/>
-        <p:txBody>
-          <a:bodyPr/>
-          <a:lstStyle/>
-          <a:p>
-            <a:fld id="{FE9BC4E5-2BC1-4F43-85DD-A1B8F74CB7EB}" type="slidenum">
-              <a:rPr lang="en-US" smtClean="0"/>
-              <a:pPr/>
-              <a:t>15</a:t>
-            </a:fld>
-            <a:endParaRPr lang="en-US"/>
           </a:p>
         </p:txBody>
       </p:sp>
@@ -15568,30 +15472,6 @@
           </a:p>
         </p:txBody>
       </p:sp>
-      <p:sp>
-        <p:nvSpPr>
-          <p:cNvPr id="4" name="Slide Number Placeholder 3"/>
-          <p:cNvSpPr>
-            <a:spLocks noGrp="1"/>
-          </p:cNvSpPr>
-          <p:nvPr>
-            <p:ph type="sldNum" sz="quarter" idx="10"/>
-          </p:nvPr>
-        </p:nvSpPr>
-        <p:spPr/>
-        <p:txBody>
-          <a:bodyPr/>
-          <a:lstStyle/>
-          <a:p>
-            <a:fld id="{FE9BC4E5-2BC1-4F43-85DD-A1B8F74CB7EB}" type="slidenum">
-              <a:rPr lang="en-US" smtClean="0"/>
-              <a:pPr/>
-              <a:t>17</a:t>
-            </a:fld>
-            <a:endParaRPr lang="en-US"/>
-          </a:p>
-        </p:txBody>
-      </p:sp>
     </p:spTree>
     <p:extLst>
       <p:ext uri="{BB962C8B-B14F-4D97-AF65-F5344CB8AC3E}">
@@ -15649,30 +15529,6 @@
           <a:bodyPr/>
           <a:lstStyle/>
           <a:p>
-            <a:endParaRPr lang="en-US"/>
-          </a:p>
-        </p:txBody>
-      </p:sp>
-      <p:sp>
-        <p:nvSpPr>
-          <p:cNvPr id="4" name="Slide Number Placeholder 3"/>
-          <p:cNvSpPr>
-            <a:spLocks noGrp="1"/>
-          </p:cNvSpPr>
-          <p:nvPr>
-            <p:ph type="sldNum" sz="quarter" idx="10"/>
-          </p:nvPr>
-        </p:nvSpPr>
-        <p:spPr/>
-        <p:txBody>
-          <a:bodyPr/>
-          <a:lstStyle/>
-          <a:p>
-            <a:fld id="{FE9BC4E5-2BC1-4F43-85DD-A1B8F74CB7EB}" type="slidenum">
-              <a:rPr lang="en-US" smtClean="0"/>
-              <a:pPr/>
-              <a:t>18</a:t>
-            </a:fld>
             <a:endParaRPr lang="en-US"/>
           </a:p>
         </p:txBody>
@@ -15738,30 +15594,6 @@
           </a:p>
         </p:txBody>
       </p:sp>
-      <p:sp>
-        <p:nvSpPr>
-          <p:cNvPr id="4" name="Slide Number Placeholder 3"/>
-          <p:cNvSpPr>
-            <a:spLocks noGrp="1"/>
-          </p:cNvSpPr>
-          <p:nvPr>
-            <p:ph type="sldNum" sz="quarter" idx="10"/>
-          </p:nvPr>
-        </p:nvSpPr>
-        <p:spPr/>
-        <p:txBody>
-          <a:bodyPr/>
-          <a:lstStyle/>
-          <a:p>
-            <a:fld id="{FE9BC4E5-2BC1-4F43-85DD-A1B8F74CB7EB}" type="slidenum">
-              <a:rPr lang="en-US" smtClean="0"/>
-              <a:pPr/>
-              <a:t>19</a:t>
-            </a:fld>
-            <a:endParaRPr lang="en-US"/>
-          </a:p>
-        </p:txBody>
-      </p:sp>
     </p:spTree>
     <p:extLst>
       <p:ext uri="{BB962C8B-B14F-4D97-AF65-F5344CB8AC3E}">
@@ -15819,30 +15651,6 @@
           <a:bodyPr/>
           <a:lstStyle/>
           <a:p>
-            <a:endParaRPr lang="en-US"/>
-          </a:p>
-        </p:txBody>
-      </p:sp>
-      <p:sp>
-        <p:nvSpPr>
-          <p:cNvPr id="4" name="Slide Number Placeholder 3"/>
-          <p:cNvSpPr>
-            <a:spLocks noGrp="1"/>
-          </p:cNvSpPr>
-          <p:nvPr>
-            <p:ph type="sldNum" sz="quarter" idx="10"/>
-          </p:nvPr>
-        </p:nvSpPr>
-        <p:spPr/>
-        <p:txBody>
-          <a:bodyPr/>
-          <a:lstStyle/>
-          <a:p>
-            <a:fld id="{FE9BC4E5-2BC1-4F43-85DD-A1B8F74CB7EB}" type="slidenum">
-              <a:rPr lang="en-US" smtClean="0"/>
-              <a:pPr/>
-              <a:t>20</a:t>
-            </a:fld>
             <a:endParaRPr lang="en-US"/>
           </a:p>
         </p:txBody>
@@ -15908,30 +15716,6 @@
           </a:p>
         </p:txBody>
       </p:sp>
-      <p:sp>
-        <p:nvSpPr>
-          <p:cNvPr id="4" name="Slide Number Placeholder 3"/>
-          <p:cNvSpPr>
-            <a:spLocks noGrp="1"/>
-          </p:cNvSpPr>
-          <p:nvPr>
-            <p:ph type="sldNum" sz="quarter" idx="10"/>
-          </p:nvPr>
-        </p:nvSpPr>
-        <p:spPr/>
-        <p:txBody>
-          <a:bodyPr/>
-          <a:lstStyle/>
-          <a:p>
-            <a:fld id="{FE9BC4E5-2BC1-4F43-85DD-A1B8F74CB7EB}" type="slidenum">
-              <a:rPr lang="en-US" smtClean="0"/>
-              <a:pPr/>
-              <a:t>21</a:t>
-            </a:fld>
-            <a:endParaRPr lang="en-US"/>
-          </a:p>
-        </p:txBody>
-      </p:sp>
     </p:spTree>
     <p:extLst>
       <p:ext uri="{BB962C8B-B14F-4D97-AF65-F5344CB8AC3E}">
@@ -15997,30 +15781,6 @@
               <a:rPr lang="en-US" baseline="0"/>
               <a:t> </a:t>
             </a:r>
-            <a:endParaRPr lang="en-US"/>
-          </a:p>
-        </p:txBody>
-      </p:sp>
-      <p:sp>
-        <p:nvSpPr>
-          <p:cNvPr id="4" name="Slide Number Placeholder 3"/>
-          <p:cNvSpPr>
-            <a:spLocks noGrp="1"/>
-          </p:cNvSpPr>
-          <p:nvPr>
-            <p:ph type="sldNum" sz="quarter" idx="10"/>
-          </p:nvPr>
-        </p:nvSpPr>
-        <p:spPr/>
-        <p:txBody>
-          <a:bodyPr/>
-          <a:lstStyle/>
-          <a:p>
-            <a:fld id="{FE9BC4E5-2BC1-4F43-85DD-A1B8F74CB7EB}" type="slidenum">
-              <a:rPr lang="en-US" smtClean="0"/>
-              <a:pPr/>
-              <a:t>22</a:t>
-            </a:fld>
             <a:endParaRPr lang="en-US"/>
           </a:p>
         </p:txBody>
@@ -16086,30 +15846,6 @@
           </a:p>
         </p:txBody>
       </p:sp>
-      <p:sp>
-        <p:nvSpPr>
-          <p:cNvPr id="4" name="Slide Number Placeholder 3"/>
-          <p:cNvSpPr>
-            <a:spLocks noGrp="1"/>
-          </p:cNvSpPr>
-          <p:nvPr>
-            <p:ph type="sldNum" sz="quarter" idx="10"/>
-          </p:nvPr>
-        </p:nvSpPr>
-        <p:spPr/>
-        <p:txBody>
-          <a:bodyPr/>
-          <a:lstStyle/>
-          <a:p>
-            <a:fld id="{FE9BC4E5-2BC1-4F43-85DD-A1B8F74CB7EB}" type="slidenum">
-              <a:rPr lang="en-US" smtClean="0"/>
-              <a:pPr/>
-              <a:t>24</a:t>
-            </a:fld>
-            <a:endParaRPr lang="en-US"/>
-          </a:p>
-        </p:txBody>
-      </p:sp>
     </p:spTree>
     <p:extLst>
       <p:ext uri="{BB962C8B-B14F-4D97-AF65-F5344CB8AC3E}">
@@ -16171,34 +15907,10 @@
           </a:p>
         </p:txBody>
       </p:sp>
-      <p:sp>
-        <p:nvSpPr>
-          <p:cNvPr id="4" name="Slide Number Placeholder 3"/>
-          <p:cNvSpPr>
-            <a:spLocks noGrp="1"/>
-          </p:cNvSpPr>
-          <p:nvPr>
-            <p:ph type="sldNum" sz="quarter" idx="10"/>
-          </p:nvPr>
-        </p:nvSpPr>
-        <p:spPr/>
-        <p:txBody>
-          <a:bodyPr/>
-          <a:lstStyle/>
-          <a:p>
-            <a:fld id="{FE9BC4E5-2BC1-4F43-85DD-A1B8F74CB7EB}" type="slidenum">
-              <a:rPr lang="en-US" smtClean="0"/>
-              <a:pPr/>
-              <a:t>2</a:t>
-            </a:fld>
-            <a:endParaRPr lang="en-US"/>
-          </a:p>
-        </p:txBody>
-      </p:sp>
     </p:spTree>
     <p:extLst>
       <p:ext uri="{BB962C8B-B14F-4D97-AF65-F5344CB8AC3E}">
-        <p14:creationId xmlns:p14="http://schemas.microsoft.com/office/powerpoint/2010/main" val="377771028"/>
+        <p14:creationId xmlns:p14="http://schemas.microsoft.com/office/powerpoint/2010/main" val="3470218565"/>
       </p:ext>
     </p:extLst>
   </p:cSld>
@@ -16264,30 +15976,6 @@
               <a:rPr lang="en-US"/>
               <a:t>http://www.typescriptlang.org/play/ </a:t>
             </a:r>
-          </a:p>
-        </p:txBody>
-      </p:sp>
-      <p:sp>
-        <p:nvSpPr>
-          <p:cNvPr id="4" name="Slide Number Placeholder 3"/>
-          <p:cNvSpPr>
-            <a:spLocks noGrp="1"/>
-          </p:cNvSpPr>
-          <p:nvPr>
-            <p:ph type="sldNum" sz="quarter" idx="10"/>
-          </p:nvPr>
-        </p:nvSpPr>
-        <p:spPr/>
-        <p:txBody>
-          <a:bodyPr/>
-          <a:lstStyle/>
-          <a:p>
-            <a:fld id="{FE9BC4E5-2BC1-4F43-85DD-A1B8F74CB7EB}" type="slidenum">
-              <a:rPr lang="en-US" smtClean="0"/>
-              <a:pPr/>
-              <a:t>27</a:t>
-            </a:fld>
-            <a:endParaRPr lang="en-US"/>
           </a:p>
         </p:txBody>
       </p:sp>
@@ -16384,30 +16072,6 @@
           </a:p>
         </p:txBody>
       </p:sp>
-      <p:sp>
-        <p:nvSpPr>
-          <p:cNvPr id="4" name="Slide Number Placeholder 3"/>
-          <p:cNvSpPr>
-            <a:spLocks noGrp="1"/>
-          </p:cNvSpPr>
-          <p:nvPr>
-            <p:ph type="sldNum" sz="quarter" idx="10"/>
-          </p:nvPr>
-        </p:nvSpPr>
-        <p:spPr/>
-        <p:txBody>
-          <a:bodyPr/>
-          <a:lstStyle/>
-          <a:p>
-            <a:fld id="{FE9BC4E5-2BC1-4F43-85DD-A1B8F74CB7EB}" type="slidenum">
-              <a:rPr lang="en-US" smtClean="0"/>
-              <a:pPr/>
-              <a:t>28</a:t>
-            </a:fld>
-            <a:endParaRPr lang="en-US"/>
-          </a:p>
-        </p:txBody>
-      </p:sp>
     </p:spTree>
     <p:extLst>
       <p:ext uri="{BB962C8B-B14F-4D97-AF65-F5344CB8AC3E}">
@@ -16465,31 +16129,7 @@
           <a:bodyPr/>
           <a:lstStyle/>
           <a:p>
-            <a:endParaRPr lang="en-US"/>
-          </a:p>
-        </p:txBody>
-      </p:sp>
-      <p:sp>
-        <p:nvSpPr>
-          <p:cNvPr id="4" name="Slide Number Placeholder 3"/>
-          <p:cNvSpPr>
-            <a:spLocks noGrp="1"/>
-          </p:cNvSpPr>
-          <p:nvPr>
-            <p:ph type="sldNum" sz="quarter" idx="10"/>
-          </p:nvPr>
-        </p:nvSpPr>
-        <p:spPr/>
-        <p:txBody>
-          <a:bodyPr/>
-          <a:lstStyle/>
-          <a:p>
-            <a:fld id="{FE9BC4E5-2BC1-4F43-85DD-A1B8F74CB7EB}" type="slidenum">
-              <a:rPr lang="en-US" smtClean="0"/>
-              <a:pPr/>
-              <a:t>29</a:t>
-            </a:fld>
-            <a:endParaRPr lang="en-US"/>
+            <a:endParaRPr lang="en-US" dirty="0"/>
           </a:p>
         </p:txBody>
       </p:sp>
@@ -16569,30 +16209,6 @@
           </a:p>
         </p:txBody>
       </p:sp>
-      <p:sp>
-        <p:nvSpPr>
-          <p:cNvPr id="4" name="Slide Number Placeholder 3"/>
-          <p:cNvSpPr>
-            <a:spLocks noGrp="1"/>
-          </p:cNvSpPr>
-          <p:nvPr>
-            <p:ph type="sldNum" sz="quarter" idx="10"/>
-          </p:nvPr>
-        </p:nvSpPr>
-        <p:spPr/>
-        <p:txBody>
-          <a:bodyPr/>
-          <a:lstStyle/>
-          <a:p>
-            <a:fld id="{FE9BC4E5-2BC1-4F43-85DD-A1B8F74CB7EB}" type="slidenum">
-              <a:rPr lang="en-US" smtClean="0"/>
-              <a:pPr/>
-              <a:t>30</a:t>
-            </a:fld>
-            <a:endParaRPr lang="en-US"/>
-          </a:p>
-        </p:txBody>
-      </p:sp>
     </p:spTree>
     <p:extLst>
       <p:ext uri="{BB962C8B-B14F-4D97-AF65-F5344CB8AC3E}">
@@ -16650,30 +16266,6 @@
           <a:bodyPr/>
           <a:lstStyle/>
           <a:p>
-            <a:endParaRPr lang="en-US"/>
-          </a:p>
-        </p:txBody>
-      </p:sp>
-      <p:sp>
-        <p:nvSpPr>
-          <p:cNvPr id="4" name="Slide Number Placeholder 3"/>
-          <p:cNvSpPr>
-            <a:spLocks noGrp="1"/>
-          </p:cNvSpPr>
-          <p:nvPr>
-            <p:ph type="sldNum" sz="quarter" idx="10"/>
-          </p:nvPr>
-        </p:nvSpPr>
-        <p:spPr/>
-        <p:txBody>
-          <a:bodyPr/>
-          <a:lstStyle/>
-          <a:p>
-            <a:fld id="{FE9BC4E5-2BC1-4F43-85DD-A1B8F74CB7EB}" type="slidenum">
-              <a:rPr lang="en-US" smtClean="0"/>
-              <a:pPr/>
-              <a:t>31</a:t>
-            </a:fld>
             <a:endParaRPr lang="en-US"/>
           </a:p>
         </p:txBody>
@@ -16797,30 +16389,6 @@
           </a:p>
         </p:txBody>
       </p:sp>
-      <p:sp>
-        <p:nvSpPr>
-          <p:cNvPr id="4" name="Slide Number Placeholder 3"/>
-          <p:cNvSpPr>
-            <a:spLocks noGrp="1"/>
-          </p:cNvSpPr>
-          <p:nvPr>
-            <p:ph type="sldNum" sz="quarter" idx="10"/>
-          </p:nvPr>
-        </p:nvSpPr>
-        <p:spPr/>
-        <p:txBody>
-          <a:bodyPr/>
-          <a:lstStyle/>
-          <a:p>
-            <a:fld id="{FE9BC4E5-2BC1-4F43-85DD-A1B8F74CB7EB}" type="slidenum">
-              <a:rPr lang="en-US" smtClean="0"/>
-              <a:pPr/>
-              <a:t>33</a:t>
-            </a:fld>
-            <a:endParaRPr lang="en-US"/>
-          </a:p>
-        </p:txBody>
-      </p:sp>
     </p:spTree>
     <p:extLst>
       <p:ext uri="{BB962C8B-B14F-4D97-AF65-F5344CB8AC3E}">
@@ -16906,30 +16474,6 @@
             </a:r>
           </a:p>
           <a:p>
-            <a:endParaRPr lang="en-US"/>
-          </a:p>
-        </p:txBody>
-      </p:sp>
-      <p:sp>
-        <p:nvSpPr>
-          <p:cNvPr id="4" name="Slide Number Placeholder 3"/>
-          <p:cNvSpPr>
-            <a:spLocks noGrp="1"/>
-          </p:cNvSpPr>
-          <p:nvPr>
-            <p:ph type="sldNum" sz="quarter" idx="10"/>
-          </p:nvPr>
-        </p:nvSpPr>
-        <p:spPr/>
-        <p:txBody>
-          <a:bodyPr/>
-          <a:lstStyle/>
-          <a:p>
-            <a:fld id="{FE9BC4E5-2BC1-4F43-85DD-A1B8F74CB7EB}" type="slidenum">
-              <a:rPr lang="en-US" smtClean="0"/>
-              <a:pPr/>
-              <a:t>34</a:t>
-            </a:fld>
             <a:endParaRPr lang="en-US"/>
           </a:p>
         </p:txBody>
@@ -16995,30 +16539,6 @@
           </a:p>
         </p:txBody>
       </p:sp>
-      <p:sp>
-        <p:nvSpPr>
-          <p:cNvPr id="4" name="Slide Number Placeholder 3"/>
-          <p:cNvSpPr>
-            <a:spLocks noGrp="1"/>
-          </p:cNvSpPr>
-          <p:nvPr>
-            <p:ph type="sldNum" sz="quarter" idx="10"/>
-          </p:nvPr>
-        </p:nvSpPr>
-        <p:spPr/>
-        <p:txBody>
-          <a:bodyPr/>
-          <a:lstStyle/>
-          <a:p>
-            <a:fld id="{FE9BC4E5-2BC1-4F43-85DD-A1B8F74CB7EB}" type="slidenum">
-              <a:rPr lang="en-US" smtClean="0"/>
-              <a:pPr/>
-              <a:t>35</a:t>
-            </a:fld>
-            <a:endParaRPr lang="en-US"/>
-          </a:p>
-        </p:txBody>
-      </p:sp>
     </p:spTree>
     <p:extLst>
       <p:ext uri="{BB962C8B-B14F-4D97-AF65-F5344CB8AC3E}">
@@ -17076,30 +16596,6 @@
           <a:bodyPr/>
           <a:lstStyle/>
           <a:p>
-            <a:endParaRPr lang="en-US"/>
-          </a:p>
-        </p:txBody>
-      </p:sp>
-      <p:sp>
-        <p:nvSpPr>
-          <p:cNvPr id="4" name="Slide Number Placeholder 3"/>
-          <p:cNvSpPr>
-            <a:spLocks noGrp="1"/>
-          </p:cNvSpPr>
-          <p:nvPr>
-            <p:ph type="sldNum" sz="quarter" idx="10"/>
-          </p:nvPr>
-        </p:nvSpPr>
-        <p:spPr/>
-        <p:txBody>
-          <a:bodyPr/>
-          <a:lstStyle/>
-          <a:p>
-            <a:fld id="{FE9BC4E5-2BC1-4F43-85DD-A1B8F74CB7EB}" type="slidenum">
-              <a:rPr lang="en-US" smtClean="0"/>
-              <a:pPr/>
-              <a:t>36</a:t>
-            </a:fld>
             <a:endParaRPr lang="en-US"/>
           </a:p>
         </p:txBody>
@@ -17165,30 +16661,6 @@
           </a:p>
         </p:txBody>
       </p:sp>
-      <p:sp>
-        <p:nvSpPr>
-          <p:cNvPr id="4" name="Slide Number Placeholder 3"/>
-          <p:cNvSpPr>
-            <a:spLocks noGrp="1"/>
-          </p:cNvSpPr>
-          <p:nvPr>
-            <p:ph type="sldNum" sz="quarter" idx="10"/>
-          </p:nvPr>
-        </p:nvSpPr>
-        <p:spPr/>
-        <p:txBody>
-          <a:bodyPr/>
-          <a:lstStyle/>
-          <a:p>
-            <a:fld id="{FE9BC4E5-2BC1-4F43-85DD-A1B8F74CB7EB}" type="slidenum">
-              <a:rPr lang="en-US" smtClean="0"/>
-              <a:pPr/>
-              <a:t>37</a:t>
-            </a:fld>
-            <a:endParaRPr lang="en-US"/>
-          </a:p>
-        </p:txBody>
-      </p:sp>
     </p:spTree>
     <p:extLst>
       <p:ext uri="{BB962C8B-B14F-4D97-AF65-F5344CB8AC3E}">
@@ -17250,34 +16722,10 @@
           </a:p>
         </p:txBody>
       </p:sp>
-      <p:sp>
-        <p:nvSpPr>
-          <p:cNvPr id="4" name="Slide Number Placeholder 3"/>
-          <p:cNvSpPr>
-            <a:spLocks noGrp="1"/>
-          </p:cNvSpPr>
-          <p:nvPr>
-            <p:ph type="sldNum" sz="quarter" idx="10"/>
-          </p:nvPr>
-        </p:nvSpPr>
-        <p:spPr/>
-        <p:txBody>
-          <a:bodyPr/>
-          <a:lstStyle/>
-          <a:p>
-            <a:fld id="{FE9BC4E5-2BC1-4F43-85DD-A1B8F74CB7EB}" type="slidenum">
-              <a:rPr lang="en-US" smtClean="0"/>
-              <a:pPr/>
-              <a:t>3</a:t>
-            </a:fld>
-            <a:endParaRPr lang="en-US"/>
-          </a:p>
-        </p:txBody>
-      </p:sp>
     </p:spTree>
     <p:extLst>
       <p:ext uri="{BB962C8B-B14F-4D97-AF65-F5344CB8AC3E}">
-        <p14:creationId xmlns:p14="http://schemas.microsoft.com/office/powerpoint/2010/main" val="3470218565"/>
+        <p14:creationId xmlns:p14="http://schemas.microsoft.com/office/powerpoint/2010/main" val="1698377347"/>
       </p:ext>
     </p:extLst>
   </p:cSld>
@@ -17331,30 +16779,6 @@
           <a:bodyPr/>
           <a:lstStyle/>
           <a:p>
-            <a:endParaRPr lang="en-US"/>
-          </a:p>
-        </p:txBody>
-      </p:sp>
-      <p:sp>
-        <p:nvSpPr>
-          <p:cNvPr id="4" name="Slide Number Placeholder 3"/>
-          <p:cNvSpPr>
-            <a:spLocks noGrp="1"/>
-          </p:cNvSpPr>
-          <p:nvPr>
-            <p:ph type="sldNum" sz="quarter" idx="10"/>
-          </p:nvPr>
-        </p:nvSpPr>
-        <p:spPr/>
-        <p:txBody>
-          <a:bodyPr/>
-          <a:lstStyle/>
-          <a:p>
-            <a:fld id="{FE9BC4E5-2BC1-4F43-85DD-A1B8F74CB7EB}" type="slidenum">
-              <a:rPr lang="en-US" smtClean="0"/>
-              <a:pPr/>
-              <a:t>38</a:t>
-            </a:fld>
             <a:endParaRPr lang="en-US"/>
           </a:p>
         </p:txBody>
@@ -17420,30 +16844,6 @@
           </a:p>
         </p:txBody>
       </p:sp>
-      <p:sp>
-        <p:nvSpPr>
-          <p:cNvPr id="4" name="Slide Number Placeholder 3"/>
-          <p:cNvSpPr>
-            <a:spLocks noGrp="1"/>
-          </p:cNvSpPr>
-          <p:nvPr>
-            <p:ph type="sldNum" sz="quarter" idx="10"/>
-          </p:nvPr>
-        </p:nvSpPr>
-        <p:spPr/>
-        <p:txBody>
-          <a:bodyPr/>
-          <a:lstStyle/>
-          <a:p>
-            <a:fld id="{FE9BC4E5-2BC1-4F43-85DD-A1B8F74CB7EB}" type="slidenum">
-              <a:rPr lang="en-US" smtClean="0"/>
-              <a:pPr/>
-              <a:t>39</a:t>
-            </a:fld>
-            <a:endParaRPr lang="en-US"/>
-          </a:p>
-        </p:txBody>
-      </p:sp>
     </p:spTree>
     <p:extLst>
       <p:ext uri="{BB962C8B-B14F-4D97-AF65-F5344CB8AC3E}">
@@ -17501,30 +16901,6 @@
           <a:bodyPr/>
           <a:lstStyle/>
           <a:p>
-            <a:endParaRPr lang="en-US"/>
-          </a:p>
-        </p:txBody>
-      </p:sp>
-      <p:sp>
-        <p:nvSpPr>
-          <p:cNvPr id="4" name="Slide Number Placeholder 3"/>
-          <p:cNvSpPr>
-            <a:spLocks noGrp="1"/>
-          </p:cNvSpPr>
-          <p:nvPr>
-            <p:ph type="sldNum" sz="quarter" idx="10"/>
-          </p:nvPr>
-        </p:nvSpPr>
-        <p:spPr/>
-        <p:txBody>
-          <a:bodyPr/>
-          <a:lstStyle/>
-          <a:p>
-            <a:fld id="{FE9BC4E5-2BC1-4F43-85DD-A1B8F74CB7EB}" type="slidenum">
-              <a:rPr lang="en-US" smtClean="0"/>
-              <a:pPr/>
-              <a:t>40</a:t>
-            </a:fld>
             <a:endParaRPr lang="en-US"/>
           </a:p>
         </p:txBody>
@@ -17618,30 +16994,6 @@
           </a:p>
         </p:txBody>
       </p:sp>
-      <p:sp>
-        <p:nvSpPr>
-          <p:cNvPr id="4" name="Slide Number Placeholder 3"/>
-          <p:cNvSpPr>
-            <a:spLocks noGrp="1"/>
-          </p:cNvSpPr>
-          <p:nvPr>
-            <p:ph type="sldNum" sz="quarter" idx="10"/>
-          </p:nvPr>
-        </p:nvSpPr>
-        <p:spPr/>
-        <p:txBody>
-          <a:bodyPr/>
-          <a:lstStyle/>
-          <a:p>
-            <a:fld id="{FE9BC4E5-2BC1-4F43-85DD-A1B8F74CB7EB}" type="slidenum">
-              <a:rPr lang="en-US" smtClean="0"/>
-              <a:pPr/>
-              <a:t>41</a:t>
-            </a:fld>
-            <a:endParaRPr lang="en-US"/>
-          </a:p>
-        </p:txBody>
-      </p:sp>
     </p:spTree>
     <p:extLst>
       <p:ext uri="{BB962C8B-B14F-4D97-AF65-F5344CB8AC3E}">
@@ -17713,30 +17065,6 @@
               <a:rPr lang="en-US" baseline="0"/>
               <a:t>Changing the value of names will not fetch any data.</a:t>
             </a:r>
-            <a:endParaRPr lang="en-US"/>
-          </a:p>
-        </p:txBody>
-      </p:sp>
-      <p:sp>
-        <p:nvSpPr>
-          <p:cNvPr id="4" name="Slide Number Placeholder 3"/>
-          <p:cNvSpPr>
-            <a:spLocks noGrp="1"/>
-          </p:cNvSpPr>
-          <p:nvPr>
-            <p:ph type="sldNum" sz="quarter" idx="10"/>
-          </p:nvPr>
-        </p:nvSpPr>
-        <p:spPr/>
-        <p:txBody>
-          <a:bodyPr/>
-          <a:lstStyle/>
-          <a:p>
-            <a:fld id="{FE9BC4E5-2BC1-4F43-85DD-A1B8F74CB7EB}" type="slidenum">
-              <a:rPr lang="en-US" smtClean="0"/>
-              <a:pPr/>
-              <a:t>42</a:t>
-            </a:fld>
             <a:endParaRPr lang="en-US"/>
           </a:p>
         </p:txBody>
@@ -17802,30 +17130,6 @@
           </a:p>
         </p:txBody>
       </p:sp>
-      <p:sp>
-        <p:nvSpPr>
-          <p:cNvPr id="4" name="Slide Number Placeholder 3"/>
-          <p:cNvSpPr>
-            <a:spLocks noGrp="1"/>
-          </p:cNvSpPr>
-          <p:nvPr>
-            <p:ph type="sldNum" sz="quarter" idx="10"/>
-          </p:nvPr>
-        </p:nvSpPr>
-        <p:spPr/>
-        <p:txBody>
-          <a:bodyPr/>
-          <a:lstStyle/>
-          <a:p>
-            <a:fld id="{FE9BC4E5-2BC1-4F43-85DD-A1B8F74CB7EB}" type="slidenum">
-              <a:rPr lang="en-US" smtClean="0"/>
-              <a:pPr/>
-              <a:t>43</a:t>
-            </a:fld>
-            <a:endParaRPr lang="en-US"/>
-          </a:p>
-        </p:txBody>
-      </p:sp>
     </p:spTree>
     <p:extLst>
       <p:ext uri="{BB962C8B-B14F-4D97-AF65-F5344CB8AC3E}">
@@ -17891,30 +17195,6 @@
               <a:rPr lang="en-US" baseline="0"/>
               <a:t> the instructions in the handout and develop the Reddit application. The completed code is under demos- Reddit 01-02. </a:t>
             </a:r>
-            <a:endParaRPr lang="en-US"/>
-          </a:p>
-        </p:txBody>
-      </p:sp>
-      <p:sp>
-        <p:nvSpPr>
-          <p:cNvPr id="4" name="Slide Number Placeholder 3"/>
-          <p:cNvSpPr>
-            <a:spLocks noGrp="1"/>
-          </p:cNvSpPr>
-          <p:nvPr>
-            <p:ph type="sldNum" sz="quarter" idx="10"/>
-          </p:nvPr>
-        </p:nvSpPr>
-        <p:spPr/>
-        <p:txBody>
-          <a:bodyPr/>
-          <a:lstStyle/>
-          <a:p>
-            <a:fld id="{FE9BC4E5-2BC1-4F43-85DD-A1B8F74CB7EB}" type="slidenum">
-              <a:rPr lang="en-US" smtClean="0"/>
-              <a:pPr/>
-              <a:t>44</a:t>
-            </a:fld>
             <a:endParaRPr lang="en-US"/>
           </a:p>
         </p:txBody>
@@ -18017,30 +17297,6 @@
           </a:p>
         </p:txBody>
       </p:sp>
-      <p:sp>
-        <p:nvSpPr>
-          <p:cNvPr id="4" name="Slide Number Placeholder 3"/>
-          <p:cNvSpPr>
-            <a:spLocks noGrp="1"/>
-          </p:cNvSpPr>
-          <p:nvPr>
-            <p:ph type="sldNum" sz="quarter" idx="10"/>
-          </p:nvPr>
-        </p:nvSpPr>
-        <p:spPr/>
-        <p:txBody>
-          <a:bodyPr/>
-          <a:lstStyle/>
-          <a:p>
-            <a:fld id="{FE9BC4E5-2BC1-4F43-85DD-A1B8F74CB7EB}" type="slidenum">
-              <a:rPr lang="en-US" smtClean="0"/>
-              <a:pPr/>
-              <a:t>46</a:t>
-            </a:fld>
-            <a:endParaRPr lang="en-US"/>
-          </a:p>
-        </p:txBody>
-      </p:sp>
     </p:spTree>
     <p:extLst>
       <p:ext uri="{BB962C8B-B14F-4D97-AF65-F5344CB8AC3E}">
@@ -18098,30 +17354,6 @@
           <a:bodyPr/>
           <a:lstStyle/>
           <a:p>
-            <a:endParaRPr lang="en-US"/>
-          </a:p>
-        </p:txBody>
-      </p:sp>
-      <p:sp>
-        <p:nvSpPr>
-          <p:cNvPr id="4" name="Slide Number Placeholder 3"/>
-          <p:cNvSpPr>
-            <a:spLocks noGrp="1"/>
-          </p:cNvSpPr>
-          <p:nvPr>
-            <p:ph type="sldNum" sz="quarter" idx="10"/>
-          </p:nvPr>
-        </p:nvSpPr>
-        <p:spPr/>
-        <p:txBody>
-          <a:bodyPr/>
-          <a:lstStyle/>
-          <a:p>
-            <a:fld id="{FE9BC4E5-2BC1-4F43-85DD-A1B8F74CB7EB}" type="slidenum">
-              <a:rPr lang="en-US" smtClean="0"/>
-              <a:pPr/>
-              <a:t>47</a:t>
-            </a:fld>
             <a:endParaRPr lang="en-US"/>
           </a:p>
         </p:txBody>
@@ -18187,30 +17419,6 @@
           </a:p>
         </p:txBody>
       </p:sp>
-      <p:sp>
-        <p:nvSpPr>
-          <p:cNvPr id="4" name="Slide Number Placeholder 3"/>
-          <p:cNvSpPr>
-            <a:spLocks noGrp="1"/>
-          </p:cNvSpPr>
-          <p:nvPr>
-            <p:ph type="sldNum" sz="quarter" idx="10"/>
-          </p:nvPr>
-        </p:nvSpPr>
-        <p:spPr/>
-        <p:txBody>
-          <a:bodyPr/>
-          <a:lstStyle/>
-          <a:p>
-            <a:fld id="{FE9BC4E5-2BC1-4F43-85DD-A1B8F74CB7EB}" type="slidenum">
-              <a:rPr lang="en-US" smtClean="0"/>
-              <a:pPr/>
-              <a:t>48</a:t>
-            </a:fld>
-            <a:endParaRPr lang="en-US"/>
-          </a:p>
-        </p:txBody>
-      </p:sp>
     </p:spTree>
     <p:extLst>
       <p:ext uri="{BB962C8B-B14F-4D97-AF65-F5344CB8AC3E}">
@@ -18268,38 +17476,14 @@
           <a:bodyPr/>
           <a:lstStyle/>
           <a:p>
-            <a:endParaRPr lang="en-US"/>
-          </a:p>
-        </p:txBody>
-      </p:sp>
-      <p:sp>
-        <p:nvSpPr>
-          <p:cNvPr id="4" name="Slide Number Placeholder 3"/>
-          <p:cNvSpPr>
-            <a:spLocks noGrp="1"/>
-          </p:cNvSpPr>
-          <p:nvPr>
-            <p:ph type="sldNum" sz="quarter" idx="10"/>
-          </p:nvPr>
-        </p:nvSpPr>
-        <p:spPr/>
-        <p:txBody>
-          <a:bodyPr/>
-          <a:lstStyle/>
-          <a:p>
-            <a:fld id="{FE9BC4E5-2BC1-4F43-85DD-A1B8F74CB7EB}" type="slidenum">
-              <a:rPr lang="en-US" smtClean="0"/>
-              <a:pPr/>
-              <a:t>4</a:t>
-            </a:fld>
-            <a:endParaRPr lang="en-US"/>
+            <a:endParaRPr lang="en-US" dirty="0"/>
           </a:p>
         </p:txBody>
       </p:sp>
     </p:spTree>
     <p:extLst>
       <p:ext uri="{BB962C8B-B14F-4D97-AF65-F5344CB8AC3E}">
-        <p14:creationId xmlns:p14="http://schemas.microsoft.com/office/powerpoint/2010/main" val="1698377347"/>
+        <p14:creationId xmlns:p14="http://schemas.microsoft.com/office/powerpoint/2010/main" val="378565014"/>
       </p:ext>
     </p:extLst>
   </p:cSld>
@@ -18361,30 +17545,6 @@
               <a:rPr lang="en-US" baseline="0"/>
               <a:t> example if the choice is 2 Second choice is displayed twice. Note that there is no default. </a:t>
             </a:r>
-            <a:endParaRPr lang="en-US"/>
-          </a:p>
-        </p:txBody>
-      </p:sp>
-      <p:sp>
-        <p:nvSpPr>
-          <p:cNvPr id="4" name="Slide Number Placeholder 3"/>
-          <p:cNvSpPr>
-            <a:spLocks noGrp="1"/>
-          </p:cNvSpPr>
-          <p:nvPr>
-            <p:ph type="sldNum" sz="quarter" idx="10"/>
-          </p:nvPr>
-        </p:nvSpPr>
-        <p:spPr/>
-        <p:txBody>
-          <a:bodyPr/>
-          <a:lstStyle/>
-          <a:p>
-            <a:fld id="{FE9BC4E5-2BC1-4F43-85DD-A1B8F74CB7EB}" type="slidenum">
-              <a:rPr lang="en-US" smtClean="0"/>
-              <a:pPr/>
-              <a:t>49</a:t>
-            </a:fld>
             <a:endParaRPr lang="en-US"/>
           </a:p>
         </p:txBody>
@@ -18458,30 +17618,6 @@
           </a:p>
         </p:txBody>
       </p:sp>
-      <p:sp>
-        <p:nvSpPr>
-          <p:cNvPr id="4" name="Slide Number Placeholder 3"/>
-          <p:cNvSpPr>
-            <a:spLocks noGrp="1"/>
-          </p:cNvSpPr>
-          <p:nvPr>
-            <p:ph type="sldNum" sz="quarter" idx="10"/>
-          </p:nvPr>
-        </p:nvSpPr>
-        <p:spPr/>
-        <p:txBody>
-          <a:bodyPr/>
-          <a:lstStyle/>
-          <a:p>
-            <a:fld id="{FE9BC4E5-2BC1-4F43-85DD-A1B8F74CB7EB}" type="slidenum">
-              <a:rPr lang="en-US" smtClean="0"/>
-              <a:pPr/>
-              <a:t>50</a:t>
-            </a:fld>
-            <a:endParaRPr lang="en-US"/>
-          </a:p>
-        </p:txBody>
-      </p:sp>
     </p:spTree>
     <p:extLst>
       <p:ext uri="{BB962C8B-B14F-4D97-AF65-F5344CB8AC3E}">
@@ -18547,30 +17683,6 @@
               <a:rPr lang="en-US" baseline="0"/>
               <a:t> as in Angular 1</a:t>
             </a:r>
-            <a:endParaRPr lang="en-US"/>
-          </a:p>
-        </p:txBody>
-      </p:sp>
-      <p:sp>
-        <p:nvSpPr>
-          <p:cNvPr id="4" name="Slide Number Placeholder 3"/>
-          <p:cNvSpPr>
-            <a:spLocks noGrp="1"/>
-          </p:cNvSpPr>
-          <p:nvPr>
-            <p:ph type="sldNum" sz="quarter" idx="10"/>
-          </p:nvPr>
-        </p:nvSpPr>
-        <p:spPr/>
-        <p:txBody>
-          <a:bodyPr/>
-          <a:lstStyle/>
-          <a:p>
-            <a:fld id="{FE9BC4E5-2BC1-4F43-85DD-A1B8F74CB7EB}" type="slidenum">
-              <a:rPr lang="en-US" smtClean="0"/>
-              <a:pPr/>
-              <a:t>51</a:t>
-            </a:fld>
             <a:endParaRPr lang="en-US"/>
           </a:p>
         </p:txBody>
@@ -18647,30 +17759,6 @@
           </a:p>
         </p:txBody>
       </p:sp>
-      <p:sp>
-        <p:nvSpPr>
-          <p:cNvPr id="4" name="Slide Number Placeholder 3"/>
-          <p:cNvSpPr>
-            <a:spLocks noGrp="1"/>
-          </p:cNvSpPr>
-          <p:nvPr>
-            <p:ph type="sldNum" sz="quarter" idx="10"/>
-          </p:nvPr>
-        </p:nvSpPr>
-        <p:spPr/>
-        <p:txBody>
-          <a:bodyPr/>
-          <a:lstStyle/>
-          <a:p>
-            <a:fld id="{FE9BC4E5-2BC1-4F43-85DD-A1B8F74CB7EB}" type="slidenum">
-              <a:rPr lang="en-US" smtClean="0"/>
-              <a:pPr/>
-              <a:t>52</a:t>
-            </a:fld>
-            <a:endParaRPr lang="en-US"/>
-          </a:p>
-        </p:txBody>
-      </p:sp>
     </p:spTree>
     <p:extLst>
       <p:ext uri="{BB962C8B-B14F-4D97-AF65-F5344CB8AC3E}">
@@ -18744,30 +17832,6 @@
               <a:rPr lang="en-US" baseline="0"/>
               <a:t> app that you developed and show the various directives.</a:t>
             </a:r>
-            <a:endParaRPr lang="en-US"/>
-          </a:p>
-        </p:txBody>
-      </p:sp>
-      <p:sp>
-        <p:nvSpPr>
-          <p:cNvPr id="4" name="Slide Number Placeholder 3"/>
-          <p:cNvSpPr>
-            <a:spLocks noGrp="1"/>
-          </p:cNvSpPr>
-          <p:nvPr>
-            <p:ph type="sldNum" sz="quarter" idx="10"/>
-          </p:nvPr>
-        </p:nvSpPr>
-        <p:spPr/>
-        <p:txBody>
-          <a:bodyPr/>
-          <a:lstStyle/>
-          <a:p>
-            <a:fld id="{FE9BC4E5-2BC1-4F43-85DD-A1B8F74CB7EB}" type="slidenum">
-              <a:rPr lang="en-US" smtClean="0"/>
-              <a:pPr/>
-              <a:t>54</a:t>
-            </a:fld>
             <a:endParaRPr lang="en-US"/>
           </a:p>
         </p:txBody>
@@ -18833,30 +17897,6 @@
           </a:p>
         </p:txBody>
       </p:sp>
-      <p:sp>
-        <p:nvSpPr>
-          <p:cNvPr id="4" name="Slide Number Placeholder 3"/>
-          <p:cNvSpPr>
-            <a:spLocks noGrp="1"/>
-          </p:cNvSpPr>
-          <p:nvPr>
-            <p:ph type="sldNum" sz="quarter" idx="10"/>
-          </p:nvPr>
-        </p:nvSpPr>
-        <p:spPr/>
-        <p:txBody>
-          <a:bodyPr/>
-          <a:lstStyle/>
-          <a:p>
-            <a:fld id="{FE9BC4E5-2BC1-4F43-85DD-A1B8F74CB7EB}" type="slidenum">
-              <a:rPr lang="en-US" smtClean="0"/>
-              <a:pPr/>
-              <a:t>55</a:t>
-            </a:fld>
-            <a:endParaRPr lang="en-US"/>
-          </a:p>
-        </p:txBody>
-      </p:sp>
     </p:spTree>
     <p:extLst>
       <p:ext uri="{BB962C8B-B14F-4D97-AF65-F5344CB8AC3E}">
@@ -18914,30 +17954,6 @@
           <a:bodyPr/>
           <a:lstStyle/>
           <a:p>
-            <a:endParaRPr lang="en-US"/>
-          </a:p>
-        </p:txBody>
-      </p:sp>
-      <p:sp>
-        <p:nvSpPr>
-          <p:cNvPr id="4" name="Slide Number Placeholder 3"/>
-          <p:cNvSpPr>
-            <a:spLocks noGrp="1"/>
-          </p:cNvSpPr>
-          <p:nvPr>
-            <p:ph type="sldNum" sz="quarter" idx="10"/>
-          </p:nvPr>
-        </p:nvSpPr>
-        <p:spPr/>
-        <p:txBody>
-          <a:bodyPr/>
-          <a:lstStyle/>
-          <a:p>
-            <a:fld id="{FE9BC4E5-2BC1-4F43-85DD-A1B8F74CB7EB}" type="slidenum">
-              <a:rPr lang="en-US" smtClean="0"/>
-              <a:pPr/>
-              <a:t>58</a:t>
-            </a:fld>
             <a:endParaRPr lang="en-US"/>
           </a:p>
         </p:txBody>
@@ -19003,30 +18019,6 @@
           </a:p>
         </p:txBody>
       </p:sp>
-      <p:sp>
-        <p:nvSpPr>
-          <p:cNvPr id="4" name="Slide Number Placeholder 3"/>
-          <p:cNvSpPr>
-            <a:spLocks noGrp="1"/>
-          </p:cNvSpPr>
-          <p:nvPr>
-            <p:ph type="sldNum" sz="quarter" idx="10"/>
-          </p:nvPr>
-        </p:nvSpPr>
-        <p:spPr/>
-        <p:txBody>
-          <a:bodyPr/>
-          <a:lstStyle/>
-          <a:p>
-            <a:fld id="{FE9BC4E5-2BC1-4F43-85DD-A1B8F74CB7EB}" type="slidenum">
-              <a:rPr lang="en-US" smtClean="0"/>
-              <a:pPr/>
-              <a:t>59</a:t>
-            </a:fld>
-            <a:endParaRPr lang="en-US"/>
-          </a:p>
-        </p:txBody>
-      </p:sp>
     </p:spTree>
     <p:extLst>
       <p:ext uri="{BB962C8B-B14F-4D97-AF65-F5344CB8AC3E}">
@@ -19084,30 +18076,6 @@
           <a:bodyPr/>
           <a:lstStyle/>
           <a:p>
-            <a:endParaRPr lang="en-US"/>
-          </a:p>
-        </p:txBody>
-      </p:sp>
-      <p:sp>
-        <p:nvSpPr>
-          <p:cNvPr id="4" name="Slide Number Placeholder 3"/>
-          <p:cNvSpPr>
-            <a:spLocks noGrp="1"/>
-          </p:cNvSpPr>
-          <p:nvPr>
-            <p:ph type="sldNum" sz="quarter" idx="10"/>
-          </p:nvPr>
-        </p:nvSpPr>
-        <p:spPr/>
-        <p:txBody>
-          <a:bodyPr/>
-          <a:lstStyle/>
-          <a:p>
-            <a:fld id="{FE9BC4E5-2BC1-4F43-85DD-A1B8F74CB7EB}" type="slidenum">
-              <a:rPr lang="en-US" smtClean="0"/>
-              <a:pPr/>
-              <a:t>60</a:t>
-            </a:fld>
             <a:endParaRPr lang="en-US"/>
           </a:p>
         </p:txBody>
@@ -19194,30 +18162,6 @@
           </a:p>
         </p:txBody>
       </p:sp>
-      <p:sp>
-        <p:nvSpPr>
-          <p:cNvPr id="4" name="Slide Number Placeholder 3"/>
-          <p:cNvSpPr>
-            <a:spLocks noGrp="1"/>
-          </p:cNvSpPr>
-          <p:nvPr>
-            <p:ph type="sldNum" sz="quarter" idx="10"/>
-          </p:nvPr>
-        </p:nvSpPr>
-        <p:spPr/>
-        <p:txBody>
-          <a:bodyPr/>
-          <a:lstStyle/>
-          <a:p>
-            <a:fld id="{FE9BC4E5-2BC1-4F43-85DD-A1B8F74CB7EB}" type="slidenum">
-              <a:rPr lang="en-US" smtClean="0"/>
-              <a:pPr/>
-              <a:t>61</a:t>
-            </a:fld>
-            <a:endParaRPr lang="en-US"/>
-          </a:p>
-        </p:txBody>
-      </p:sp>
     </p:spTree>
     <p:extLst>
       <p:ext uri="{BB962C8B-B14F-4D97-AF65-F5344CB8AC3E}">
@@ -19329,30 +18273,6 @@
               <a:t>). </a:t>
             </a:r>
             <a:endParaRPr lang="en-US" dirty="0"/>
-          </a:p>
-        </p:txBody>
-      </p:sp>
-      <p:sp>
-        <p:nvSpPr>
-          <p:cNvPr id="4" name="Slide Number Placeholder 3"/>
-          <p:cNvSpPr>
-            <a:spLocks noGrp="1"/>
-          </p:cNvSpPr>
-          <p:nvPr>
-            <p:ph type="sldNum" sz="quarter" idx="10"/>
-          </p:nvPr>
-        </p:nvSpPr>
-        <p:spPr/>
-        <p:txBody>
-          <a:bodyPr/>
-          <a:lstStyle/>
-          <a:p>
-            <a:fld id="{FE9BC4E5-2BC1-4F43-85DD-A1B8F74CB7EB}" type="slidenum">
-              <a:rPr lang="en-US" smtClean="0"/>
-              <a:pPr/>
-              <a:t>7</a:t>
-            </a:fld>
-            <a:endParaRPr lang="en-US"/>
           </a:p>
         </p:txBody>
       </p:sp>
@@ -19454,30 +18374,6 @@
           </a:p>
         </p:txBody>
       </p:sp>
-      <p:sp>
-        <p:nvSpPr>
-          <p:cNvPr id="4" name="Slide Number Placeholder 3"/>
-          <p:cNvSpPr>
-            <a:spLocks noGrp="1"/>
-          </p:cNvSpPr>
-          <p:nvPr>
-            <p:ph type="sldNum" sz="quarter" idx="10"/>
-          </p:nvPr>
-        </p:nvSpPr>
-        <p:spPr/>
-        <p:txBody>
-          <a:bodyPr/>
-          <a:lstStyle/>
-          <a:p>
-            <a:fld id="{FE9BC4E5-2BC1-4F43-85DD-A1B8F74CB7EB}" type="slidenum">
-              <a:rPr lang="en-US" smtClean="0"/>
-              <a:pPr/>
-              <a:t>63</a:t>
-            </a:fld>
-            <a:endParaRPr lang="en-US"/>
-          </a:p>
-        </p:txBody>
-      </p:sp>
     </p:spTree>
     <p:extLst>
       <p:ext uri="{BB962C8B-B14F-4D97-AF65-F5344CB8AC3E}">
@@ -19565,30 +18461,6 @@
               <a:rPr lang="en-US" baseline="0"/>
               <a:t> with the business functionality and do not use Ng.</a:t>
             </a:r>
-            <a:endParaRPr lang="en-US"/>
-          </a:p>
-        </p:txBody>
-      </p:sp>
-      <p:sp>
-        <p:nvSpPr>
-          <p:cNvPr id="4" name="Slide Number Placeholder 3"/>
-          <p:cNvSpPr>
-            <a:spLocks noGrp="1"/>
-          </p:cNvSpPr>
-          <p:nvPr>
-            <p:ph type="sldNum" sz="quarter" idx="10"/>
-          </p:nvPr>
-        </p:nvSpPr>
-        <p:spPr/>
-        <p:txBody>
-          <a:bodyPr/>
-          <a:lstStyle/>
-          <a:p>
-            <a:fld id="{FE9BC4E5-2BC1-4F43-85DD-A1B8F74CB7EB}" type="slidenum">
-              <a:rPr lang="en-US" smtClean="0"/>
-              <a:pPr/>
-              <a:t>64</a:t>
-            </a:fld>
             <a:endParaRPr lang="en-US"/>
           </a:p>
         </p:txBody>
@@ -19654,30 +18526,6 @@
           </a:p>
         </p:txBody>
       </p:sp>
-      <p:sp>
-        <p:nvSpPr>
-          <p:cNvPr id="4" name="Slide Number Placeholder 3"/>
-          <p:cNvSpPr>
-            <a:spLocks noGrp="1"/>
-          </p:cNvSpPr>
-          <p:nvPr>
-            <p:ph type="sldNum" sz="quarter" idx="10"/>
-          </p:nvPr>
-        </p:nvSpPr>
-        <p:spPr/>
-        <p:txBody>
-          <a:bodyPr/>
-          <a:lstStyle/>
-          <a:p>
-            <a:fld id="{FE9BC4E5-2BC1-4F43-85DD-A1B8F74CB7EB}" type="slidenum">
-              <a:rPr lang="en-US" smtClean="0"/>
-              <a:pPr/>
-              <a:t>65</a:t>
-            </a:fld>
-            <a:endParaRPr lang="en-US"/>
-          </a:p>
-        </p:txBody>
-      </p:sp>
     </p:spTree>
     <p:extLst>
       <p:ext uri="{BB962C8B-B14F-4D97-AF65-F5344CB8AC3E}">
@@ -19743,30 +18591,6 @@
               <a:rPr lang="en-US" baseline="0"/>
               <a:t> square brackets.</a:t>
             </a:r>
-            <a:endParaRPr lang="en-US"/>
-          </a:p>
-        </p:txBody>
-      </p:sp>
-      <p:sp>
-        <p:nvSpPr>
-          <p:cNvPr id="4" name="Slide Number Placeholder 3"/>
-          <p:cNvSpPr>
-            <a:spLocks noGrp="1"/>
-          </p:cNvSpPr>
-          <p:nvPr>
-            <p:ph type="sldNum" sz="quarter" idx="10"/>
-          </p:nvPr>
-        </p:nvSpPr>
-        <p:spPr/>
-        <p:txBody>
-          <a:bodyPr/>
-          <a:lstStyle/>
-          <a:p>
-            <a:fld id="{FE9BC4E5-2BC1-4F43-85DD-A1B8F74CB7EB}" type="slidenum">
-              <a:rPr lang="en-US" smtClean="0"/>
-              <a:pPr/>
-              <a:t>66</a:t>
-            </a:fld>
             <a:endParaRPr lang="en-US"/>
           </a:p>
         </p:txBody>
@@ -19835,30 +18659,6 @@
           </a:p>
         </p:txBody>
       </p:sp>
-      <p:sp>
-        <p:nvSpPr>
-          <p:cNvPr id="4" name="Slide Number Placeholder 3"/>
-          <p:cNvSpPr>
-            <a:spLocks noGrp="1"/>
-          </p:cNvSpPr>
-          <p:nvPr>
-            <p:ph type="sldNum" sz="quarter" idx="10"/>
-          </p:nvPr>
-        </p:nvSpPr>
-        <p:spPr/>
-        <p:txBody>
-          <a:bodyPr/>
-          <a:lstStyle/>
-          <a:p>
-            <a:fld id="{FE9BC4E5-2BC1-4F43-85DD-A1B8F74CB7EB}" type="slidenum">
-              <a:rPr lang="en-US" smtClean="0"/>
-              <a:pPr/>
-              <a:t>67</a:t>
-            </a:fld>
-            <a:endParaRPr lang="en-US"/>
-          </a:p>
-        </p:txBody>
-      </p:sp>
     </p:spTree>
     <p:extLst>
       <p:ext uri="{BB962C8B-B14F-4D97-AF65-F5344CB8AC3E}">
@@ -19917,30 +18717,6 @@
           <a:lstStyle/>
           <a:p>
             <a:endParaRPr lang="en-US" dirty="0"/>
-          </a:p>
-        </p:txBody>
-      </p:sp>
-      <p:sp>
-        <p:nvSpPr>
-          <p:cNvPr id="4" name="Slide Number Placeholder 3"/>
-          <p:cNvSpPr>
-            <a:spLocks noGrp="1"/>
-          </p:cNvSpPr>
-          <p:nvPr>
-            <p:ph type="sldNum" sz="quarter" idx="10"/>
-          </p:nvPr>
-        </p:nvSpPr>
-        <p:spPr/>
-        <p:txBody>
-          <a:bodyPr/>
-          <a:lstStyle/>
-          <a:p>
-            <a:fld id="{FE9BC4E5-2BC1-4F43-85DD-A1B8F74CB7EB}" type="slidenum">
-              <a:rPr lang="en-US" smtClean="0"/>
-              <a:pPr/>
-              <a:t>69</a:t>
-            </a:fld>
-            <a:endParaRPr lang="en-US"/>
           </a:p>
         </p:txBody>
       </p:sp>
@@ -20005,30 +18781,6 @@
           </a:p>
         </p:txBody>
       </p:sp>
-      <p:sp>
-        <p:nvSpPr>
-          <p:cNvPr id="4" name="Slide Number Placeholder 3"/>
-          <p:cNvSpPr>
-            <a:spLocks noGrp="1"/>
-          </p:cNvSpPr>
-          <p:nvPr>
-            <p:ph type="sldNum" sz="quarter" idx="10"/>
-          </p:nvPr>
-        </p:nvSpPr>
-        <p:spPr/>
-        <p:txBody>
-          <a:bodyPr/>
-          <a:lstStyle/>
-          <a:p>
-            <a:fld id="{FE9BC4E5-2BC1-4F43-85DD-A1B8F74CB7EB}" type="slidenum">
-              <a:rPr lang="en-US" smtClean="0"/>
-              <a:pPr/>
-              <a:t>70</a:t>
-            </a:fld>
-            <a:endParaRPr lang="en-US"/>
-          </a:p>
-        </p:txBody>
-      </p:sp>
     </p:spTree>
     <p:extLst>
       <p:ext uri="{BB962C8B-B14F-4D97-AF65-F5344CB8AC3E}">
@@ -20087,30 +18839,6 @@
           <a:lstStyle/>
           <a:p>
             <a:endParaRPr lang="en-US" dirty="0"/>
-          </a:p>
-        </p:txBody>
-      </p:sp>
-      <p:sp>
-        <p:nvSpPr>
-          <p:cNvPr id="4" name="Slide Number Placeholder 3"/>
-          <p:cNvSpPr>
-            <a:spLocks noGrp="1"/>
-          </p:cNvSpPr>
-          <p:nvPr>
-            <p:ph type="sldNum" sz="quarter" idx="10"/>
-          </p:nvPr>
-        </p:nvSpPr>
-        <p:spPr/>
-        <p:txBody>
-          <a:bodyPr/>
-          <a:lstStyle/>
-          <a:p>
-            <a:fld id="{FE9BC4E5-2BC1-4F43-85DD-A1B8F74CB7EB}" type="slidenum">
-              <a:rPr lang="en-US" smtClean="0"/>
-              <a:pPr/>
-              <a:t>71</a:t>
-            </a:fld>
-            <a:endParaRPr lang="en-US"/>
           </a:p>
         </p:txBody>
       </p:sp>
@@ -20175,30 +18903,6 @@
           </a:p>
         </p:txBody>
       </p:sp>
-      <p:sp>
-        <p:nvSpPr>
-          <p:cNvPr id="4" name="Slide Number Placeholder 3"/>
-          <p:cNvSpPr>
-            <a:spLocks noGrp="1"/>
-          </p:cNvSpPr>
-          <p:nvPr>
-            <p:ph type="sldNum" sz="quarter" idx="10"/>
-          </p:nvPr>
-        </p:nvSpPr>
-        <p:spPr/>
-        <p:txBody>
-          <a:bodyPr/>
-          <a:lstStyle/>
-          <a:p>
-            <a:fld id="{FE9BC4E5-2BC1-4F43-85DD-A1B8F74CB7EB}" type="slidenum">
-              <a:rPr lang="en-US" smtClean="0"/>
-              <a:pPr/>
-              <a:t>8</a:t>
-            </a:fld>
-            <a:endParaRPr lang="en-US"/>
-          </a:p>
-        </p:txBody>
-      </p:sp>
     </p:spTree>
     <p:extLst>
       <p:ext uri="{BB962C8B-B14F-4D97-AF65-F5344CB8AC3E}">
@@ -20256,30 +18960,6 @@
           <a:bodyPr/>
           <a:lstStyle/>
           <a:p>
-            <a:endParaRPr lang="en-US"/>
-          </a:p>
-        </p:txBody>
-      </p:sp>
-      <p:sp>
-        <p:nvSpPr>
-          <p:cNvPr id="4" name="Slide Number Placeholder 3"/>
-          <p:cNvSpPr>
-            <a:spLocks noGrp="1"/>
-          </p:cNvSpPr>
-          <p:nvPr>
-            <p:ph type="sldNum" sz="quarter" idx="10"/>
-          </p:nvPr>
-        </p:nvSpPr>
-        <p:spPr/>
-        <p:txBody>
-          <a:bodyPr/>
-          <a:lstStyle/>
-          <a:p>
-            <a:fld id="{FE9BC4E5-2BC1-4F43-85DD-A1B8F74CB7EB}" type="slidenum">
-              <a:rPr lang="en-US" smtClean="0"/>
-              <a:pPr/>
-              <a:t>9</a:t>
-            </a:fld>
             <a:endParaRPr lang="en-US"/>
           </a:p>
         </p:txBody>
@@ -20403,30 +19083,6 @@
           </a:p>
         </p:txBody>
       </p:sp>
-      <p:sp>
-        <p:nvSpPr>
-          <p:cNvPr id="4" name="Slide Number Placeholder 3"/>
-          <p:cNvSpPr>
-            <a:spLocks noGrp="1"/>
-          </p:cNvSpPr>
-          <p:nvPr>
-            <p:ph type="sldNum" sz="quarter" idx="10"/>
-          </p:nvPr>
-        </p:nvSpPr>
-        <p:spPr/>
-        <p:txBody>
-          <a:bodyPr/>
-          <a:lstStyle/>
-          <a:p>
-            <a:fld id="{FE9BC4E5-2BC1-4F43-85DD-A1B8F74CB7EB}" type="slidenum">
-              <a:rPr lang="en-US" smtClean="0"/>
-              <a:pPr/>
-              <a:t>10</a:t>
-            </a:fld>
-            <a:endParaRPr lang="en-US"/>
-          </a:p>
-        </p:txBody>
-      </p:sp>
     </p:spTree>
     <p:extLst>
       <p:ext uri="{BB962C8B-B14F-4D97-AF65-F5344CB8AC3E}">
@@ -20502,30 +19158,6 @@
               </a:rPr>
               <a:t>This means the bundle you ship to your users will not include useless code if you don’t use animations in your app.</a:t>
             </a:r>
-            <a:endParaRPr lang="en-US"/>
-          </a:p>
-        </p:txBody>
-      </p:sp>
-      <p:sp>
-        <p:nvSpPr>
-          <p:cNvPr id="4" name="Slide Number Placeholder 3"/>
-          <p:cNvSpPr>
-            <a:spLocks noGrp="1"/>
-          </p:cNvSpPr>
-          <p:nvPr>
-            <p:ph type="sldNum" sz="quarter" idx="10"/>
-          </p:nvPr>
-        </p:nvSpPr>
-        <p:spPr/>
-        <p:txBody>
-          <a:bodyPr/>
-          <a:lstStyle/>
-          <a:p>
-            <a:fld id="{FE9BC4E5-2BC1-4F43-85DD-A1B8F74CB7EB}" type="slidenum">
-              <a:rPr lang="en-US" smtClean="0"/>
-              <a:pPr/>
-              <a:t>11</a:t>
-            </a:fld>
             <a:endParaRPr lang="en-US"/>
           </a:p>
         </p:txBody>
@@ -23368,7 +22000,7 @@
     <p:sldLayoutId id="2147483656" r:id="rId7"/>
     <p:sldLayoutId id="2147483650" r:id="rId8"/>
   </p:sldLayoutIdLst>
-  <p:hf hdr="0" dt="0"/>
+  <p:hf sldNum="0" hdr="0" dt="0"/>
   <p:txStyles>
     <p:titleStyle>
       <a:lvl1pPr algn="l" defTabSz="914400" rtl="0" eaLnBrk="1" latinLnBrk="0" hangingPunct="1">
@@ -23676,7 +22308,7 @@
 </file>
 
 <file path=ppt/slides/slide1.xml><?xml version="1.0" encoding="utf-8"?>
-<p:sld xmlns:a="http://schemas.openxmlformats.org/drawingml/2006/main" xmlns:r="http://schemas.openxmlformats.org/officeDocument/2006/relationships" xmlns:p="http://schemas.openxmlformats.org/presentationml/2006/main">
+<p:sld xmlns:a="http://schemas.openxmlformats.org/drawingml/2006/main" xmlns:r="http://schemas.openxmlformats.org/officeDocument/2006/relationships" xmlns:p="http://schemas.openxmlformats.org/presentationml/2006/main" showMasterSp="0">
   <p:cSld>
     <p:spTree>
       <p:nvGrpSpPr>
@@ -23694,12 +22326,12 @@
       </p:grpSpPr>
       <p:sp>
         <p:nvSpPr>
-          <p:cNvPr id="3" name="Title 1"/>
+          <p:cNvPr id="2" name="Title 1"/>
           <p:cNvSpPr>
             <a:spLocks noGrp="1"/>
           </p:cNvSpPr>
           <p:nvPr>
-            <p:ph type="ctrTitle"/>
+            <p:ph type="title"/>
           </p:nvPr>
         </p:nvSpPr>
         <p:spPr/>
@@ -23707,21 +22339,18 @@
           <a:bodyPr/>
           <a:lstStyle/>
           <a:p>
-            <a:r>
-              <a:rPr lang="en-AU"/>
-              <a:t>Angular 4</a:t>
-            </a:r>
+            <a:endParaRPr lang="en-US"/>
           </a:p>
         </p:txBody>
       </p:sp>
       <p:sp>
         <p:nvSpPr>
-          <p:cNvPr id="4" name="Text Placeholder 3"/>
+          <p:cNvPr id="3" name="Text Placeholder 2"/>
           <p:cNvSpPr>
             <a:spLocks noGrp="1"/>
           </p:cNvSpPr>
           <p:nvPr>
-            <p:ph type="body" sz="quarter" idx="10"/>
+            <p:ph type="body" idx="12"/>
           </p:nvPr>
         </p:nvSpPr>
         <p:spPr/>
@@ -23729,17 +22358,43 @@
           <a:bodyPr/>
           <a:lstStyle/>
           <a:p>
-            <a:r>
-              <a:rPr lang="en-GB"/>
+            <a:endParaRPr lang="en-US" dirty="0" smtClean="0"/>
+          </a:p>
+          <a:p>
+            <a:endParaRPr lang="en-US" b="1" dirty="0"/>
+          </a:p>
+          <a:p>
+            <a:pPr marL="2743200" lvl="6" indent="0">
+              <a:buNone/>
+            </a:pPr>
+            <a:r>
+              <a:rPr lang="en-AU" sz="4000" b="1" dirty="0"/>
+              <a:t>Angular </a:t>
+            </a:r>
+            <a:r>
+              <a:rPr lang="en-AU" sz="4000" b="1" dirty="0" smtClean="0"/>
+              <a:t>4</a:t>
+            </a:r>
+            <a:endParaRPr lang="en-US" sz="4000" b="1" dirty="0"/>
+          </a:p>
+          <a:p>
+            <a:pPr marL="2743200" lvl="6" indent="0">
+              <a:buNone/>
+            </a:pPr>
+            <a:r>
+              <a:rPr lang="en-US" dirty="0" smtClean="0"/>
               <a:t>Day 1</a:t>
             </a:r>
+          </a:p>
+          <a:p>
+            <a:endParaRPr lang="en-US" dirty="0"/>
           </a:p>
         </p:txBody>
       </p:sp>
     </p:spTree>
     <p:extLst>
       <p:ext uri="{BB962C8B-B14F-4D97-AF65-F5344CB8AC3E}">
-        <p14:creationId xmlns:p14="http://schemas.microsoft.com/office/powerpoint/2010/main" val="1241035648"/>
+        <p14:creationId xmlns:p14="http://schemas.microsoft.com/office/powerpoint/2010/main" val="864890743"/>
       </p:ext>
     </p:extLst>
   </p:cSld>
@@ -23750,7 +22405,7 @@
 </file>
 
 <file path=ppt/slides/slide10.xml><?xml version="1.0" encoding="utf-8"?>
-<p:sld xmlns:a="http://schemas.openxmlformats.org/drawingml/2006/main" xmlns:r="http://schemas.openxmlformats.org/officeDocument/2006/relationships" xmlns:p="http://schemas.openxmlformats.org/presentationml/2006/main">
+<p:sld xmlns:a="http://schemas.openxmlformats.org/drawingml/2006/main" xmlns:r="http://schemas.openxmlformats.org/officeDocument/2006/relationships" xmlns:p="http://schemas.openxmlformats.org/presentationml/2006/main" showMasterSp="0">
   <p:cSld>
     <p:spTree>
       <p:nvGrpSpPr>
@@ -23991,11 +22646,18 @@
   <p:clrMapOvr>
     <a:masterClrMapping/>
   </p:clrMapOvr>
+  <p:timing>
+    <p:tnLst>
+      <p:par>
+        <p:cTn id="1" dur="indefinite" restart="never" nodeType="tmRoot"/>
+      </p:par>
+    </p:tnLst>
+  </p:timing>
 </p:sld>
 </file>
 
 <file path=ppt/slides/slide11.xml><?xml version="1.0" encoding="utf-8"?>
-<p:sld xmlns:a="http://schemas.openxmlformats.org/drawingml/2006/main" xmlns:r="http://schemas.openxmlformats.org/officeDocument/2006/relationships" xmlns:p="http://schemas.openxmlformats.org/presentationml/2006/main">
+<p:sld xmlns:a="http://schemas.openxmlformats.org/drawingml/2006/main" xmlns:r="http://schemas.openxmlformats.org/officeDocument/2006/relationships" xmlns:p="http://schemas.openxmlformats.org/presentationml/2006/main" showMasterSp="0">
   <p:cSld>
     <p:spTree>
       <p:nvGrpSpPr>
@@ -24144,11 +22806,18 @@
   <p:clrMapOvr>
     <a:masterClrMapping/>
   </p:clrMapOvr>
+  <p:timing>
+    <p:tnLst>
+      <p:par>
+        <p:cTn id="1" dur="indefinite" restart="never" nodeType="tmRoot"/>
+      </p:par>
+    </p:tnLst>
+  </p:timing>
 </p:sld>
 </file>
 
 <file path=ppt/slides/slide12.xml><?xml version="1.0" encoding="utf-8"?>
-<p:sld xmlns:a="http://schemas.openxmlformats.org/drawingml/2006/main" xmlns:r="http://schemas.openxmlformats.org/officeDocument/2006/relationships" xmlns:p="http://schemas.openxmlformats.org/presentationml/2006/main">
+<p:sld xmlns:a="http://schemas.openxmlformats.org/drawingml/2006/main" xmlns:r="http://schemas.openxmlformats.org/officeDocument/2006/relationships" xmlns:p="http://schemas.openxmlformats.org/presentationml/2006/main" showMasterSp="0">
   <p:cSld>
     <p:spTree>
       <p:nvGrpSpPr>
@@ -24296,11 +22965,18 @@
   <p:clrMapOvr>
     <a:masterClrMapping/>
   </p:clrMapOvr>
+  <p:timing>
+    <p:tnLst>
+      <p:par>
+        <p:cTn id="1" dur="indefinite" restart="never" nodeType="tmRoot"/>
+      </p:par>
+    </p:tnLst>
+  </p:timing>
 </p:sld>
 </file>
 
 <file path=ppt/slides/slide13.xml><?xml version="1.0" encoding="utf-8"?>
-<p:sld xmlns:a="http://schemas.openxmlformats.org/drawingml/2006/main" xmlns:r="http://schemas.openxmlformats.org/officeDocument/2006/relationships" xmlns:p="http://schemas.openxmlformats.org/presentationml/2006/main">
+<p:sld xmlns:a="http://schemas.openxmlformats.org/drawingml/2006/main" xmlns:r="http://schemas.openxmlformats.org/officeDocument/2006/relationships" xmlns:p="http://schemas.openxmlformats.org/presentationml/2006/main" showMasterSp="0">
   <p:cSld>
     <p:spTree>
       <p:nvGrpSpPr>
@@ -24444,11 +23120,18 @@
   <p:clrMapOvr>
     <a:masterClrMapping/>
   </p:clrMapOvr>
+  <p:timing>
+    <p:tnLst>
+      <p:par>
+        <p:cTn id="1" dur="indefinite" restart="never" nodeType="tmRoot"/>
+      </p:par>
+    </p:tnLst>
+  </p:timing>
 </p:sld>
 </file>
 
 <file path=ppt/slides/slide14.xml><?xml version="1.0" encoding="utf-8"?>
-<p:sld xmlns:a="http://schemas.openxmlformats.org/drawingml/2006/main" xmlns:r="http://schemas.openxmlformats.org/officeDocument/2006/relationships" xmlns:p="http://schemas.openxmlformats.org/presentationml/2006/main">
+<p:sld xmlns:a="http://schemas.openxmlformats.org/drawingml/2006/main" xmlns:r="http://schemas.openxmlformats.org/officeDocument/2006/relationships" xmlns:p="http://schemas.openxmlformats.org/presentationml/2006/main" showMasterSp="0">
   <p:cSld>
     <p:spTree>
       <p:nvGrpSpPr>
@@ -24500,12 +23183,27 @@
   <p:clrMapOvr>
     <a:masterClrMapping/>
   </p:clrMapOvr>
+  <p:timing>
+    <p:tnLst>
+      <p:par>
+        <p:cTn id="1" dur="indefinite" restart="never" nodeType="tmRoot"/>
+      </p:par>
+    </p:tnLst>
+  </p:timing>
 </p:sld>
 </file>
 
 <file path=ppt/slides/slide15.xml><?xml version="1.0" encoding="utf-8"?>
-<p:sld xmlns:a="http://schemas.openxmlformats.org/drawingml/2006/main" xmlns:r="http://schemas.openxmlformats.org/officeDocument/2006/relationships" xmlns:p="http://schemas.openxmlformats.org/presentationml/2006/main">
+<p:sld xmlns:a="http://schemas.openxmlformats.org/drawingml/2006/main" xmlns:r="http://schemas.openxmlformats.org/officeDocument/2006/relationships" xmlns:p="http://schemas.openxmlformats.org/presentationml/2006/main" showMasterSp="0">
   <p:cSld>
+    <p:bg>
+      <p:bgPr>
+        <a:solidFill>
+          <a:schemeClr val="bg1"/>
+        </a:solidFill>
+        <a:effectLst/>
+      </p:bgPr>
+    </p:bg>
     <p:spTree>
       <p:nvGrpSpPr>
         <p:cNvPr id="1" name=""/>
@@ -24944,11 +23642,18 @@
   <p:clrMapOvr>
     <a:masterClrMapping/>
   </p:clrMapOvr>
+  <p:timing>
+    <p:tnLst>
+      <p:par>
+        <p:cTn id="1" dur="indefinite" restart="never" nodeType="tmRoot"/>
+      </p:par>
+    </p:tnLst>
+  </p:timing>
 </p:sld>
 </file>
 
 <file path=ppt/slides/slide16.xml><?xml version="1.0" encoding="utf-8"?>
-<p:sld xmlns:a="http://schemas.openxmlformats.org/drawingml/2006/main" xmlns:r="http://schemas.openxmlformats.org/officeDocument/2006/relationships" xmlns:p="http://schemas.openxmlformats.org/presentationml/2006/main">
+<p:sld xmlns:a="http://schemas.openxmlformats.org/drawingml/2006/main" xmlns:r="http://schemas.openxmlformats.org/officeDocument/2006/relationships" xmlns:p="http://schemas.openxmlformats.org/presentationml/2006/main" showMasterSp="0">
   <p:cSld>
     <p:spTree>
       <p:nvGrpSpPr>
@@ -25208,11 +23913,18 @@
   <p:clrMapOvr>
     <a:masterClrMapping/>
   </p:clrMapOvr>
+  <p:timing>
+    <p:tnLst>
+      <p:par>
+        <p:cTn id="1" dur="indefinite" restart="never" nodeType="tmRoot"/>
+      </p:par>
+    </p:tnLst>
+  </p:timing>
 </p:sld>
 </file>
 
 <file path=ppt/slides/slide17.xml><?xml version="1.0" encoding="utf-8"?>
-<p:sld xmlns:a="http://schemas.openxmlformats.org/drawingml/2006/main" xmlns:r="http://schemas.openxmlformats.org/officeDocument/2006/relationships" xmlns:p="http://schemas.openxmlformats.org/presentationml/2006/main">
+<p:sld xmlns:a="http://schemas.openxmlformats.org/drawingml/2006/main" xmlns:r="http://schemas.openxmlformats.org/officeDocument/2006/relationships" xmlns:p="http://schemas.openxmlformats.org/presentationml/2006/main" showMasterSp="0">
   <p:cSld>
     <p:spTree>
       <p:nvGrpSpPr>
@@ -25334,11 +24046,18 @@
   <p:clrMapOvr>
     <a:masterClrMapping/>
   </p:clrMapOvr>
+  <p:timing>
+    <p:tnLst>
+      <p:par>
+        <p:cTn id="1" dur="indefinite" restart="never" nodeType="tmRoot"/>
+      </p:par>
+    </p:tnLst>
+  </p:timing>
 </p:sld>
 </file>
 
 <file path=ppt/slides/slide18.xml><?xml version="1.0" encoding="utf-8"?>
-<p:sld xmlns:a="http://schemas.openxmlformats.org/drawingml/2006/main" xmlns:r="http://schemas.openxmlformats.org/officeDocument/2006/relationships" xmlns:p="http://schemas.openxmlformats.org/presentationml/2006/main">
+<p:sld xmlns:a="http://schemas.openxmlformats.org/drawingml/2006/main" xmlns:r="http://schemas.openxmlformats.org/officeDocument/2006/relationships" xmlns:p="http://schemas.openxmlformats.org/presentationml/2006/main" showMasterSp="0">
   <p:cSld>
     <p:spTree>
       <p:nvGrpSpPr>
@@ -25544,11 +24263,18 @@
   <p:clrMapOvr>
     <a:masterClrMapping/>
   </p:clrMapOvr>
+  <p:timing>
+    <p:tnLst>
+      <p:par>
+        <p:cTn id="1" dur="indefinite" restart="never" nodeType="tmRoot"/>
+      </p:par>
+    </p:tnLst>
+  </p:timing>
 </p:sld>
 </file>
 
 <file path=ppt/slides/slide19.xml><?xml version="1.0" encoding="utf-8"?>
-<p:sld xmlns:a="http://schemas.openxmlformats.org/drawingml/2006/main" xmlns:r="http://schemas.openxmlformats.org/officeDocument/2006/relationships" xmlns:p="http://schemas.openxmlformats.org/presentationml/2006/main">
+<p:sld xmlns:a="http://schemas.openxmlformats.org/drawingml/2006/main" xmlns:r="http://schemas.openxmlformats.org/officeDocument/2006/relationships" xmlns:p="http://schemas.openxmlformats.org/presentationml/2006/main" showMasterSp="0">
   <p:cSld>
     <p:spTree>
       <p:nvGrpSpPr>
@@ -25731,11 +24457,18 @@
   <p:clrMapOvr>
     <a:masterClrMapping/>
   </p:clrMapOvr>
+  <p:timing>
+    <p:tnLst>
+      <p:par>
+        <p:cTn id="1" dur="indefinite" restart="never" nodeType="tmRoot"/>
+      </p:par>
+    </p:tnLst>
+  </p:timing>
 </p:sld>
 </file>
 
 <file path=ppt/slides/slide2.xml><?xml version="1.0" encoding="utf-8"?>
-<p:sld xmlns:a="http://schemas.openxmlformats.org/drawingml/2006/main" xmlns:r="http://schemas.openxmlformats.org/officeDocument/2006/relationships" xmlns:p="http://schemas.openxmlformats.org/presentationml/2006/main">
+<p:sld xmlns:a="http://schemas.openxmlformats.org/drawingml/2006/main" xmlns:r="http://schemas.openxmlformats.org/officeDocument/2006/relationships" xmlns:p="http://schemas.openxmlformats.org/presentationml/2006/main" showMasterSp="0">
   <p:cSld>
     <p:spTree>
       <p:nvGrpSpPr>
@@ -25822,23 +24555,19 @@
           </a:p>
           <a:p>
             <a:r>
-              <a:rPr lang="en-US"/>
+              <a:rPr lang="en-US" dirty="0"/>
               <a:t>Angular </a:t>
             </a:r>
             <a:r>
-              <a:rPr lang="en-US" smtClean="0"/>
+              <a:rPr lang="en-US" dirty="0" smtClean="0"/>
               <a:t>2 </a:t>
             </a:r>
             <a:r>
               <a:rPr lang="en-US" dirty="0"/>
-              <a:t>Vs </a:t>
-            </a:r>
-            <a:r>
-              <a:rPr lang="en-US"/>
-              <a:t>Angular </a:t>
-            </a:r>
-            <a:r>
-              <a:rPr lang="en-US" smtClean="0"/>
+              <a:t>Vs Angular </a:t>
+            </a:r>
+            <a:r>
+              <a:rPr lang="en-US" dirty="0" smtClean="0"/>
               <a:t>4</a:t>
             </a:r>
             <a:endParaRPr lang="en-US" dirty="0"/>
@@ -25901,11 +24630,18 @@
   <p:clrMapOvr>
     <a:masterClrMapping/>
   </p:clrMapOvr>
+  <p:timing>
+    <p:tnLst>
+      <p:par>
+        <p:cTn id="1" dur="indefinite" restart="never" nodeType="tmRoot"/>
+      </p:par>
+    </p:tnLst>
+  </p:timing>
 </p:sld>
 </file>
 
 <file path=ppt/slides/slide20.xml><?xml version="1.0" encoding="utf-8"?>
-<p:sld xmlns:a="http://schemas.openxmlformats.org/drawingml/2006/main" xmlns:r="http://schemas.openxmlformats.org/officeDocument/2006/relationships" xmlns:p="http://schemas.openxmlformats.org/presentationml/2006/main">
+<p:sld xmlns:a="http://schemas.openxmlformats.org/drawingml/2006/main" xmlns:r="http://schemas.openxmlformats.org/officeDocument/2006/relationships" xmlns:p="http://schemas.openxmlformats.org/presentationml/2006/main" showMasterSp="0">
   <p:cSld>
     <p:spTree>
       <p:nvGrpSpPr>
@@ -26202,11 +24938,18 @@
   <p:clrMapOvr>
     <a:masterClrMapping/>
   </p:clrMapOvr>
+  <p:timing>
+    <p:tnLst>
+      <p:par>
+        <p:cTn id="1" dur="indefinite" restart="never" nodeType="tmRoot"/>
+      </p:par>
+    </p:tnLst>
+  </p:timing>
 </p:sld>
 </file>
 
 <file path=ppt/slides/slide21.xml><?xml version="1.0" encoding="utf-8"?>
-<p:sld xmlns:a="http://schemas.openxmlformats.org/drawingml/2006/main" xmlns:r="http://schemas.openxmlformats.org/officeDocument/2006/relationships" xmlns:p="http://schemas.openxmlformats.org/presentationml/2006/main">
+<p:sld xmlns:a="http://schemas.openxmlformats.org/drawingml/2006/main" xmlns:r="http://schemas.openxmlformats.org/officeDocument/2006/relationships" xmlns:p="http://schemas.openxmlformats.org/presentationml/2006/main" showMasterSp="0">
   <p:cSld>
     <p:spTree>
       <p:nvGrpSpPr>
@@ -26305,11 +25048,18 @@
   <p:clrMapOvr>
     <a:masterClrMapping/>
   </p:clrMapOvr>
+  <p:timing>
+    <p:tnLst>
+      <p:par>
+        <p:cTn id="1" dur="indefinite" restart="never" nodeType="tmRoot"/>
+      </p:par>
+    </p:tnLst>
+  </p:timing>
 </p:sld>
 </file>
 
 <file path=ppt/slides/slide22.xml><?xml version="1.0" encoding="utf-8"?>
-<p:sld xmlns:a="http://schemas.openxmlformats.org/drawingml/2006/main" xmlns:r="http://schemas.openxmlformats.org/officeDocument/2006/relationships" xmlns:p="http://schemas.openxmlformats.org/presentationml/2006/main">
+<p:sld xmlns:a="http://schemas.openxmlformats.org/drawingml/2006/main" xmlns:r="http://schemas.openxmlformats.org/officeDocument/2006/relationships" xmlns:p="http://schemas.openxmlformats.org/presentationml/2006/main" showMasterSp="0">
   <p:cSld>
     <p:spTree>
       <p:nvGrpSpPr>
@@ -26461,11 +25211,18 @@
   <p:clrMapOvr>
     <a:masterClrMapping/>
   </p:clrMapOvr>
+  <p:timing>
+    <p:tnLst>
+      <p:par>
+        <p:cTn id="1" dur="indefinite" restart="never" nodeType="tmRoot"/>
+      </p:par>
+    </p:tnLst>
+  </p:timing>
 </p:sld>
 </file>
 
 <file path=ppt/slides/slide23.xml><?xml version="1.0" encoding="utf-8"?>
-<p:sld xmlns:a="http://schemas.openxmlformats.org/drawingml/2006/main" xmlns:r="http://schemas.openxmlformats.org/officeDocument/2006/relationships" xmlns:p="http://schemas.openxmlformats.org/presentationml/2006/main">
+<p:sld xmlns:a="http://schemas.openxmlformats.org/drawingml/2006/main" xmlns:r="http://schemas.openxmlformats.org/officeDocument/2006/relationships" xmlns:p="http://schemas.openxmlformats.org/presentationml/2006/main" showMasterSp="0">
   <p:cSld>
     <p:spTree>
       <p:nvGrpSpPr>
@@ -26592,11 +25349,18 @@
   <p:clrMapOvr>
     <a:masterClrMapping/>
   </p:clrMapOvr>
+  <p:timing>
+    <p:tnLst>
+      <p:par>
+        <p:cTn id="1" dur="indefinite" restart="never" nodeType="tmRoot"/>
+      </p:par>
+    </p:tnLst>
+  </p:timing>
 </p:sld>
 </file>
 
 <file path=ppt/slides/slide24.xml><?xml version="1.0" encoding="utf-8"?>
-<p:sld xmlns:a="http://schemas.openxmlformats.org/drawingml/2006/main" xmlns:r="http://schemas.openxmlformats.org/officeDocument/2006/relationships" xmlns:p="http://schemas.openxmlformats.org/presentationml/2006/main">
+<p:sld xmlns:a="http://schemas.openxmlformats.org/drawingml/2006/main" xmlns:r="http://schemas.openxmlformats.org/officeDocument/2006/relationships" xmlns:p="http://schemas.openxmlformats.org/presentationml/2006/main" showMasterSp="0">
   <p:cSld>
     <p:spTree>
       <p:nvGrpSpPr>
@@ -26888,7 +25652,7 @@
 </file>
 
 <file path=ppt/slides/slide25.xml><?xml version="1.0" encoding="utf-8"?>
-<p:sld xmlns:a="http://schemas.openxmlformats.org/drawingml/2006/main" xmlns:r="http://schemas.openxmlformats.org/officeDocument/2006/relationships" xmlns:p="http://schemas.openxmlformats.org/presentationml/2006/main">
+<p:sld xmlns:a="http://schemas.openxmlformats.org/drawingml/2006/main" xmlns:r="http://schemas.openxmlformats.org/officeDocument/2006/relationships" xmlns:p="http://schemas.openxmlformats.org/presentationml/2006/main" showMasterSp="0">
   <p:cSld>
     <p:spTree>
       <p:nvGrpSpPr>
@@ -27020,11 +25784,18 @@
   <p:clrMapOvr>
     <a:masterClrMapping/>
   </p:clrMapOvr>
+  <p:timing>
+    <p:tnLst>
+      <p:par>
+        <p:cTn id="1" dur="indefinite" restart="never" nodeType="tmRoot"/>
+      </p:par>
+    </p:tnLst>
+  </p:timing>
 </p:sld>
 </file>
 
 <file path=ppt/slides/slide26.xml><?xml version="1.0" encoding="utf-8"?>
-<p:sld xmlns:a="http://schemas.openxmlformats.org/drawingml/2006/main" xmlns:r="http://schemas.openxmlformats.org/officeDocument/2006/relationships" xmlns:p="http://schemas.openxmlformats.org/presentationml/2006/main">
+<p:sld xmlns:a="http://schemas.openxmlformats.org/drawingml/2006/main" xmlns:r="http://schemas.openxmlformats.org/officeDocument/2006/relationships" xmlns:p="http://schemas.openxmlformats.org/presentationml/2006/main" showMasterSp="0">
   <p:cSld>
     <p:spTree>
       <p:nvGrpSpPr>
@@ -27154,11 +25925,18 @@
   <p:clrMapOvr>
     <a:masterClrMapping/>
   </p:clrMapOvr>
+  <p:timing>
+    <p:tnLst>
+      <p:par>
+        <p:cTn id="1" dur="indefinite" restart="never" nodeType="tmRoot"/>
+      </p:par>
+    </p:tnLst>
+  </p:timing>
 </p:sld>
 </file>
 
 <file path=ppt/slides/slide27.xml><?xml version="1.0" encoding="utf-8"?>
-<p:sld xmlns:a="http://schemas.openxmlformats.org/drawingml/2006/main" xmlns:r="http://schemas.openxmlformats.org/officeDocument/2006/relationships" xmlns:p="http://schemas.openxmlformats.org/presentationml/2006/main">
+<p:sld xmlns:a="http://schemas.openxmlformats.org/drawingml/2006/main" xmlns:r="http://schemas.openxmlformats.org/officeDocument/2006/relationships" xmlns:p="http://schemas.openxmlformats.org/presentationml/2006/main" showMasterSp="0">
   <p:cSld>
     <p:spTree>
       <p:nvGrpSpPr>
@@ -27320,6 +26098,13 @@
   <p:clrMapOvr>
     <a:masterClrMapping/>
   </p:clrMapOvr>
+  <p:timing>
+    <p:tnLst>
+      <p:par>
+        <p:cTn id="1" dur="indefinite" restart="never" nodeType="tmRoot"/>
+      </p:par>
+    </p:tnLst>
+  </p:timing>
 </p:sld>
 </file>
 
@@ -27372,11 +26157,18 @@
   <p:clrMapOvr>
     <a:masterClrMapping/>
   </p:clrMapOvr>
+  <p:timing>
+    <p:tnLst>
+      <p:par>
+        <p:cTn id="1" dur="indefinite" restart="never" nodeType="tmRoot"/>
+      </p:par>
+    </p:tnLst>
+  </p:timing>
 </p:sld>
 </file>
 
 <file path=ppt/slides/slide29.xml><?xml version="1.0" encoding="utf-8"?>
-<p:sld xmlns:a="http://schemas.openxmlformats.org/drawingml/2006/main" xmlns:r="http://schemas.openxmlformats.org/officeDocument/2006/relationships" xmlns:p="http://schemas.openxmlformats.org/presentationml/2006/main">
+<p:sld xmlns:a="http://schemas.openxmlformats.org/drawingml/2006/main" xmlns:r="http://schemas.openxmlformats.org/officeDocument/2006/relationships" xmlns:p="http://schemas.openxmlformats.org/presentationml/2006/main" showMasterSp="0">
   <p:cSld>
     <p:spTree>
       <p:nvGrpSpPr>
@@ -27504,11 +26296,18 @@
   <p:clrMapOvr>
     <a:masterClrMapping/>
   </p:clrMapOvr>
+  <p:timing>
+    <p:tnLst>
+      <p:par>
+        <p:cTn id="1" dur="indefinite" restart="never" nodeType="tmRoot"/>
+      </p:par>
+    </p:tnLst>
+  </p:timing>
 </p:sld>
 </file>
 
 <file path=ppt/slides/slide3.xml><?xml version="1.0" encoding="utf-8"?>
-<p:sld xmlns:a="http://schemas.openxmlformats.org/drawingml/2006/main" xmlns:r="http://schemas.openxmlformats.org/officeDocument/2006/relationships" xmlns:p="http://schemas.openxmlformats.org/presentationml/2006/main">
+<p:sld xmlns:a="http://schemas.openxmlformats.org/drawingml/2006/main" xmlns:r="http://schemas.openxmlformats.org/officeDocument/2006/relationships" xmlns:p="http://schemas.openxmlformats.org/presentationml/2006/main" showMasterSp="0">
   <p:cSld>
     <p:spTree>
       <p:nvGrpSpPr>
@@ -27830,11 +26629,18 @@
   <p:clrMapOvr>
     <a:masterClrMapping/>
   </p:clrMapOvr>
+  <p:timing>
+    <p:tnLst>
+      <p:par>
+        <p:cTn id="1" dur="indefinite" restart="never" nodeType="tmRoot"/>
+      </p:par>
+    </p:tnLst>
+  </p:timing>
 </p:sld>
 </file>
 
 <file path=ppt/slides/slide30.xml><?xml version="1.0" encoding="utf-8"?>
-<p:sld xmlns:a="http://schemas.openxmlformats.org/drawingml/2006/main" xmlns:r="http://schemas.openxmlformats.org/officeDocument/2006/relationships" xmlns:p="http://schemas.openxmlformats.org/presentationml/2006/main">
+<p:sld xmlns:a="http://schemas.openxmlformats.org/drawingml/2006/main" xmlns:r="http://schemas.openxmlformats.org/officeDocument/2006/relationships" xmlns:p="http://schemas.openxmlformats.org/presentationml/2006/main" showMasterSp="0">
   <p:cSld>
     <p:spTree>
       <p:nvGrpSpPr>
@@ -27998,11 +26804,18 @@
   <p:clrMapOvr>
     <a:masterClrMapping/>
   </p:clrMapOvr>
+  <p:timing>
+    <p:tnLst>
+      <p:par>
+        <p:cTn id="1" dur="indefinite" restart="never" nodeType="tmRoot"/>
+      </p:par>
+    </p:tnLst>
+  </p:timing>
 </p:sld>
 </file>
 
 <file path=ppt/slides/slide31.xml><?xml version="1.0" encoding="utf-8"?>
-<p:sld xmlns:a="http://schemas.openxmlformats.org/drawingml/2006/main" xmlns:r="http://schemas.openxmlformats.org/officeDocument/2006/relationships" xmlns:p="http://schemas.openxmlformats.org/presentationml/2006/main">
+<p:sld xmlns:a="http://schemas.openxmlformats.org/drawingml/2006/main" xmlns:r="http://schemas.openxmlformats.org/officeDocument/2006/relationships" xmlns:p="http://schemas.openxmlformats.org/presentationml/2006/main" showMasterSp="0">
   <p:cSld>
     <p:spTree>
       <p:nvGrpSpPr>
@@ -28400,7 +27213,7 @@
 </file>
 
 <file path=ppt/slides/slide32.xml><?xml version="1.0" encoding="utf-8"?>
-<p:sld xmlns:a="http://schemas.openxmlformats.org/drawingml/2006/main" xmlns:r="http://schemas.openxmlformats.org/officeDocument/2006/relationships" xmlns:p="http://schemas.openxmlformats.org/presentationml/2006/main">
+<p:sld xmlns:a="http://schemas.openxmlformats.org/drawingml/2006/main" xmlns:r="http://schemas.openxmlformats.org/officeDocument/2006/relationships" xmlns:p="http://schemas.openxmlformats.org/presentationml/2006/main" showMasterSp="0">
   <p:cSld>
     <p:spTree>
       <p:nvGrpSpPr>
@@ -28471,14 +27284,14 @@
                 <a:gridCol w="1854444">
                   <a:extLst>
                     <a:ext uri="{9D8B030D-6E8A-4147-A177-3AD203B41FA5}">
-                      <a16:colId xmlns:a16="http://schemas.microsoft.com/office/drawing/2014/main" xmlns="" val="20000"/>
+                      <a16:colId xmlns="" xmlns:a16="http://schemas.microsoft.com/office/drawing/2014/main" val="20000"/>
                     </a:ext>
                   </a:extLst>
                 </a:gridCol>
                 <a:gridCol w="4302369">
                   <a:extLst>
                     <a:ext uri="{9D8B030D-6E8A-4147-A177-3AD203B41FA5}">
-                      <a16:colId xmlns:a16="http://schemas.microsoft.com/office/drawing/2014/main" xmlns="" val="20001"/>
+                      <a16:colId xmlns="" xmlns:a16="http://schemas.microsoft.com/office/drawing/2014/main" val="20001"/>
                     </a:ext>
                   </a:extLst>
                 </a:gridCol>
@@ -28522,7 +27335,7 @@
                 </a:tc>
                 <a:extLst>
                   <a:ext uri="{0D108BD9-81ED-4DB2-BD59-A6C34878D82A}">
-                    <a16:rowId xmlns:a16="http://schemas.microsoft.com/office/drawing/2014/main" xmlns="" val="10000"/>
+                    <a16:rowId xmlns="" xmlns:a16="http://schemas.microsoft.com/office/drawing/2014/main" val="10000"/>
                   </a:ext>
                 </a:extLst>
               </a:tr>
@@ -28559,7 +27372,7 @@
                 </a:tc>
                 <a:extLst>
                   <a:ext uri="{0D108BD9-81ED-4DB2-BD59-A6C34878D82A}">
-                    <a16:rowId xmlns:a16="http://schemas.microsoft.com/office/drawing/2014/main" xmlns="" val="10001"/>
+                    <a16:rowId xmlns="" xmlns:a16="http://schemas.microsoft.com/office/drawing/2014/main" val="10001"/>
                   </a:ext>
                 </a:extLst>
               </a:tr>
@@ -28596,7 +27409,7 @@
                 </a:tc>
                 <a:extLst>
                   <a:ext uri="{0D108BD9-81ED-4DB2-BD59-A6C34878D82A}">
-                    <a16:rowId xmlns:a16="http://schemas.microsoft.com/office/drawing/2014/main" xmlns="" val="10002"/>
+                    <a16:rowId xmlns="" xmlns:a16="http://schemas.microsoft.com/office/drawing/2014/main" val="10002"/>
                   </a:ext>
                 </a:extLst>
               </a:tr>
@@ -28633,7 +27446,7 @@
                 </a:tc>
                 <a:extLst>
                   <a:ext uri="{0D108BD9-81ED-4DB2-BD59-A6C34878D82A}">
-                    <a16:rowId xmlns:a16="http://schemas.microsoft.com/office/drawing/2014/main" xmlns="" val="10003"/>
+                    <a16:rowId xmlns="" xmlns:a16="http://schemas.microsoft.com/office/drawing/2014/main" val="10003"/>
                   </a:ext>
                 </a:extLst>
               </a:tr>
@@ -28670,7 +27483,7 @@
                 </a:tc>
                 <a:extLst>
                   <a:ext uri="{0D108BD9-81ED-4DB2-BD59-A6C34878D82A}">
-                    <a16:rowId xmlns:a16="http://schemas.microsoft.com/office/drawing/2014/main" xmlns="" val="10004"/>
+                    <a16:rowId xmlns="" xmlns:a16="http://schemas.microsoft.com/office/drawing/2014/main" val="10004"/>
                   </a:ext>
                 </a:extLst>
               </a:tr>
@@ -28707,7 +27520,7 @@
                 </a:tc>
                 <a:extLst>
                   <a:ext uri="{0D108BD9-81ED-4DB2-BD59-A6C34878D82A}">
-                    <a16:rowId xmlns:a16="http://schemas.microsoft.com/office/drawing/2014/main" xmlns="" val="10005"/>
+                    <a16:rowId xmlns="" xmlns:a16="http://schemas.microsoft.com/office/drawing/2014/main" val="10005"/>
                   </a:ext>
                 </a:extLst>
               </a:tr>
@@ -28744,7 +27557,7 @@
                 </a:tc>
                 <a:extLst>
                   <a:ext uri="{0D108BD9-81ED-4DB2-BD59-A6C34878D82A}">
-                    <a16:rowId xmlns:a16="http://schemas.microsoft.com/office/drawing/2014/main" xmlns="" val="10006"/>
+                    <a16:rowId xmlns="" xmlns:a16="http://schemas.microsoft.com/office/drawing/2014/main" val="10006"/>
                   </a:ext>
                 </a:extLst>
               </a:tr>
@@ -28781,7 +27594,7 @@
                 </a:tc>
                 <a:extLst>
                   <a:ext uri="{0D108BD9-81ED-4DB2-BD59-A6C34878D82A}">
-                    <a16:rowId xmlns:a16="http://schemas.microsoft.com/office/drawing/2014/main" xmlns="" val="10007"/>
+                    <a16:rowId xmlns="" xmlns:a16="http://schemas.microsoft.com/office/drawing/2014/main" val="10007"/>
                   </a:ext>
                 </a:extLst>
               </a:tr>
@@ -28818,7 +27631,7 @@
                 </a:tc>
                 <a:extLst>
                   <a:ext uri="{0D108BD9-81ED-4DB2-BD59-A6C34878D82A}">
-                    <a16:rowId xmlns:a16="http://schemas.microsoft.com/office/drawing/2014/main" xmlns="" val="10008"/>
+                    <a16:rowId xmlns="" xmlns:a16="http://schemas.microsoft.com/office/drawing/2014/main" val="10008"/>
                   </a:ext>
                 </a:extLst>
               </a:tr>
@@ -28855,7 +27668,7 @@
                 </a:tc>
                 <a:extLst>
                   <a:ext uri="{0D108BD9-81ED-4DB2-BD59-A6C34878D82A}">
-                    <a16:rowId xmlns:a16="http://schemas.microsoft.com/office/drawing/2014/main" xmlns="" val="10009"/>
+                    <a16:rowId xmlns="" xmlns:a16="http://schemas.microsoft.com/office/drawing/2014/main" val="10009"/>
                   </a:ext>
                 </a:extLst>
               </a:tr>
@@ -28873,11 +27686,18 @@
   <p:clrMapOvr>
     <a:masterClrMapping/>
   </p:clrMapOvr>
+  <p:timing>
+    <p:tnLst>
+      <p:par>
+        <p:cTn id="1" dur="indefinite" restart="never" nodeType="tmRoot"/>
+      </p:par>
+    </p:tnLst>
+  </p:timing>
 </p:sld>
 </file>
 
 <file path=ppt/slides/slide33.xml><?xml version="1.0" encoding="utf-8"?>
-<p:sld xmlns:a="http://schemas.openxmlformats.org/drawingml/2006/main" xmlns:r="http://schemas.openxmlformats.org/officeDocument/2006/relationships" xmlns:p="http://schemas.openxmlformats.org/presentationml/2006/main">
+<p:sld xmlns:a="http://schemas.openxmlformats.org/drawingml/2006/main" xmlns:r="http://schemas.openxmlformats.org/officeDocument/2006/relationships" xmlns:p="http://schemas.openxmlformats.org/presentationml/2006/main" showMasterSp="0">
   <p:cSld>
     <p:spTree>
       <p:nvGrpSpPr>
@@ -29041,7 +27861,7 @@
           <p:cNvPr id="5" name="Picture 4">
             <a:extLst>
               <a:ext uri="{FF2B5EF4-FFF2-40B4-BE49-F238E27FC236}">
-                <a16:creationId xmlns:a16="http://schemas.microsoft.com/office/drawing/2014/main" xmlns="" id="{0677C262-C675-44B8-8DCC-A9DACF4199F3}"/>
+                <a16:creationId xmlns="" xmlns:a16="http://schemas.microsoft.com/office/drawing/2014/main" id="{0677C262-C675-44B8-8DCC-A9DACF4199F3}"/>
               </a:ext>
             </a:extLst>
           </p:cNvPr>
@@ -29163,7 +27983,7 @@
 </file>
 
 <file path=ppt/slides/slide34.xml><?xml version="1.0" encoding="utf-8"?>
-<p:sld xmlns:a="http://schemas.openxmlformats.org/drawingml/2006/main" xmlns:r="http://schemas.openxmlformats.org/officeDocument/2006/relationships" xmlns:p="http://schemas.openxmlformats.org/presentationml/2006/main">
+<p:sld xmlns:a="http://schemas.openxmlformats.org/drawingml/2006/main" xmlns:r="http://schemas.openxmlformats.org/officeDocument/2006/relationships" xmlns:p="http://schemas.openxmlformats.org/presentationml/2006/main" showMasterSp="0">
   <p:cSld>
     <p:spTree>
       <p:nvGrpSpPr>
@@ -29358,11 +28178,18 @@
   <p:clrMapOvr>
     <a:masterClrMapping/>
   </p:clrMapOvr>
+  <p:timing>
+    <p:tnLst>
+      <p:par>
+        <p:cTn id="1" dur="indefinite" restart="never" nodeType="tmRoot"/>
+      </p:par>
+    </p:tnLst>
+  </p:timing>
 </p:sld>
 </file>
 
 <file path=ppt/slides/slide35.xml><?xml version="1.0" encoding="utf-8"?>
-<p:sld xmlns:a="http://schemas.openxmlformats.org/drawingml/2006/main" xmlns:r="http://schemas.openxmlformats.org/officeDocument/2006/relationships" xmlns:p="http://schemas.openxmlformats.org/presentationml/2006/main">
+<p:sld xmlns:a="http://schemas.openxmlformats.org/drawingml/2006/main" xmlns:r="http://schemas.openxmlformats.org/officeDocument/2006/relationships" xmlns:p="http://schemas.openxmlformats.org/presentationml/2006/main" showMasterSp="0">
   <p:cSld>
     <p:spTree>
       <p:nvGrpSpPr>
@@ -29680,11 +28507,18 @@
   <p:clrMapOvr>
     <a:masterClrMapping/>
   </p:clrMapOvr>
+  <p:timing>
+    <p:tnLst>
+      <p:par>
+        <p:cTn id="1" dur="indefinite" restart="never" nodeType="tmRoot"/>
+      </p:par>
+    </p:tnLst>
+  </p:timing>
 </p:sld>
 </file>
 
 <file path=ppt/slides/slide36.xml><?xml version="1.0" encoding="utf-8"?>
-<p:sld xmlns:a="http://schemas.openxmlformats.org/drawingml/2006/main" xmlns:r="http://schemas.openxmlformats.org/officeDocument/2006/relationships" xmlns:p="http://schemas.openxmlformats.org/presentationml/2006/main">
+<p:sld xmlns:a="http://schemas.openxmlformats.org/drawingml/2006/main" xmlns:r="http://schemas.openxmlformats.org/officeDocument/2006/relationships" xmlns:p="http://schemas.openxmlformats.org/presentationml/2006/main" showMasterSp="0">
   <p:cSld>
     <p:spTree>
       <p:nvGrpSpPr>
@@ -29819,11 +28653,18 @@
   <p:clrMapOvr>
     <a:masterClrMapping/>
   </p:clrMapOvr>
+  <p:timing>
+    <p:tnLst>
+      <p:par>
+        <p:cTn id="1" dur="indefinite" restart="never" nodeType="tmRoot"/>
+      </p:par>
+    </p:tnLst>
+  </p:timing>
 </p:sld>
 </file>
 
 <file path=ppt/slides/slide37.xml><?xml version="1.0" encoding="utf-8"?>
-<p:sld xmlns:a="http://schemas.openxmlformats.org/drawingml/2006/main" xmlns:r="http://schemas.openxmlformats.org/officeDocument/2006/relationships" xmlns:p="http://schemas.openxmlformats.org/presentationml/2006/main">
+<p:sld xmlns:a="http://schemas.openxmlformats.org/drawingml/2006/main" xmlns:r="http://schemas.openxmlformats.org/officeDocument/2006/relationships" xmlns:p="http://schemas.openxmlformats.org/presentationml/2006/main" showMasterSp="0">
   <p:cSld>
     <p:spTree>
       <p:nvGrpSpPr>
@@ -30387,11 +29228,18 @@
   <p:clrMapOvr>
     <a:masterClrMapping/>
   </p:clrMapOvr>
+  <p:timing>
+    <p:tnLst>
+      <p:par>
+        <p:cTn id="1" dur="indefinite" restart="never" nodeType="tmRoot"/>
+      </p:par>
+    </p:tnLst>
+  </p:timing>
 </p:sld>
 </file>
 
 <file path=ppt/slides/slide38.xml><?xml version="1.0" encoding="utf-8"?>
-<p:sld xmlns:a="http://schemas.openxmlformats.org/drawingml/2006/main" xmlns:r="http://schemas.openxmlformats.org/officeDocument/2006/relationships" xmlns:p="http://schemas.openxmlformats.org/presentationml/2006/main">
+<p:sld xmlns:a="http://schemas.openxmlformats.org/drawingml/2006/main" xmlns:r="http://schemas.openxmlformats.org/officeDocument/2006/relationships" xmlns:p="http://schemas.openxmlformats.org/presentationml/2006/main" showMasterSp="0">
   <p:cSld>
     <p:spTree>
       <p:nvGrpSpPr>
@@ -30574,11 +29422,18 @@
   <p:clrMapOvr>
     <a:masterClrMapping/>
   </p:clrMapOvr>
+  <p:timing>
+    <p:tnLst>
+      <p:par>
+        <p:cTn id="1" dur="indefinite" restart="never" nodeType="tmRoot"/>
+      </p:par>
+    </p:tnLst>
+  </p:timing>
 </p:sld>
 </file>
 
 <file path=ppt/slides/slide39.xml><?xml version="1.0" encoding="utf-8"?>
-<p:sld xmlns:a="http://schemas.openxmlformats.org/drawingml/2006/main" xmlns:r="http://schemas.openxmlformats.org/officeDocument/2006/relationships" xmlns:p="http://schemas.openxmlformats.org/presentationml/2006/main">
+<p:sld xmlns:a="http://schemas.openxmlformats.org/drawingml/2006/main" xmlns:r="http://schemas.openxmlformats.org/officeDocument/2006/relationships" xmlns:p="http://schemas.openxmlformats.org/presentationml/2006/main" showMasterSp="0">
   <p:cSld>
     <p:spTree>
       <p:nvGrpSpPr>
@@ -30782,7 +29637,7 @@
 </file>
 
 <file path=ppt/slides/slide4.xml><?xml version="1.0" encoding="utf-8"?>
-<p:sld xmlns:a="http://schemas.openxmlformats.org/drawingml/2006/main" xmlns:r="http://schemas.openxmlformats.org/officeDocument/2006/relationships" xmlns:p="http://schemas.openxmlformats.org/presentationml/2006/main">
+<p:sld xmlns:a="http://schemas.openxmlformats.org/drawingml/2006/main" xmlns:r="http://schemas.openxmlformats.org/officeDocument/2006/relationships" xmlns:p="http://schemas.openxmlformats.org/presentationml/2006/main" showMasterSp="0">
   <p:cSld>
     <p:spTree>
       <p:nvGrpSpPr>
@@ -31080,11 +29935,18 @@
   <p:clrMapOvr>
     <a:masterClrMapping/>
   </p:clrMapOvr>
+  <p:timing>
+    <p:tnLst>
+      <p:par>
+        <p:cTn id="1" dur="indefinite" restart="never" nodeType="tmRoot"/>
+      </p:par>
+    </p:tnLst>
+  </p:timing>
 </p:sld>
 </file>
 
 <file path=ppt/slides/slide40.xml><?xml version="1.0" encoding="utf-8"?>
-<p:sld xmlns:a="http://schemas.openxmlformats.org/drawingml/2006/main" xmlns:r="http://schemas.openxmlformats.org/officeDocument/2006/relationships" xmlns:p="http://schemas.openxmlformats.org/presentationml/2006/main">
+<p:sld xmlns:a="http://schemas.openxmlformats.org/drawingml/2006/main" xmlns:r="http://schemas.openxmlformats.org/officeDocument/2006/relationships" xmlns:p="http://schemas.openxmlformats.org/presentationml/2006/main" showMasterSp="0">
   <p:cSld>
     <p:spTree>
       <p:nvGrpSpPr>
@@ -31215,7 +30077,7 @@
 </file>
 
 <file path=ppt/slides/slide41.xml><?xml version="1.0" encoding="utf-8"?>
-<p:sld xmlns:a="http://schemas.openxmlformats.org/drawingml/2006/main" xmlns:r="http://schemas.openxmlformats.org/officeDocument/2006/relationships" xmlns:p="http://schemas.openxmlformats.org/presentationml/2006/main">
+<p:sld xmlns:a="http://schemas.openxmlformats.org/drawingml/2006/main" xmlns:r="http://schemas.openxmlformats.org/officeDocument/2006/relationships" xmlns:p="http://schemas.openxmlformats.org/presentationml/2006/main" showMasterSp="0">
   <p:cSld>
     <p:spTree>
       <p:nvGrpSpPr>
@@ -31466,7 +30328,7 @@
 </file>
 
 <file path=ppt/slides/slide42.xml><?xml version="1.0" encoding="utf-8"?>
-<p:sld xmlns:a="http://schemas.openxmlformats.org/drawingml/2006/main" xmlns:r="http://schemas.openxmlformats.org/officeDocument/2006/relationships" xmlns:p="http://schemas.openxmlformats.org/presentationml/2006/main">
+<p:sld xmlns:a="http://schemas.openxmlformats.org/drawingml/2006/main" xmlns:r="http://schemas.openxmlformats.org/officeDocument/2006/relationships" xmlns:p="http://schemas.openxmlformats.org/presentationml/2006/main" showMasterSp="0">
   <p:cSld>
     <p:spTree>
       <p:nvGrpSpPr>
@@ -31686,7 +30548,7 @@
 </file>
 
 <file path=ppt/slides/slide43.xml><?xml version="1.0" encoding="utf-8"?>
-<p:sld xmlns:a="http://schemas.openxmlformats.org/drawingml/2006/main" xmlns:r="http://schemas.openxmlformats.org/officeDocument/2006/relationships" xmlns:p="http://schemas.openxmlformats.org/presentationml/2006/main">
+<p:sld xmlns:a="http://schemas.openxmlformats.org/drawingml/2006/main" xmlns:r="http://schemas.openxmlformats.org/officeDocument/2006/relationships" xmlns:p="http://schemas.openxmlformats.org/presentationml/2006/main" showMasterSp="0">
   <p:cSld>
     <p:spTree>
       <p:nvGrpSpPr>
@@ -31974,7 +30836,7 @@
 </file>
 
 <file path=ppt/slides/slide44.xml><?xml version="1.0" encoding="utf-8"?>
-<p:sld xmlns:a="http://schemas.openxmlformats.org/drawingml/2006/main" xmlns:r="http://schemas.openxmlformats.org/officeDocument/2006/relationships" xmlns:p="http://schemas.openxmlformats.org/presentationml/2006/main">
+<p:sld xmlns:a="http://schemas.openxmlformats.org/drawingml/2006/main" xmlns:r="http://schemas.openxmlformats.org/officeDocument/2006/relationships" xmlns:p="http://schemas.openxmlformats.org/presentationml/2006/main" showMasterSp="0">
   <p:cSld>
     <p:spTree>
       <p:nvGrpSpPr>
@@ -32342,7 +31204,7 @@
 </file>
 
 <file path=ppt/slides/slide45.xml><?xml version="1.0" encoding="utf-8"?>
-<p:sld xmlns:a="http://schemas.openxmlformats.org/drawingml/2006/main" xmlns:r="http://schemas.openxmlformats.org/officeDocument/2006/relationships" xmlns:p="http://schemas.openxmlformats.org/presentationml/2006/main">
+<p:sld xmlns:a="http://schemas.openxmlformats.org/drawingml/2006/main" xmlns:r="http://schemas.openxmlformats.org/officeDocument/2006/relationships" xmlns:p="http://schemas.openxmlformats.org/presentationml/2006/main" showMasterSp="0">
   <p:cSld>
     <p:spTree>
       <p:nvGrpSpPr>
@@ -32394,7 +31256,7 @@
 </file>
 
 <file path=ppt/slides/slide46.xml><?xml version="1.0" encoding="utf-8"?>
-<p:sld xmlns:a="http://schemas.openxmlformats.org/drawingml/2006/main" xmlns:r="http://schemas.openxmlformats.org/officeDocument/2006/relationships" xmlns:p="http://schemas.openxmlformats.org/presentationml/2006/main">
+<p:sld xmlns:a="http://schemas.openxmlformats.org/drawingml/2006/main" xmlns:r="http://schemas.openxmlformats.org/officeDocument/2006/relationships" xmlns:p="http://schemas.openxmlformats.org/presentationml/2006/main" showMasterSp="0">
   <p:cSld>
     <p:spTree>
       <p:nvGrpSpPr>
@@ -32515,7 +31377,7 @@
 </file>
 
 <file path=ppt/slides/slide47.xml><?xml version="1.0" encoding="utf-8"?>
-<p:sld xmlns:a="http://schemas.openxmlformats.org/drawingml/2006/main" xmlns:r="http://schemas.openxmlformats.org/officeDocument/2006/relationships" xmlns:p="http://schemas.openxmlformats.org/presentationml/2006/main">
+<p:sld xmlns:a="http://schemas.openxmlformats.org/drawingml/2006/main" xmlns:r="http://schemas.openxmlformats.org/officeDocument/2006/relationships" xmlns:p="http://schemas.openxmlformats.org/presentationml/2006/main" showMasterSp="0">
   <p:cSld>
     <p:spTree>
       <p:nvGrpSpPr>
@@ -32677,7 +31539,7 @@
 </file>
 
 <file path=ppt/slides/slide48.xml><?xml version="1.0" encoding="utf-8"?>
-<p:sld xmlns:a="http://schemas.openxmlformats.org/drawingml/2006/main" xmlns:r="http://schemas.openxmlformats.org/officeDocument/2006/relationships" xmlns:p="http://schemas.openxmlformats.org/presentationml/2006/main">
+<p:sld xmlns:a="http://schemas.openxmlformats.org/drawingml/2006/main" xmlns:r="http://schemas.openxmlformats.org/officeDocument/2006/relationships" xmlns:p="http://schemas.openxmlformats.org/presentationml/2006/main" showMasterSp="0">
   <p:cSld>
     <p:spTree>
       <p:nvGrpSpPr>
@@ -32881,7 +31743,7 @@
 </file>
 
 <file path=ppt/slides/slide49.xml><?xml version="1.0" encoding="utf-8"?>
-<p:sld xmlns:a="http://schemas.openxmlformats.org/drawingml/2006/main" xmlns:r="http://schemas.openxmlformats.org/officeDocument/2006/relationships" xmlns:p="http://schemas.openxmlformats.org/presentationml/2006/main">
+<p:sld xmlns:a="http://schemas.openxmlformats.org/drawingml/2006/main" xmlns:r="http://schemas.openxmlformats.org/officeDocument/2006/relationships" xmlns:p="http://schemas.openxmlformats.org/presentationml/2006/main" showMasterSp="0">
   <p:cSld>
     <p:spTree>
       <p:nvGrpSpPr>
@@ -33166,7 +32028,7 @@
 </file>
 
 <file path=ppt/slides/slide5.xml><?xml version="1.0" encoding="utf-8"?>
-<p:sld xmlns:a="http://schemas.openxmlformats.org/drawingml/2006/main" xmlns:r="http://schemas.openxmlformats.org/officeDocument/2006/relationships" xmlns:p="http://schemas.openxmlformats.org/presentationml/2006/main">
+<p:sld xmlns:a="http://schemas.openxmlformats.org/drawingml/2006/main" xmlns:r="http://schemas.openxmlformats.org/officeDocument/2006/relationships" xmlns:p="http://schemas.openxmlformats.org/presentationml/2006/main" showMasterSp="0">
   <p:cSld>
     <p:spTree>
       <p:nvGrpSpPr>
@@ -33320,11 +32182,18 @@
   <p:clrMapOvr>
     <a:masterClrMapping/>
   </p:clrMapOvr>
+  <p:timing>
+    <p:tnLst>
+      <p:par>
+        <p:cTn id="1" dur="indefinite" restart="never" nodeType="tmRoot"/>
+      </p:par>
+    </p:tnLst>
+  </p:timing>
 </p:sld>
 </file>
 
 <file path=ppt/slides/slide50.xml><?xml version="1.0" encoding="utf-8"?>
-<p:sld xmlns:a="http://schemas.openxmlformats.org/drawingml/2006/main" xmlns:r="http://schemas.openxmlformats.org/officeDocument/2006/relationships" xmlns:p="http://schemas.openxmlformats.org/presentationml/2006/main">
+<p:sld xmlns:a="http://schemas.openxmlformats.org/drawingml/2006/main" xmlns:r="http://schemas.openxmlformats.org/officeDocument/2006/relationships" xmlns:p="http://schemas.openxmlformats.org/presentationml/2006/main" showMasterSp="0">
   <p:cSld>
     <p:spTree>
       <p:nvGrpSpPr>
@@ -33537,7 +32406,7 @@
 </file>
 
 <file path=ppt/slides/slide51.xml><?xml version="1.0" encoding="utf-8"?>
-<p:sld xmlns:a="http://schemas.openxmlformats.org/drawingml/2006/main" xmlns:r="http://schemas.openxmlformats.org/officeDocument/2006/relationships" xmlns:p="http://schemas.openxmlformats.org/presentationml/2006/main">
+<p:sld xmlns:a="http://schemas.openxmlformats.org/drawingml/2006/main" xmlns:r="http://schemas.openxmlformats.org/officeDocument/2006/relationships" xmlns:p="http://schemas.openxmlformats.org/presentationml/2006/main" showMasterSp="0">
   <p:cSld>
     <p:spTree>
       <p:nvGrpSpPr>
@@ -33688,7 +32557,7 @@
 </file>
 
 <file path=ppt/slides/slide52.xml><?xml version="1.0" encoding="utf-8"?>
-<p:sld xmlns:a="http://schemas.openxmlformats.org/drawingml/2006/main" xmlns:r="http://schemas.openxmlformats.org/officeDocument/2006/relationships" xmlns:p="http://schemas.openxmlformats.org/presentationml/2006/main">
+<p:sld xmlns:a="http://schemas.openxmlformats.org/drawingml/2006/main" xmlns:r="http://schemas.openxmlformats.org/officeDocument/2006/relationships" xmlns:p="http://schemas.openxmlformats.org/presentationml/2006/main" showMasterSp="0">
   <p:cSld>
     <p:spTree>
       <p:nvGrpSpPr>
@@ -33875,7 +32744,7 @@
 </file>
 
 <file path=ppt/slides/slide53.xml><?xml version="1.0" encoding="utf-8"?>
-<p:sld xmlns:a="http://schemas.openxmlformats.org/drawingml/2006/main" xmlns:r="http://schemas.openxmlformats.org/officeDocument/2006/relationships" xmlns:p="http://schemas.openxmlformats.org/presentationml/2006/main">
+<p:sld xmlns:a="http://schemas.openxmlformats.org/drawingml/2006/main" xmlns:r="http://schemas.openxmlformats.org/officeDocument/2006/relationships" xmlns:p="http://schemas.openxmlformats.org/presentationml/2006/main" showMasterSp="0">
   <p:cSld>
     <p:spTree>
       <p:nvGrpSpPr>
@@ -33986,7 +32855,7 @@
 </file>
 
 <file path=ppt/slides/slide54.xml><?xml version="1.0" encoding="utf-8"?>
-<p:sld xmlns:a="http://schemas.openxmlformats.org/drawingml/2006/main" xmlns:r="http://schemas.openxmlformats.org/officeDocument/2006/relationships" xmlns:p="http://schemas.openxmlformats.org/presentationml/2006/main">
+<p:sld xmlns:a="http://schemas.openxmlformats.org/drawingml/2006/main" xmlns:r="http://schemas.openxmlformats.org/officeDocument/2006/relationships" xmlns:p="http://schemas.openxmlformats.org/presentationml/2006/main" showMasterSp="0">
   <p:cSld>
     <p:spTree>
       <p:nvGrpSpPr>
@@ -34080,7 +32949,7 @@
 </file>
 
 <file path=ppt/slides/slide55.xml><?xml version="1.0" encoding="utf-8"?>
-<p:sld xmlns:a="http://schemas.openxmlformats.org/drawingml/2006/main" xmlns:r="http://schemas.openxmlformats.org/officeDocument/2006/relationships" xmlns:p="http://schemas.openxmlformats.org/presentationml/2006/main">
+<p:sld xmlns:a="http://schemas.openxmlformats.org/drawingml/2006/main" xmlns:r="http://schemas.openxmlformats.org/officeDocument/2006/relationships" xmlns:p="http://schemas.openxmlformats.org/presentationml/2006/main" showMasterSp="0">
   <p:cSld>
     <p:spTree>
       <p:nvGrpSpPr>
@@ -34215,7 +33084,7 @@
 </file>
 
 <file path=ppt/slides/slide56.xml><?xml version="1.0" encoding="utf-8"?>
-<p:sld xmlns:a="http://schemas.openxmlformats.org/drawingml/2006/main" xmlns:r="http://schemas.openxmlformats.org/officeDocument/2006/relationships" xmlns:p="http://schemas.openxmlformats.org/presentationml/2006/main">
+<p:sld xmlns:a="http://schemas.openxmlformats.org/drawingml/2006/main" xmlns:r="http://schemas.openxmlformats.org/officeDocument/2006/relationships" xmlns:p="http://schemas.openxmlformats.org/presentationml/2006/main" showMasterSp="0">
   <p:cSld>
     <p:spTree>
       <p:nvGrpSpPr>
@@ -34350,7 +33219,7 @@
 </file>
 
 <file path=ppt/slides/slide57.xml><?xml version="1.0" encoding="utf-8"?>
-<p:sld xmlns:a="http://schemas.openxmlformats.org/drawingml/2006/main" xmlns:r="http://schemas.openxmlformats.org/officeDocument/2006/relationships" xmlns:p="http://schemas.openxmlformats.org/presentationml/2006/main">
+<p:sld xmlns:a="http://schemas.openxmlformats.org/drawingml/2006/main" xmlns:r="http://schemas.openxmlformats.org/officeDocument/2006/relationships" xmlns:p="http://schemas.openxmlformats.org/presentationml/2006/main" showMasterSp="0">
   <p:cSld>
     <p:spTree>
       <p:nvGrpSpPr>
@@ -34499,7 +33368,7 @@
 </file>
 
 <file path=ppt/slides/slide58.xml><?xml version="1.0" encoding="utf-8"?>
-<p:sld xmlns:a="http://schemas.openxmlformats.org/drawingml/2006/main" xmlns:r="http://schemas.openxmlformats.org/officeDocument/2006/relationships" xmlns:p="http://schemas.openxmlformats.org/presentationml/2006/main">
+<p:sld xmlns:a="http://schemas.openxmlformats.org/drawingml/2006/main" xmlns:r="http://schemas.openxmlformats.org/officeDocument/2006/relationships" xmlns:p="http://schemas.openxmlformats.org/presentationml/2006/main" showMasterSp="0">
   <p:cSld>
     <p:spTree>
       <p:nvGrpSpPr>
@@ -34648,7 +33517,7 @@
 </file>
 
 <file path=ppt/slides/slide59.xml><?xml version="1.0" encoding="utf-8"?>
-<p:sld xmlns:a="http://schemas.openxmlformats.org/drawingml/2006/main" xmlns:r="http://schemas.openxmlformats.org/officeDocument/2006/relationships" xmlns:p="http://schemas.openxmlformats.org/presentationml/2006/main">
+<p:sld xmlns:a="http://schemas.openxmlformats.org/drawingml/2006/main" xmlns:r="http://schemas.openxmlformats.org/officeDocument/2006/relationships" xmlns:p="http://schemas.openxmlformats.org/presentationml/2006/main" showMasterSp="0">
   <p:cSld>
     <p:spTree>
       <p:nvGrpSpPr>
@@ -34789,7 +33658,7 @@
 </file>
 
 <file path=ppt/slides/slide6.xml><?xml version="1.0" encoding="utf-8"?>
-<p:sld xmlns:a="http://schemas.openxmlformats.org/drawingml/2006/main" xmlns:r="http://schemas.openxmlformats.org/officeDocument/2006/relationships" xmlns:p="http://schemas.openxmlformats.org/presentationml/2006/main">
+<p:sld xmlns:a="http://schemas.openxmlformats.org/drawingml/2006/main" xmlns:r="http://schemas.openxmlformats.org/officeDocument/2006/relationships" xmlns:p="http://schemas.openxmlformats.org/presentationml/2006/main" showMasterSp="0">
   <p:cSld>
     <p:spTree>
       <p:nvGrpSpPr>
@@ -34953,11 +33822,18 @@
   <p:clrMapOvr>
     <a:masterClrMapping/>
   </p:clrMapOvr>
+  <p:timing>
+    <p:tnLst>
+      <p:par>
+        <p:cTn id="1" dur="indefinite" restart="never" nodeType="tmRoot"/>
+      </p:par>
+    </p:tnLst>
+  </p:timing>
 </p:sld>
 </file>
 
 <file path=ppt/slides/slide60.xml><?xml version="1.0" encoding="utf-8"?>
-<p:sld xmlns:a="http://schemas.openxmlformats.org/drawingml/2006/main" xmlns:r="http://schemas.openxmlformats.org/officeDocument/2006/relationships" xmlns:p="http://schemas.openxmlformats.org/presentationml/2006/main">
+<p:sld xmlns:a="http://schemas.openxmlformats.org/drawingml/2006/main" xmlns:r="http://schemas.openxmlformats.org/officeDocument/2006/relationships" xmlns:p="http://schemas.openxmlformats.org/presentationml/2006/main" showMasterSp="0">
   <p:cSld>
     <p:spTree>
       <p:nvGrpSpPr>
@@ -35126,7 +34002,7 @@
 </file>
 
 <file path=ppt/slides/slide61.xml><?xml version="1.0" encoding="utf-8"?>
-<p:sld xmlns:a="http://schemas.openxmlformats.org/drawingml/2006/main" xmlns:r="http://schemas.openxmlformats.org/officeDocument/2006/relationships" xmlns:p="http://schemas.openxmlformats.org/presentationml/2006/main">
+<p:sld xmlns:a="http://schemas.openxmlformats.org/drawingml/2006/main" xmlns:r="http://schemas.openxmlformats.org/officeDocument/2006/relationships" xmlns:p="http://schemas.openxmlformats.org/presentationml/2006/main" showMasterSp="0">
   <p:cSld>
     <p:spTree>
       <p:nvGrpSpPr>
@@ -35202,7 +34078,7 @@
 </file>
 
 <file path=ppt/slides/slide62.xml><?xml version="1.0" encoding="utf-8"?>
-<p:sld xmlns:a="http://schemas.openxmlformats.org/drawingml/2006/main" xmlns:r="http://schemas.openxmlformats.org/officeDocument/2006/relationships" xmlns:p="http://schemas.openxmlformats.org/presentationml/2006/main">
+<p:sld xmlns:a="http://schemas.openxmlformats.org/drawingml/2006/main" xmlns:r="http://schemas.openxmlformats.org/officeDocument/2006/relationships" xmlns:p="http://schemas.openxmlformats.org/presentationml/2006/main" showMasterSp="0">
   <p:cSld>
     <p:spTree>
       <p:nvGrpSpPr>
@@ -35254,7 +34130,7 @@
 </file>
 
 <file path=ppt/slides/slide63.xml><?xml version="1.0" encoding="utf-8"?>
-<p:sld xmlns:a="http://schemas.openxmlformats.org/drawingml/2006/main" xmlns:r="http://schemas.openxmlformats.org/officeDocument/2006/relationships" xmlns:p="http://schemas.openxmlformats.org/presentationml/2006/main">
+<p:sld xmlns:a="http://schemas.openxmlformats.org/drawingml/2006/main" xmlns:r="http://schemas.openxmlformats.org/officeDocument/2006/relationships" xmlns:p="http://schemas.openxmlformats.org/presentationml/2006/main" showMasterSp="0">
   <p:cSld>
     <p:spTree>
       <p:nvGrpSpPr>
@@ -35328,7 +34204,7 @@
 </file>
 
 <file path=ppt/slides/slide64.xml><?xml version="1.0" encoding="utf-8"?>
-<p:sld xmlns:a="http://schemas.openxmlformats.org/drawingml/2006/main" xmlns:r="http://schemas.openxmlformats.org/officeDocument/2006/relationships" xmlns:p="http://schemas.openxmlformats.org/presentationml/2006/main">
+<p:sld xmlns:a="http://schemas.openxmlformats.org/drawingml/2006/main" xmlns:r="http://schemas.openxmlformats.org/officeDocument/2006/relationships" xmlns:p="http://schemas.openxmlformats.org/presentationml/2006/main" showMasterSp="0">
   <p:cSld>
     <p:spTree>
       <p:nvGrpSpPr>
@@ -35872,7 +34748,7 @@
 </file>
 
 <file path=ppt/slides/slide65.xml><?xml version="1.0" encoding="utf-8"?>
-<p:sld xmlns:a="http://schemas.openxmlformats.org/drawingml/2006/main" xmlns:r="http://schemas.openxmlformats.org/officeDocument/2006/relationships" xmlns:p="http://schemas.openxmlformats.org/presentationml/2006/main">
+<p:sld xmlns:a="http://schemas.openxmlformats.org/drawingml/2006/main" xmlns:r="http://schemas.openxmlformats.org/officeDocument/2006/relationships" xmlns:p="http://schemas.openxmlformats.org/presentationml/2006/main" showMasterSp="0">
   <p:cSld>
     <p:spTree>
       <p:nvGrpSpPr>
@@ -36096,7 +34972,7 @@
 </file>
 
 <file path=ppt/slides/slide66.xml><?xml version="1.0" encoding="utf-8"?>
-<p:sld xmlns:a="http://schemas.openxmlformats.org/drawingml/2006/main" xmlns:r="http://schemas.openxmlformats.org/officeDocument/2006/relationships" xmlns:p="http://schemas.openxmlformats.org/presentationml/2006/main">
+<p:sld xmlns:a="http://schemas.openxmlformats.org/drawingml/2006/main" xmlns:r="http://schemas.openxmlformats.org/officeDocument/2006/relationships" xmlns:p="http://schemas.openxmlformats.org/presentationml/2006/main" showMasterSp="0">
   <p:cSld>
     <p:spTree>
       <p:nvGrpSpPr>
@@ -36416,7 +35292,7 @@
 </file>
 
 <file path=ppt/slides/slide67.xml><?xml version="1.0" encoding="utf-8"?>
-<p:sld xmlns:a="http://schemas.openxmlformats.org/drawingml/2006/main" xmlns:r="http://schemas.openxmlformats.org/officeDocument/2006/relationships" xmlns:p="http://schemas.openxmlformats.org/presentationml/2006/main">
+<p:sld xmlns:a="http://schemas.openxmlformats.org/drawingml/2006/main" xmlns:r="http://schemas.openxmlformats.org/officeDocument/2006/relationships" xmlns:p="http://schemas.openxmlformats.org/presentationml/2006/main" showMasterSp="0">
   <p:cSld>
     <p:spTree>
       <p:nvGrpSpPr>
@@ -36468,7 +35344,7 @@
 </file>
 
 <file path=ppt/slides/slide68.xml><?xml version="1.0" encoding="utf-8"?>
-<p:sld xmlns:a="http://schemas.openxmlformats.org/drawingml/2006/main" xmlns:r="http://schemas.openxmlformats.org/officeDocument/2006/relationships" xmlns:p="http://schemas.openxmlformats.org/presentationml/2006/main">
+<p:sld xmlns:a="http://schemas.openxmlformats.org/drawingml/2006/main" xmlns:r="http://schemas.openxmlformats.org/officeDocument/2006/relationships" xmlns:p="http://schemas.openxmlformats.org/presentationml/2006/main" showMasterSp="0">
   <p:cSld>
     <p:spTree>
       <p:nvGrpSpPr>
@@ -36489,7 +35365,7 @@
           <p:cNvPr id="2" name="Title 1">
             <a:extLst>
               <a:ext uri="{FF2B5EF4-FFF2-40B4-BE49-F238E27FC236}">
-                <a16:creationId xmlns:a16="http://schemas.microsoft.com/office/drawing/2014/main" xmlns="" id="{7C97CAB4-375B-4B76-931C-93478AA4146A}"/>
+                <a16:creationId xmlns="" xmlns:a16="http://schemas.microsoft.com/office/drawing/2014/main" id="{7C97CAB4-375B-4B76-931C-93478AA4146A}"/>
               </a:ext>
             </a:extLst>
           </p:cNvPr>
@@ -36517,7 +35393,7 @@
           <p:cNvPr id="3" name="Text Placeholder 2">
             <a:extLst>
               <a:ext uri="{FF2B5EF4-FFF2-40B4-BE49-F238E27FC236}">
-                <a16:creationId xmlns:a16="http://schemas.microsoft.com/office/drawing/2014/main" xmlns="" id="{BA8BB579-BBEC-4135-B315-E9AC16F93B07}"/>
+                <a16:creationId xmlns="" xmlns:a16="http://schemas.microsoft.com/office/drawing/2014/main" id="{BA8BB579-BBEC-4135-B315-E9AC16F93B07}"/>
               </a:ext>
             </a:extLst>
           </p:cNvPr>
@@ -36589,7 +35465,7 @@
 </file>
 
 <file path=ppt/slides/slide69.xml><?xml version="1.0" encoding="utf-8"?>
-<p:sld xmlns:a="http://schemas.openxmlformats.org/drawingml/2006/main" xmlns:r="http://schemas.openxmlformats.org/officeDocument/2006/relationships" xmlns:p="http://schemas.openxmlformats.org/presentationml/2006/main">
+<p:sld xmlns:a="http://schemas.openxmlformats.org/drawingml/2006/main" xmlns:r="http://schemas.openxmlformats.org/officeDocument/2006/relationships" xmlns:p="http://schemas.openxmlformats.org/presentationml/2006/main" showMasterSp="0">
   <p:cSld>
     <p:spTree>
       <p:nvGrpSpPr>
@@ -36610,7 +35486,7 @@
           <p:cNvPr id="2" name="Title 1">
             <a:extLst>
               <a:ext uri="{FF2B5EF4-FFF2-40B4-BE49-F238E27FC236}">
-                <a16:creationId xmlns:a16="http://schemas.microsoft.com/office/drawing/2014/main" xmlns="" id="{7C97CAB4-375B-4B76-931C-93478AA4146A}"/>
+                <a16:creationId xmlns="" xmlns:a16="http://schemas.microsoft.com/office/drawing/2014/main" id="{7C97CAB4-375B-4B76-931C-93478AA4146A}"/>
               </a:ext>
             </a:extLst>
           </p:cNvPr>
@@ -36638,7 +35514,7 @@
           <p:cNvPr id="3" name="Text Placeholder 2">
             <a:extLst>
               <a:ext uri="{FF2B5EF4-FFF2-40B4-BE49-F238E27FC236}">
-                <a16:creationId xmlns:a16="http://schemas.microsoft.com/office/drawing/2014/main" xmlns="" id="{BA8BB579-BBEC-4135-B315-E9AC16F93B07}"/>
+                <a16:creationId xmlns="" xmlns:a16="http://schemas.microsoft.com/office/drawing/2014/main" id="{BA8BB579-BBEC-4135-B315-E9AC16F93B07}"/>
               </a:ext>
             </a:extLst>
           </p:cNvPr>
@@ -36713,7 +35589,7 @@
           <p:cNvPr id="4" name="Picture 3">
             <a:extLst>
               <a:ext uri="{FF2B5EF4-FFF2-40B4-BE49-F238E27FC236}">
-                <a16:creationId xmlns:a16="http://schemas.microsoft.com/office/drawing/2014/main" xmlns="" id="{760D2AC7-8360-4C9D-8AD9-D8E465C7C290}"/>
+                <a16:creationId xmlns="" xmlns:a16="http://schemas.microsoft.com/office/drawing/2014/main" id="{760D2AC7-8360-4C9D-8AD9-D8E465C7C290}"/>
               </a:ext>
             </a:extLst>
           </p:cNvPr>
@@ -36752,7 +35628,7 @@
 </file>
 
 <file path=ppt/slides/slide7.xml><?xml version="1.0" encoding="utf-8"?>
-<p:sld xmlns:a="http://schemas.openxmlformats.org/drawingml/2006/main" xmlns:r="http://schemas.openxmlformats.org/officeDocument/2006/relationships" xmlns:p="http://schemas.openxmlformats.org/presentationml/2006/main">
+<p:sld xmlns:a="http://schemas.openxmlformats.org/drawingml/2006/main" xmlns:r="http://schemas.openxmlformats.org/officeDocument/2006/relationships" xmlns:p="http://schemas.openxmlformats.org/presentationml/2006/main" showMasterSp="0">
   <p:cSld>
     <p:spTree>
       <p:nvGrpSpPr>
@@ -36880,11 +35756,18 @@
   <p:clrMapOvr>
     <a:masterClrMapping/>
   </p:clrMapOvr>
+  <p:timing>
+    <p:tnLst>
+      <p:par>
+        <p:cTn id="1" dur="indefinite" restart="never" nodeType="tmRoot"/>
+      </p:par>
+    </p:tnLst>
+  </p:timing>
 </p:sld>
 </file>
 
 <file path=ppt/slides/slide70.xml><?xml version="1.0" encoding="utf-8"?>
-<p:sld xmlns:a="http://schemas.openxmlformats.org/drawingml/2006/main" xmlns:r="http://schemas.openxmlformats.org/officeDocument/2006/relationships" xmlns:p="http://schemas.openxmlformats.org/presentationml/2006/main">
+<p:sld xmlns:a="http://schemas.openxmlformats.org/drawingml/2006/main" xmlns:r="http://schemas.openxmlformats.org/officeDocument/2006/relationships" xmlns:p="http://schemas.openxmlformats.org/presentationml/2006/main" showMasterSp="0">
   <p:cSld>
     <p:spTree>
       <p:nvGrpSpPr>
@@ -36905,7 +35788,7 @@
           <p:cNvPr id="2" name="Title 1">
             <a:extLst>
               <a:ext uri="{FF2B5EF4-FFF2-40B4-BE49-F238E27FC236}">
-                <a16:creationId xmlns:a16="http://schemas.microsoft.com/office/drawing/2014/main" xmlns="" id="{7C97CAB4-375B-4B76-931C-93478AA4146A}"/>
+                <a16:creationId xmlns="" xmlns:a16="http://schemas.microsoft.com/office/drawing/2014/main" id="{7C97CAB4-375B-4B76-931C-93478AA4146A}"/>
               </a:ext>
             </a:extLst>
           </p:cNvPr>
@@ -36933,7 +35816,7 @@
           <p:cNvPr id="3" name="Text Placeholder 2">
             <a:extLst>
               <a:ext uri="{FF2B5EF4-FFF2-40B4-BE49-F238E27FC236}">
-                <a16:creationId xmlns:a16="http://schemas.microsoft.com/office/drawing/2014/main" xmlns="" id="{BA8BB579-BBEC-4135-B315-E9AC16F93B07}"/>
+                <a16:creationId xmlns="" xmlns:a16="http://schemas.microsoft.com/office/drawing/2014/main" id="{BA8BB579-BBEC-4135-B315-E9AC16F93B07}"/>
               </a:ext>
             </a:extLst>
           </p:cNvPr>
@@ -36985,7 +35868,7 @@
           <p:cNvPr id="5" name="Picture 4">
             <a:extLst>
               <a:ext uri="{FF2B5EF4-FFF2-40B4-BE49-F238E27FC236}">
-                <a16:creationId xmlns:a16="http://schemas.microsoft.com/office/drawing/2014/main" xmlns="" id="{C70C164A-4CA2-4C27-BBCE-3F674E4F8EE7}"/>
+                <a16:creationId xmlns="" xmlns:a16="http://schemas.microsoft.com/office/drawing/2014/main" id="{C70C164A-4CA2-4C27-BBCE-3F674E4F8EE7}"/>
               </a:ext>
             </a:extLst>
           </p:cNvPr>
@@ -37024,7 +35907,7 @@
 </file>
 
 <file path=ppt/slides/slide71.xml><?xml version="1.0" encoding="utf-8"?>
-<p:sld xmlns:a="http://schemas.openxmlformats.org/drawingml/2006/main" xmlns:r="http://schemas.openxmlformats.org/officeDocument/2006/relationships" xmlns:p="http://schemas.openxmlformats.org/presentationml/2006/main">
+<p:sld xmlns:a="http://schemas.openxmlformats.org/drawingml/2006/main" xmlns:r="http://schemas.openxmlformats.org/officeDocument/2006/relationships" xmlns:p="http://schemas.openxmlformats.org/presentationml/2006/main" showMasterSp="0">
   <p:cSld>
     <p:spTree>
       <p:nvGrpSpPr>
@@ -37045,7 +35928,7 @@
           <p:cNvPr id="2" name="Title 1">
             <a:extLst>
               <a:ext uri="{FF2B5EF4-FFF2-40B4-BE49-F238E27FC236}">
-                <a16:creationId xmlns:a16="http://schemas.microsoft.com/office/drawing/2014/main" xmlns="" id="{7C97CAB4-375B-4B76-931C-93478AA4146A}"/>
+                <a16:creationId xmlns="" xmlns:a16="http://schemas.microsoft.com/office/drawing/2014/main" id="{7C97CAB4-375B-4B76-931C-93478AA4146A}"/>
               </a:ext>
             </a:extLst>
           </p:cNvPr>
@@ -37073,7 +35956,7 @@
           <p:cNvPr id="3" name="Text Placeholder 2">
             <a:extLst>
               <a:ext uri="{FF2B5EF4-FFF2-40B4-BE49-F238E27FC236}">
-                <a16:creationId xmlns:a16="http://schemas.microsoft.com/office/drawing/2014/main" xmlns="" id="{BA8BB579-BBEC-4135-B315-E9AC16F93B07}"/>
+                <a16:creationId xmlns="" xmlns:a16="http://schemas.microsoft.com/office/drawing/2014/main" id="{BA8BB579-BBEC-4135-B315-E9AC16F93B07}"/>
               </a:ext>
             </a:extLst>
           </p:cNvPr>
@@ -37178,7 +36061,7 @@
           <p:cNvPr id="7" name="Picture 6">
             <a:extLst>
               <a:ext uri="{FF2B5EF4-FFF2-40B4-BE49-F238E27FC236}">
-                <a16:creationId xmlns:a16="http://schemas.microsoft.com/office/drawing/2014/main" xmlns="" id="{7AFB659F-4649-4345-9EF9-F18473FB023C}"/>
+                <a16:creationId xmlns="" xmlns:a16="http://schemas.microsoft.com/office/drawing/2014/main" id="{7AFB659F-4649-4345-9EF9-F18473FB023C}"/>
               </a:ext>
             </a:extLst>
           </p:cNvPr>
@@ -37346,7 +36229,7 @@
 </file>
 
 <file path=ppt/slides/slide72.xml><?xml version="1.0" encoding="utf-8"?>
-<p:sld xmlns:a="http://schemas.openxmlformats.org/drawingml/2006/main" xmlns:r="http://schemas.openxmlformats.org/officeDocument/2006/relationships" xmlns:p="http://schemas.openxmlformats.org/presentationml/2006/main">
+<p:sld xmlns:a="http://schemas.openxmlformats.org/drawingml/2006/main" xmlns:r="http://schemas.openxmlformats.org/officeDocument/2006/relationships" xmlns:p="http://schemas.openxmlformats.org/presentationml/2006/main" showMasterSp="0">
   <p:cSld>
     <p:spTree>
       <p:nvGrpSpPr>
@@ -37367,7 +36250,7 @@
           <p:cNvPr id="2" name="Title 1">
             <a:extLst>
               <a:ext uri="{FF2B5EF4-FFF2-40B4-BE49-F238E27FC236}">
-                <a16:creationId xmlns:a16="http://schemas.microsoft.com/office/drawing/2014/main" xmlns="" id="{ED7FFE98-9BD3-43F7-A676-A8F1D8EAADDD}"/>
+                <a16:creationId xmlns="" xmlns:a16="http://schemas.microsoft.com/office/drawing/2014/main" id="{ED7FFE98-9BD3-43F7-A676-A8F1D8EAADDD}"/>
               </a:ext>
             </a:extLst>
           </p:cNvPr>
@@ -37395,7 +36278,7 @@
           <p:cNvPr id="3" name="Text Placeholder 2">
             <a:extLst>
               <a:ext uri="{FF2B5EF4-FFF2-40B4-BE49-F238E27FC236}">
-                <a16:creationId xmlns:a16="http://schemas.microsoft.com/office/drawing/2014/main" xmlns="" id="{18DBBEF3-246A-4FC9-8226-D8BE6BC55B61}"/>
+                <a16:creationId xmlns="" xmlns:a16="http://schemas.microsoft.com/office/drawing/2014/main" id="{18DBBEF3-246A-4FC9-8226-D8BE6BC55B61}"/>
               </a:ext>
             </a:extLst>
           </p:cNvPr>
@@ -37471,7 +36354,7 @@
           <p:cNvPr id="4" name="Picture 3">
             <a:extLst>
               <a:ext uri="{FF2B5EF4-FFF2-40B4-BE49-F238E27FC236}">
-                <a16:creationId xmlns:a16="http://schemas.microsoft.com/office/drawing/2014/main" xmlns="" id="{342D2BD8-13AD-4733-A29F-7AD16099FD13}"/>
+                <a16:creationId xmlns="" xmlns:a16="http://schemas.microsoft.com/office/drawing/2014/main" id="{342D2BD8-13AD-4733-A29F-7AD16099FD13}"/>
               </a:ext>
             </a:extLst>
           </p:cNvPr>
@@ -37501,7 +36384,7 @@
           <p:cNvPr id="5" name="Picture 4">
             <a:extLst>
               <a:ext uri="{FF2B5EF4-FFF2-40B4-BE49-F238E27FC236}">
-                <a16:creationId xmlns:a16="http://schemas.microsoft.com/office/drawing/2014/main" xmlns="" id="{FDFC9002-1E54-47FE-970B-995AB9AD0CE9}"/>
+                <a16:creationId xmlns="" xmlns:a16="http://schemas.microsoft.com/office/drawing/2014/main" id="{FDFC9002-1E54-47FE-970B-995AB9AD0CE9}"/>
               </a:ext>
             </a:extLst>
           </p:cNvPr>
@@ -37536,11 +36419,18 @@
   <p:clrMapOvr>
     <a:masterClrMapping/>
   </p:clrMapOvr>
+  <p:timing>
+    <p:tnLst>
+      <p:par>
+        <p:cTn id="1" dur="indefinite" restart="never" nodeType="tmRoot"/>
+      </p:par>
+    </p:tnLst>
+  </p:timing>
 </p:sld>
 </file>
 
 <file path=ppt/slides/slide73.xml><?xml version="1.0" encoding="utf-8"?>
-<p:sld xmlns:a="http://schemas.openxmlformats.org/drawingml/2006/main" xmlns:r="http://schemas.openxmlformats.org/officeDocument/2006/relationships" xmlns:p="http://schemas.openxmlformats.org/presentationml/2006/main">
+<p:sld xmlns:a="http://schemas.openxmlformats.org/drawingml/2006/main" xmlns:r="http://schemas.openxmlformats.org/officeDocument/2006/relationships" xmlns:p="http://schemas.openxmlformats.org/presentationml/2006/main" showMasterSp="0">
   <p:cSld>
     <p:spTree>
       <p:nvGrpSpPr>
@@ -37561,7 +36451,7 @@
           <p:cNvPr id="2" name="Title 1">
             <a:extLst>
               <a:ext uri="{FF2B5EF4-FFF2-40B4-BE49-F238E27FC236}">
-                <a16:creationId xmlns:a16="http://schemas.microsoft.com/office/drawing/2014/main" xmlns="" id="{2FA471DC-2676-4F59-BC3F-119C73239BAD}"/>
+                <a16:creationId xmlns="" xmlns:a16="http://schemas.microsoft.com/office/drawing/2014/main" id="{2FA471DC-2676-4F59-BC3F-119C73239BAD}"/>
               </a:ext>
             </a:extLst>
           </p:cNvPr>
@@ -37589,7 +36479,7 @@
           <p:cNvPr id="3" name="Text Placeholder 2">
             <a:extLst>
               <a:ext uri="{FF2B5EF4-FFF2-40B4-BE49-F238E27FC236}">
-                <a16:creationId xmlns:a16="http://schemas.microsoft.com/office/drawing/2014/main" xmlns="" id="{AE4C347F-FAB6-4DEA-A1D2-8AF1C60BE402}"/>
+                <a16:creationId xmlns="" xmlns:a16="http://schemas.microsoft.com/office/drawing/2014/main" id="{AE4C347F-FAB6-4DEA-A1D2-8AF1C60BE402}"/>
               </a:ext>
             </a:extLst>
           </p:cNvPr>
@@ -37619,11 +36509,18 @@
   <p:clrMapOvr>
     <a:masterClrMapping/>
   </p:clrMapOvr>
+  <p:timing>
+    <p:tnLst>
+      <p:par>
+        <p:cTn id="1" dur="indefinite" restart="never" nodeType="tmRoot"/>
+      </p:par>
+    </p:tnLst>
+  </p:timing>
 </p:sld>
 </file>
 
 <file path=ppt/slides/slide74.xml><?xml version="1.0" encoding="utf-8"?>
-<p:sld xmlns:a="http://schemas.openxmlformats.org/drawingml/2006/main" xmlns:r="http://schemas.openxmlformats.org/officeDocument/2006/relationships" xmlns:p="http://schemas.openxmlformats.org/presentationml/2006/main">
+<p:sld xmlns:a="http://schemas.openxmlformats.org/drawingml/2006/main" xmlns:r="http://schemas.openxmlformats.org/officeDocument/2006/relationships" xmlns:p="http://schemas.openxmlformats.org/presentationml/2006/main" showMasterSp="0">
   <p:cSld>
     <p:spTree>
       <p:nvGrpSpPr>
@@ -37671,11 +36568,18 @@
   <p:clrMapOvr>
     <a:masterClrMapping/>
   </p:clrMapOvr>
+  <p:timing>
+    <p:tnLst>
+      <p:par>
+        <p:cTn id="1" dur="indefinite" restart="never" nodeType="tmRoot"/>
+      </p:par>
+    </p:tnLst>
+  </p:timing>
 </p:sld>
 </file>
 
 <file path=ppt/slides/slide8.xml><?xml version="1.0" encoding="utf-8"?>
-<p:sld xmlns:a="http://schemas.openxmlformats.org/drawingml/2006/main" xmlns:r="http://schemas.openxmlformats.org/officeDocument/2006/relationships" xmlns:p="http://schemas.openxmlformats.org/presentationml/2006/main">
+<p:sld xmlns:a="http://schemas.openxmlformats.org/drawingml/2006/main" xmlns:r="http://schemas.openxmlformats.org/officeDocument/2006/relationships" xmlns:p="http://schemas.openxmlformats.org/presentationml/2006/main" showMasterSp="0">
   <p:cSld>
     <p:spTree>
       <p:nvGrpSpPr>
@@ -37745,11 +36649,18 @@
   <p:clrMapOvr>
     <a:masterClrMapping/>
   </p:clrMapOvr>
+  <p:timing>
+    <p:tnLst>
+      <p:par>
+        <p:cTn id="1" dur="indefinite" restart="never" nodeType="tmRoot"/>
+      </p:par>
+    </p:tnLst>
+  </p:timing>
 </p:sld>
 </file>
 
 <file path=ppt/slides/slide9.xml><?xml version="1.0" encoding="utf-8"?>
-<p:sld xmlns:a="http://schemas.openxmlformats.org/drawingml/2006/main" xmlns:r="http://schemas.openxmlformats.org/officeDocument/2006/relationships" xmlns:p="http://schemas.openxmlformats.org/presentationml/2006/main">
+<p:sld xmlns:a="http://schemas.openxmlformats.org/drawingml/2006/main" xmlns:r="http://schemas.openxmlformats.org/officeDocument/2006/relationships" xmlns:p="http://schemas.openxmlformats.org/presentationml/2006/main" showMasterSp="0">
   <p:cSld>
     <p:spTree>
       <p:nvGrpSpPr>
@@ -37914,6 +36825,13 @@
   <p:clrMapOvr>
     <a:masterClrMapping/>
   </p:clrMapOvr>
+  <p:timing>
+    <p:tnLst>
+      <p:par>
+        <p:cTn id="1" dur="indefinite" restart="never" nodeType="tmRoot"/>
+      </p:par>
+    </p:tnLst>
+  </p:timing>
 </p:sld>
 </file>
 

--- a/Angular Traning Data/presentation/01-01 Angular JS v 3.0.pptx
+++ b/Angular Traning Data/presentation/01-01 Angular JS v 3.0.pptx
@@ -19192,1279 +19192,6 @@
           <a:chExt cx="0" cy="0"/>
         </a:xfrm>
       </p:grpSpPr>
-      <p:pic>
-        <p:nvPicPr>
-          <p:cNvPr id="12" name="Picture 11"/>
-          <p:cNvPicPr>
-            <a:picLocks noChangeAspect="1"/>
-          </p:cNvPicPr>
-          <p:nvPr userDrawn="1"/>
-        </p:nvPicPr>
-        <p:blipFill rotWithShape="1">
-          <a:blip r:embed="rId2" cstate="print">
-            <a:extLst>
-              <a:ext uri="{28A0092B-C50C-407E-A947-70E740481C1C}">
-                <a14:useLocalDpi xmlns:a14="http://schemas.microsoft.com/office/drawing/2010/main" val="0"/>
-              </a:ext>
-            </a:extLst>
-          </a:blip>
-          <a:srcRect l="27516" t="1677" b="739"/>
-          <a:stretch/>
-        </p:blipFill>
-        <p:spPr>
-          <a:xfrm>
-            <a:off x="0" y="0"/>
-            <a:ext cx="9144000" cy="6924656"/>
-          </a:xfrm>
-          <a:prstGeom prst="rect">
-            <a:avLst/>
-          </a:prstGeom>
-        </p:spPr>
-      </p:pic>
-      <p:grpSp>
-        <p:nvGrpSpPr>
-          <p:cNvPr id="13" name="Group 12"/>
-          <p:cNvGrpSpPr/>
-          <p:nvPr userDrawn="1"/>
-        </p:nvGrpSpPr>
-        <p:grpSpPr>
-          <a:xfrm>
-            <a:off x="5683740" y="2394673"/>
-            <a:ext cx="3074395" cy="2060440"/>
-            <a:chOff x="5701703" y="682760"/>
-            <a:chExt cx="3074395" cy="2060440"/>
-          </a:xfrm>
-        </p:grpSpPr>
-        <p:sp>
-          <p:nvSpPr>
-            <p:cNvPr id="14" name="Freeform 13"/>
-            <p:cNvSpPr/>
-            <p:nvPr/>
-          </p:nvSpPr>
-          <p:spPr>
-            <a:xfrm>
-              <a:off x="6164291" y="682760"/>
-              <a:ext cx="2013677" cy="2060440"/>
-            </a:xfrm>
-            <a:custGeom>
-              <a:avLst/>
-              <a:gdLst>
-                <a:gd name="connsiteX0" fmla="*/ 0 w 4457700"/>
-                <a:gd name="connsiteY0" fmla="*/ 0 h 4552950"/>
-                <a:gd name="connsiteX1" fmla="*/ 4457700 w 4457700"/>
-                <a:gd name="connsiteY1" fmla="*/ 1828800 h 4552950"/>
-                <a:gd name="connsiteX2" fmla="*/ 4457700 w 4457700"/>
-                <a:gd name="connsiteY2" fmla="*/ 2743200 h 4552950"/>
-                <a:gd name="connsiteX3" fmla="*/ 0 w 4457700"/>
-                <a:gd name="connsiteY3" fmla="*/ 4552950 h 4552950"/>
-                <a:gd name="connsiteX4" fmla="*/ 0 w 4457700"/>
-                <a:gd name="connsiteY4" fmla="*/ 3543300 h 4552950"/>
-                <a:gd name="connsiteX5" fmla="*/ 3282950 w 4457700"/>
-                <a:gd name="connsiteY5" fmla="*/ 2286000 h 4552950"/>
-                <a:gd name="connsiteX6" fmla="*/ 0 w 4457700"/>
-                <a:gd name="connsiteY6" fmla="*/ 1016000 h 4552950"/>
-                <a:gd name="connsiteX7" fmla="*/ 0 w 4457700"/>
-                <a:gd name="connsiteY7" fmla="*/ 0 h 4552950"/>
-                <a:gd name="connsiteX0" fmla="*/ 0 w 4457700"/>
-                <a:gd name="connsiteY0" fmla="*/ 0 h 4552950"/>
-                <a:gd name="connsiteX1" fmla="*/ 4457700 w 4457700"/>
-                <a:gd name="connsiteY1" fmla="*/ 1824037 h 4552950"/>
-                <a:gd name="connsiteX2" fmla="*/ 4457700 w 4457700"/>
-                <a:gd name="connsiteY2" fmla="*/ 2743200 h 4552950"/>
-                <a:gd name="connsiteX3" fmla="*/ 0 w 4457700"/>
-                <a:gd name="connsiteY3" fmla="*/ 4552950 h 4552950"/>
-                <a:gd name="connsiteX4" fmla="*/ 0 w 4457700"/>
-                <a:gd name="connsiteY4" fmla="*/ 3543300 h 4552950"/>
-                <a:gd name="connsiteX5" fmla="*/ 3282950 w 4457700"/>
-                <a:gd name="connsiteY5" fmla="*/ 2286000 h 4552950"/>
-                <a:gd name="connsiteX6" fmla="*/ 0 w 4457700"/>
-                <a:gd name="connsiteY6" fmla="*/ 1016000 h 4552950"/>
-                <a:gd name="connsiteX7" fmla="*/ 0 w 4457700"/>
-                <a:gd name="connsiteY7" fmla="*/ 0 h 4552950"/>
-                <a:gd name="connsiteX0" fmla="*/ 0 w 4457700"/>
-                <a:gd name="connsiteY0" fmla="*/ 0 h 4552950"/>
-                <a:gd name="connsiteX1" fmla="*/ 4457700 w 4457700"/>
-                <a:gd name="connsiteY1" fmla="*/ 1816893 h 4552950"/>
-                <a:gd name="connsiteX2" fmla="*/ 4457700 w 4457700"/>
-                <a:gd name="connsiteY2" fmla="*/ 2743200 h 4552950"/>
-                <a:gd name="connsiteX3" fmla="*/ 0 w 4457700"/>
-                <a:gd name="connsiteY3" fmla="*/ 4552950 h 4552950"/>
-                <a:gd name="connsiteX4" fmla="*/ 0 w 4457700"/>
-                <a:gd name="connsiteY4" fmla="*/ 3543300 h 4552950"/>
-                <a:gd name="connsiteX5" fmla="*/ 3282950 w 4457700"/>
-                <a:gd name="connsiteY5" fmla="*/ 2286000 h 4552950"/>
-                <a:gd name="connsiteX6" fmla="*/ 0 w 4457700"/>
-                <a:gd name="connsiteY6" fmla="*/ 1016000 h 4552950"/>
-                <a:gd name="connsiteX7" fmla="*/ 0 w 4457700"/>
-                <a:gd name="connsiteY7" fmla="*/ 0 h 4552950"/>
-                <a:gd name="connsiteX0" fmla="*/ 0 w 4462462"/>
-                <a:gd name="connsiteY0" fmla="*/ 0 h 4552950"/>
-                <a:gd name="connsiteX1" fmla="*/ 4462462 w 4462462"/>
-                <a:gd name="connsiteY1" fmla="*/ 1819275 h 4552950"/>
-                <a:gd name="connsiteX2" fmla="*/ 4457700 w 4462462"/>
-                <a:gd name="connsiteY2" fmla="*/ 2743200 h 4552950"/>
-                <a:gd name="connsiteX3" fmla="*/ 0 w 4462462"/>
-                <a:gd name="connsiteY3" fmla="*/ 4552950 h 4552950"/>
-                <a:gd name="connsiteX4" fmla="*/ 0 w 4462462"/>
-                <a:gd name="connsiteY4" fmla="*/ 3543300 h 4552950"/>
-                <a:gd name="connsiteX5" fmla="*/ 3282950 w 4462462"/>
-                <a:gd name="connsiteY5" fmla="*/ 2286000 h 4552950"/>
-                <a:gd name="connsiteX6" fmla="*/ 0 w 4462462"/>
-                <a:gd name="connsiteY6" fmla="*/ 1016000 h 4552950"/>
-                <a:gd name="connsiteX7" fmla="*/ 0 w 4462462"/>
-                <a:gd name="connsiteY7" fmla="*/ 0 h 4552950"/>
-                <a:gd name="connsiteX0" fmla="*/ 0 w 4462921"/>
-                <a:gd name="connsiteY0" fmla="*/ 0 h 4552950"/>
-                <a:gd name="connsiteX1" fmla="*/ 4462462 w 4462921"/>
-                <a:gd name="connsiteY1" fmla="*/ 1819275 h 4552950"/>
-                <a:gd name="connsiteX2" fmla="*/ 4462463 w 4462921"/>
-                <a:gd name="connsiteY2" fmla="*/ 2747962 h 4552950"/>
-                <a:gd name="connsiteX3" fmla="*/ 0 w 4462921"/>
-                <a:gd name="connsiteY3" fmla="*/ 4552950 h 4552950"/>
-                <a:gd name="connsiteX4" fmla="*/ 0 w 4462921"/>
-                <a:gd name="connsiteY4" fmla="*/ 3543300 h 4552950"/>
-                <a:gd name="connsiteX5" fmla="*/ 3282950 w 4462921"/>
-                <a:gd name="connsiteY5" fmla="*/ 2286000 h 4552950"/>
-                <a:gd name="connsiteX6" fmla="*/ 0 w 4462921"/>
-                <a:gd name="connsiteY6" fmla="*/ 1016000 h 4552950"/>
-                <a:gd name="connsiteX7" fmla="*/ 0 w 4462921"/>
-                <a:gd name="connsiteY7" fmla="*/ 0 h 4552950"/>
-                <a:gd name="connsiteX0" fmla="*/ 0 w 4462921"/>
-                <a:gd name="connsiteY0" fmla="*/ 0 h 4552950"/>
-                <a:gd name="connsiteX1" fmla="*/ 4462462 w 4462921"/>
-                <a:gd name="connsiteY1" fmla="*/ 1819275 h 4552950"/>
-                <a:gd name="connsiteX2" fmla="*/ 4462463 w 4462921"/>
-                <a:gd name="connsiteY2" fmla="*/ 2747962 h 4552950"/>
-                <a:gd name="connsiteX3" fmla="*/ 0 w 4462921"/>
-                <a:gd name="connsiteY3" fmla="*/ 4552950 h 4552950"/>
-                <a:gd name="connsiteX4" fmla="*/ 0 w 4462921"/>
-                <a:gd name="connsiteY4" fmla="*/ 3543300 h 4552950"/>
-                <a:gd name="connsiteX5" fmla="*/ 3282950 w 4462921"/>
-                <a:gd name="connsiteY5" fmla="*/ 2286000 h 4552950"/>
-                <a:gd name="connsiteX6" fmla="*/ 0 w 4462921"/>
-                <a:gd name="connsiteY6" fmla="*/ 1016000 h 4552950"/>
-                <a:gd name="connsiteX7" fmla="*/ 0 w 4462921"/>
-                <a:gd name="connsiteY7" fmla="*/ 0 h 4552950"/>
-                <a:gd name="connsiteX0" fmla="*/ 0 w 4462921"/>
-                <a:gd name="connsiteY0" fmla="*/ 0 h 4560094"/>
-                <a:gd name="connsiteX1" fmla="*/ 4462462 w 4462921"/>
-                <a:gd name="connsiteY1" fmla="*/ 1819275 h 4560094"/>
-                <a:gd name="connsiteX2" fmla="*/ 4462463 w 4462921"/>
-                <a:gd name="connsiteY2" fmla="*/ 2747962 h 4560094"/>
-                <a:gd name="connsiteX3" fmla="*/ 2381 w 4462921"/>
-                <a:gd name="connsiteY3" fmla="*/ 4560094 h 4560094"/>
-                <a:gd name="connsiteX4" fmla="*/ 0 w 4462921"/>
-                <a:gd name="connsiteY4" fmla="*/ 3543300 h 4560094"/>
-                <a:gd name="connsiteX5" fmla="*/ 3282950 w 4462921"/>
-                <a:gd name="connsiteY5" fmla="*/ 2286000 h 4560094"/>
-                <a:gd name="connsiteX6" fmla="*/ 0 w 4462921"/>
-                <a:gd name="connsiteY6" fmla="*/ 1016000 h 4560094"/>
-                <a:gd name="connsiteX7" fmla="*/ 0 w 4462921"/>
-                <a:gd name="connsiteY7" fmla="*/ 0 h 4560094"/>
-                <a:gd name="connsiteX0" fmla="*/ 0 w 4462921"/>
-                <a:gd name="connsiteY0" fmla="*/ 0 h 4560094"/>
-                <a:gd name="connsiteX1" fmla="*/ 4462462 w 4462921"/>
-                <a:gd name="connsiteY1" fmla="*/ 1819275 h 4560094"/>
-                <a:gd name="connsiteX2" fmla="*/ 4462463 w 4462921"/>
-                <a:gd name="connsiteY2" fmla="*/ 2747962 h 4560094"/>
-                <a:gd name="connsiteX3" fmla="*/ 2381 w 4462921"/>
-                <a:gd name="connsiteY3" fmla="*/ 4560094 h 4560094"/>
-                <a:gd name="connsiteX4" fmla="*/ 0 w 4462921"/>
-                <a:gd name="connsiteY4" fmla="*/ 3543300 h 4560094"/>
-                <a:gd name="connsiteX5" fmla="*/ 3275807 w 4462921"/>
-                <a:gd name="connsiteY5" fmla="*/ 2286000 h 4560094"/>
-                <a:gd name="connsiteX6" fmla="*/ 0 w 4462921"/>
-                <a:gd name="connsiteY6" fmla="*/ 1016000 h 4560094"/>
-                <a:gd name="connsiteX7" fmla="*/ 0 w 4462921"/>
-                <a:gd name="connsiteY7" fmla="*/ 0 h 4560094"/>
-                <a:gd name="connsiteX0" fmla="*/ 0 w 4462921"/>
-                <a:gd name="connsiteY0" fmla="*/ 0 h 4557713"/>
-                <a:gd name="connsiteX1" fmla="*/ 4462462 w 4462921"/>
-                <a:gd name="connsiteY1" fmla="*/ 1819275 h 4557713"/>
-                <a:gd name="connsiteX2" fmla="*/ 4462463 w 4462921"/>
-                <a:gd name="connsiteY2" fmla="*/ 2747962 h 4557713"/>
-                <a:gd name="connsiteX3" fmla="*/ 2381 w 4462921"/>
-                <a:gd name="connsiteY3" fmla="*/ 4557713 h 4557713"/>
-                <a:gd name="connsiteX4" fmla="*/ 0 w 4462921"/>
-                <a:gd name="connsiteY4" fmla="*/ 3543300 h 4557713"/>
-                <a:gd name="connsiteX5" fmla="*/ 3275807 w 4462921"/>
-                <a:gd name="connsiteY5" fmla="*/ 2286000 h 4557713"/>
-                <a:gd name="connsiteX6" fmla="*/ 0 w 4462921"/>
-                <a:gd name="connsiteY6" fmla="*/ 1016000 h 4557713"/>
-                <a:gd name="connsiteX7" fmla="*/ 0 w 4462921"/>
-                <a:gd name="connsiteY7" fmla="*/ 0 h 4557713"/>
-                <a:gd name="connsiteX0" fmla="*/ 0 w 4462921"/>
-                <a:gd name="connsiteY0" fmla="*/ 0 h 4562475"/>
-                <a:gd name="connsiteX1" fmla="*/ 4462462 w 4462921"/>
-                <a:gd name="connsiteY1" fmla="*/ 1819275 h 4562475"/>
-                <a:gd name="connsiteX2" fmla="*/ 4462463 w 4462921"/>
-                <a:gd name="connsiteY2" fmla="*/ 2747962 h 4562475"/>
-                <a:gd name="connsiteX3" fmla="*/ 2381 w 4462921"/>
-                <a:gd name="connsiteY3" fmla="*/ 4562475 h 4562475"/>
-                <a:gd name="connsiteX4" fmla="*/ 0 w 4462921"/>
-                <a:gd name="connsiteY4" fmla="*/ 3543300 h 4562475"/>
-                <a:gd name="connsiteX5" fmla="*/ 3275807 w 4462921"/>
-                <a:gd name="connsiteY5" fmla="*/ 2286000 h 4562475"/>
-                <a:gd name="connsiteX6" fmla="*/ 0 w 4462921"/>
-                <a:gd name="connsiteY6" fmla="*/ 1016000 h 4562475"/>
-                <a:gd name="connsiteX7" fmla="*/ 0 w 4462921"/>
-                <a:gd name="connsiteY7" fmla="*/ 0 h 4562475"/>
-                <a:gd name="connsiteX0" fmla="*/ 2486 w 4465407"/>
-                <a:gd name="connsiteY0" fmla="*/ 0 h 4564856"/>
-                <a:gd name="connsiteX1" fmla="*/ 4464948 w 4465407"/>
-                <a:gd name="connsiteY1" fmla="*/ 1819275 h 4564856"/>
-                <a:gd name="connsiteX2" fmla="*/ 4464949 w 4465407"/>
-                <a:gd name="connsiteY2" fmla="*/ 2747962 h 4564856"/>
-                <a:gd name="connsiteX3" fmla="*/ 105 w 4465407"/>
-                <a:gd name="connsiteY3" fmla="*/ 4564856 h 4564856"/>
-                <a:gd name="connsiteX4" fmla="*/ 2486 w 4465407"/>
-                <a:gd name="connsiteY4" fmla="*/ 3543300 h 4564856"/>
-                <a:gd name="connsiteX5" fmla="*/ 3278293 w 4465407"/>
-                <a:gd name="connsiteY5" fmla="*/ 2286000 h 4564856"/>
-                <a:gd name="connsiteX6" fmla="*/ 2486 w 4465407"/>
-                <a:gd name="connsiteY6" fmla="*/ 1016000 h 4564856"/>
-                <a:gd name="connsiteX7" fmla="*/ 2486 w 4465407"/>
-                <a:gd name="connsiteY7" fmla="*/ 0 h 4564856"/>
-                <a:gd name="connsiteX0" fmla="*/ 2610 w 4465531"/>
-                <a:gd name="connsiteY0" fmla="*/ 0 h 4564856"/>
-                <a:gd name="connsiteX1" fmla="*/ 4465072 w 4465531"/>
-                <a:gd name="connsiteY1" fmla="*/ 1819275 h 4564856"/>
-                <a:gd name="connsiteX2" fmla="*/ 4465073 w 4465531"/>
-                <a:gd name="connsiteY2" fmla="*/ 2747962 h 4564856"/>
-                <a:gd name="connsiteX3" fmla="*/ 229 w 4465531"/>
-                <a:gd name="connsiteY3" fmla="*/ 4564856 h 4564856"/>
-                <a:gd name="connsiteX4" fmla="*/ 228 w 4465531"/>
-                <a:gd name="connsiteY4" fmla="*/ 3545681 h 4564856"/>
-                <a:gd name="connsiteX5" fmla="*/ 3278417 w 4465531"/>
-                <a:gd name="connsiteY5" fmla="*/ 2286000 h 4564856"/>
-                <a:gd name="connsiteX6" fmla="*/ 2610 w 4465531"/>
-                <a:gd name="connsiteY6" fmla="*/ 1016000 h 4564856"/>
-                <a:gd name="connsiteX7" fmla="*/ 2610 w 4465531"/>
-                <a:gd name="connsiteY7" fmla="*/ 0 h 4564856"/>
-                <a:gd name="connsiteX0" fmla="*/ 2610 w 4465531"/>
-                <a:gd name="connsiteY0" fmla="*/ 0 h 4564856"/>
-                <a:gd name="connsiteX1" fmla="*/ 4465072 w 4465531"/>
-                <a:gd name="connsiteY1" fmla="*/ 1819275 h 4564856"/>
-                <a:gd name="connsiteX2" fmla="*/ 4465073 w 4465531"/>
-                <a:gd name="connsiteY2" fmla="*/ 2750343 h 4564856"/>
-                <a:gd name="connsiteX3" fmla="*/ 229 w 4465531"/>
-                <a:gd name="connsiteY3" fmla="*/ 4564856 h 4564856"/>
-                <a:gd name="connsiteX4" fmla="*/ 228 w 4465531"/>
-                <a:gd name="connsiteY4" fmla="*/ 3545681 h 4564856"/>
-                <a:gd name="connsiteX5" fmla="*/ 3278417 w 4465531"/>
-                <a:gd name="connsiteY5" fmla="*/ 2286000 h 4564856"/>
-                <a:gd name="connsiteX6" fmla="*/ 2610 w 4465531"/>
-                <a:gd name="connsiteY6" fmla="*/ 1016000 h 4564856"/>
-                <a:gd name="connsiteX7" fmla="*/ 2610 w 4465531"/>
-                <a:gd name="connsiteY7" fmla="*/ 0 h 4564856"/>
-                <a:gd name="connsiteX0" fmla="*/ 2610 w 4465531"/>
-                <a:gd name="connsiteY0" fmla="*/ 0 h 4564856"/>
-                <a:gd name="connsiteX1" fmla="*/ 4465072 w 4465531"/>
-                <a:gd name="connsiteY1" fmla="*/ 1819275 h 4564856"/>
-                <a:gd name="connsiteX2" fmla="*/ 4465073 w 4465531"/>
-                <a:gd name="connsiteY2" fmla="*/ 2755106 h 4564856"/>
-                <a:gd name="connsiteX3" fmla="*/ 229 w 4465531"/>
-                <a:gd name="connsiteY3" fmla="*/ 4564856 h 4564856"/>
-                <a:gd name="connsiteX4" fmla="*/ 228 w 4465531"/>
-                <a:gd name="connsiteY4" fmla="*/ 3545681 h 4564856"/>
-                <a:gd name="connsiteX5" fmla="*/ 3278417 w 4465531"/>
-                <a:gd name="connsiteY5" fmla="*/ 2286000 h 4564856"/>
-                <a:gd name="connsiteX6" fmla="*/ 2610 w 4465531"/>
-                <a:gd name="connsiteY6" fmla="*/ 1016000 h 4564856"/>
-                <a:gd name="connsiteX7" fmla="*/ 2610 w 4465531"/>
-                <a:gd name="connsiteY7" fmla="*/ 0 h 4564856"/>
-                <a:gd name="connsiteX0" fmla="*/ 2610 w 4467453"/>
-                <a:gd name="connsiteY0" fmla="*/ 0 h 4564856"/>
-                <a:gd name="connsiteX1" fmla="*/ 4467453 w 4467453"/>
-                <a:gd name="connsiteY1" fmla="*/ 1816894 h 4564856"/>
-                <a:gd name="connsiteX2" fmla="*/ 4465073 w 4467453"/>
-                <a:gd name="connsiteY2" fmla="*/ 2755106 h 4564856"/>
-                <a:gd name="connsiteX3" fmla="*/ 229 w 4467453"/>
-                <a:gd name="connsiteY3" fmla="*/ 4564856 h 4564856"/>
-                <a:gd name="connsiteX4" fmla="*/ 228 w 4467453"/>
-                <a:gd name="connsiteY4" fmla="*/ 3545681 h 4564856"/>
-                <a:gd name="connsiteX5" fmla="*/ 3278417 w 4467453"/>
-                <a:gd name="connsiteY5" fmla="*/ 2286000 h 4564856"/>
-                <a:gd name="connsiteX6" fmla="*/ 2610 w 4467453"/>
-                <a:gd name="connsiteY6" fmla="*/ 1016000 h 4564856"/>
-                <a:gd name="connsiteX7" fmla="*/ 2610 w 4467453"/>
-                <a:gd name="connsiteY7" fmla="*/ 0 h 4564856"/>
-                <a:gd name="connsiteX0" fmla="*/ 2610 w 4467453"/>
-                <a:gd name="connsiteY0" fmla="*/ 0 h 4564856"/>
-                <a:gd name="connsiteX1" fmla="*/ 4467453 w 4467453"/>
-                <a:gd name="connsiteY1" fmla="*/ 1816894 h 4564856"/>
-                <a:gd name="connsiteX2" fmla="*/ 4465073 w 4467453"/>
-                <a:gd name="connsiteY2" fmla="*/ 2755106 h 4564856"/>
-                <a:gd name="connsiteX3" fmla="*/ 229 w 4467453"/>
-                <a:gd name="connsiteY3" fmla="*/ 4564856 h 4564856"/>
-                <a:gd name="connsiteX4" fmla="*/ 228 w 4467453"/>
-                <a:gd name="connsiteY4" fmla="*/ 3545681 h 4564856"/>
-                <a:gd name="connsiteX5" fmla="*/ 3278417 w 4467453"/>
-                <a:gd name="connsiteY5" fmla="*/ 2286000 h 4564856"/>
-                <a:gd name="connsiteX6" fmla="*/ 2610 w 4467453"/>
-                <a:gd name="connsiteY6" fmla="*/ 1020763 h 4564856"/>
-                <a:gd name="connsiteX7" fmla="*/ 2610 w 4467453"/>
-                <a:gd name="connsiteY7" fmla="*/ 0 h 4564856"/>
-                <a:gd name="connsiteX0" fmla="*/ 2610 w 4467453"/>
-                <a:gd name="connsiteY0" fmla="*/ 0 h 4564856"/>
-                <a:gd name="connsiteX1" fmla="*/ 4467453 w 4467453"/>
-                <a:gd name="connsiteY1" fmla="*/ 1816894 h 4564856"/>
-                <a:gd name="connsiteX2" fmla="*/ 4465073 w 4467453"/>
-                <a:gd name="connsiteY2" fmla="*/ 2755106 h 4564856"/>
-                <a:gd name="connsiteX3" fmla="*/ 229 w 4467453"/>
-                <a:gd name="connsiteY3" fmla="*/ 4564856 h 4564856"/>
-                <a:gd name="connsiteX4" fmla="*/ 228 w 4467453"/>
-                <a:gd name="connsiteY4" fmla="*/ 3545681 h 4564856"/>
-                <a:gd name="connsiteX5" fmla="*/ 3271273 w 4467453"/>
-                <a:gd name="connsiteY5" fmla="*/ 2288382 h 4564856"/>
-                <a:gd name="connsiteX6" fmla="*/ 2610 w 4467453"/>
-                <a:gd name="connsiteY6" fmla="*/ 1020763 h 4564856"/>
-                <a:gd name="connsiteX7" fmla="*/ 2610 w 4467453"/>
-                <a:gd name="connsiteY7" fmla="*/ 0 h 4564856"/>
-                <a:gd name="connsiteX0" fmla="*/ 2610 w 4467453"/>
-                <a:gd name="connsiteY0" fmla="*/ 0 h 4564856"/>
-                <a:gd name="connsiteX1" fmla="*/ 4467453 w 4467453"/>
-                <a:gd name="connsiteY1" fmla="*/ 1816894 h 4564856"/>
-                <a:gd name="connsiteX2" fmla="*/ 4465073 w 4467453"/>
-                <a:gd name="connsiteY2" fmla="*/ 2755106 h 4564856"/>
-                <a:gd name="connsiteX3" fmla="*/ 229 w 4467453"/>
-                <a:gd name="connsiteY3" fmla="*/ 4564856 h 4564856"/>
-                <a:gd name="connsiteX4" fmla="*/ 228 w 4467453"/>
-                <a:gd name="connsiteY4" fmla="*/ 3545681 h 4564856"/>
-                <a:gd name="connsiteX5" fmla="*/ 3271273 w 4467453"/>
-                <a:gd name="connsiteY5" fmla="*/ 2288382 h 4564856"/>
-                <a:gd name="connsiteX6" fmla="*/ 2610 w 4467453"/>
-                <a:gd name="connsiteY6" fmla="*/ 1020763 h 4564856"/>
-                <a:gd name="connsiteX7" fmla="*/ 2610 w 4467453"/>
-                <a:gd name="connsiteY7" fmla="*/ 0 h 4564856"/>
-                <a:gd name="connsiteX0" fmla="*/ 2610 w 4465530"/>
-                <a:gd name="connsiteY0" fmla="*/ 0 h 4564856"/>
-                <a:gd name="connsiteX1" fmla="*/ 4465071 w 4465530"/>
-                <a:gd name="connsiteY1" fmla="*/ 1819275 h 4564856"/>
-                <a:gd name="connsiteX2" fmla="*/ 4465073 w 4465530"/>
-                <a:gd name="connsiteY2" fmla="*/ 2755106 h 4564856"/>
-                <a:gd name="connsiteX3" fmla="*/ 229 w 4465530"/>
-                <a:gd name="connsiteY3" fmla="*/ 4564856 h 4564856"/>
-                <a:gd name="connsiteX4" fmla="*/ 228 w 4465530"/>
-                <a:gd name="connsiteY4" fmla="*/ 3545681 h 4564856"/>
-                <a:gd name="connsiteX5" fmla="*/ 3271273 w 4465530"/>
-                <a:gd name="connsiteY5" fmla="*/ 2288382 h 4564856"/>
-                <a:gd name="connsiteX6" fmla="*/ 2610 w 4465530"/>
-                <a:gd name="connsiteY6" fmla="*/ 1020763 h 4564856"/>
-                <a:gd name="connsiteX7" fmla="*/ 2610 w 4465530"/>
-                <a:gd name="connsiteY7" fmla="*/ 0 h 4564856"/>
-                <a:gd name="connsiteX0" fmla="*/ 2610 w 4465530"/>
-                <a:gd name="connsiteY0" fmla="*/ 0 h 4564856"/>
-                <a:gd name="connsiteX1" fmla="*/ 4465071 w 4465530"/>
-                <a:gd name="connsiteY1" fmla="*/ 1812131 h 4564856"/>
-                <a:gd name="connsiteX2" fmla="*/ 4465073 w 4465530"/>
-                <a:gd name="connsiteY2" fmla="*/ 2755106 h 4564856"/>
-                <a:gd name="connsiteX3" fmla="*/ 229 w 4465530"/>
-                <a:gd name="connsiteY3" fmla="*/ 4564856 h 4564856"/>
-                <a:gd name="connsiteX4" fmla="*/ 228 w 4465530"/>
-                <a:gd name="connsiteY4" fmla="*/ 3545681 h 4564856"/>
-                <a:gd name="connsiteX5" fmla="*/ 3271273 w 4465530"/>
-                <a:gd name="connsiteY5" fmla="*/ 2288382 h 4564856"/>
-                <a:gd name="connsiteX6" fmla="*/ 2610 w 4465530"/>
-                <a:gd name="connsiteY6" fmla="*/ 1020763 h 4564856"/>
-                <a:gd name="connsiteX7" fmla="*/ 2610 w 4465530"/>
-                <a:gd name="connsiteY7" fmla="*/ 0 h 4564856"/>
-                <a:gd name="connsiteX0" fmla="*/ 2610 w 4465530"/>
-                <a:gd name="connsiteY0" fmla="*/ 0 h 4564856"/>
-                <a:gd name="connsiteX1" fmla="*/ 4465071 w 4465530"/>
-                <a:gd name="connsiteY1" fmla="*/ 1812131 h 4564856"/>
-                <a:gd name="connsiteX2" fmla="*/ 4465073 w 4465530"/>
-                <a:gd name="connsiteY2" fmla="*/ 2755106 h 4564856"/>
-                <a:gd name="connsiteX3" fmla="*/ 229 w 4465530"/>
-                <a:gd name="connsiteY3" fmla="*/ 4564856 h 4564856"/>
-                <a:gd name="connsiteX4" fmla="*/ 228 w 4465530"/>
-                <a:gd name="connsiteY4" fmla="*/ 3545681 h 4564856"/>
-                <a:gd name="connsiteX5" fmla="*/ 3271273 w 4465530"/>
-                <a:gd name="connsiteY5" fmla="*/ 2288382 h 4564856"/>
-                <a:gd name="connsiteX6" fmla="*/ 2610 w 4465530"/>
-                <a:gd name="connsiteY6" fmla="*/ 1023145 h 4564856"/>
-                <a:gd name="connsiteX7" fmla="*/ 2610 w 4465530"/>
-                <a:gd name="connsiteY7" fmla="*/ 0 h 4564856"/>
-                <a:gd name="connsiteX0" fmla="*/ 2610 w 4465530"/>
-                <a:gd name="connsiteY0" fmla="*/ 0 h 4564856"/>
-                <a:gd name="connsiteX1" fmla="*/ 4465071 w 4465530"/>
-                <a:gd name="connsiteY1" fmla="*/ 1812131 h 4564856"/>
-                <a:gd name="connsiteX2" fmla="*/ 4465073 w 4465530"/>
-                <a:gd name="connsiteY2" fmla="*/ 2755106 h 4564856"/>
-                <a:gd name="connsiteX3" fmla="*/ 229 w 4465530"/>
-                <a:gd name="connsiteY3" fmla="*/ 4564856 h 4564856"/>
-                <a:gd name="connsiteX4" fmla="*/ 228 w 4465530"/>
-                <a:gd name="connsiteY4" fmla="*/ 3545681 h 4564856"/>
-                <a:gd name="connsiteX5" fmla="*/ 3264129 w 4465530"/>
-                <a:gd name="connsiteY5" fmla="*/ 2288382 h 4564856"/>
-                <a:gd name="connsiteX6" fmla="*/ 2610 w 4465530"/>
-                <a:gd name="connsiteY6" fmla="*/ 1023145 h 4564856"/>
-                <a:gd name="connsiteX7" fmla="*/ 2610 w 4465530"/>
-                <a:gd name="connsiteY7" fmla="*/ 0 h 4564856"/>
-                <a:gd name="connsiteX0" fmla="*/ 0 w 4467986"/>
-                <a:gd name="connsiteY0" fmla="*/ 0 h 4564856"/>
-                <a:gd name="connsiteX1" fmla="*/ 4467527 w 4467986"/>
-                <a:gd name="connsiteY1" fmla="*/ 1812131 h 4564856"/>
-                <a:gd name="connsiteX2" fmla="*/ 4467529 w 4467986"/>
-                <a:gd name="connsiteY2" fmla="*/ 2755106 h 4564856"/>
-                <a:gd name="connsiteX3" fmla="*/ 2685 w 4467986"/>
-                <a:gd name="connsiteY3" fmla="*/ 4564856 h 4564856"/>
-                <a:gd name="connsiteX4" fmla="*/ 2684 w 4467986"/>
-                <a:gd name="connsiteY4" fmla="*/ 3545681 h 4564856"/>
-                <a:gd name="connsiteX5" fmla="*/ 3266585 w 4467986"/>
-                <a:gd name="connsiteY5" fmla="*/ 2288382 h 4564856"/>
-                <a:gd name="connsiteX6" fmla="*/ 5066 w 4467986"/>
-                <a:gd name="connsiteY6" fmla="*/ 1023145 h 4564856"/>
-                <a:gd name="connsiteX7" fmla="*/ 0 w 4467986"/>
-                <a:gd name="connsiteY7" fmla="*/ 0 h 4564856"/>
-                <a:gd name="connsiteX0" fmla="*/ 0 w 4467986"/>
-                <a:gd name="connsiteY0" fmla="*/ 0 h 4564856"/>
-                <a:gd name="connsiteX1" fmla="*/ 4467527 w 4467986"/>
-                <a:gd name="connsiteY1" fmla="*/ 1812131 h 4564856"/>
-                <a:gd name="connsiteX2" fmla="*/ 4467529 w 4467986"/>
-                <a:gd name="connsiteY2" fmla="*/ 2755106 h 4564856"/>
-                <a:gd name="connsiteX3" fmla="*/ 2685 w 4467986"/>
-                <a:gd name="connsiteY3" fmla="*/ 4564856 h 4564856"/>
-                <a:gd name="connsiteX4" fmla="*/ 2684 w 4467986"/>
-                <a:gd name="connsiteY4" fmla="*/ 3545681 h 4564856"/>
-                <a:gd name="connsiteX5" fmla="*/ 3266585 w 4467986"/>
-                <a:gd name="connsiteY5" fmla="*/ 2288382 h 4564856"/>
-                <a:gd name="connsiteX6" fmla="*/ 2533 w 4467986"/>
-                <a:gd name="connsiteY6" fmla="*/ 1018079 h 4564856"/>
-                <a:gd name="connsiteX7" fmla="*/ 0 w 4467986"/>
-                <a:gd name="connsiteY7" fmla="*/ 0 h 4564856"/>
-                <a:gd name="connsiteX0" fmla="*/ 0 w 4467986"/>
-                <a:gd name="connsiteY0" fmla="*/ 0 h 4564856"/>
-                <a:gd name="connsiteX1" fmla="*/ 4467527 w 4467986"/>
-                <a:gd name="connsiteY1" fmla="*/ 1812131 h 4564856"/>
-                <a:gd name="connsiteX2" fmla="*/ 4467529 w 4467986"/>
-                <a:gd name="connsiteY2" fmla="*/ 2755106 h 4564856"/>
-                <a:gd name="connsiteX3" fmla="*/ 2685 w 4467986"/>
-                <a:gd name="connsiteY3" fmla="*/ 4564856 h 4564856"/>
-                <a:gd name="connsiteX4" fmla="*/ 2684 w 4467986"/>
-                <a:gd name="connsiteY4" fmla="*/ 3545681 h 4564856"/>
-                <a:gd name="connsiteX5" fmla="*/ 3266585 w 4467986"/>
-                <a:gd name="connsiteY5" fmla="*/ 2288382 h 4564856"/>
-                <a:gd name="connsiteX6" fmla="*/ 2533 w 4467986"/>
-                <a:gd name="connsiteY6" fmla="*/ 1023145 h 4564856"/>
-                <a:gd name="connsiteX7" fmla="*/ 0 w 4467986"/>
-                <a:gd name="connsiteY7" fmla="*/ 0 h 4564856"/>
-                <a:gd name="connsiteX0" fmla="*/ 0 w 4467986"/>
-                <a:gd name="connsiteY0" fmla="*/ 0 h 4567262"/>
-                <a:gd name="connsiteX1" fmla="*/ 4467527 w 4467986"/>
-                <a:gd name="connsiteY1" fmla="*/ 1814537 h 4567262"/>
-                <a:gd name="connsiteX2" fmla="*/ 4467529 w 4467986"/>
-                <a:gd name="connsiteY2" fmla="*/ 2757512 h 4567262"/>
-                <a:gd name="connsiteX3" fmla="*/ 2685 w 4467986"/>
-                <a:gd name="connsiteY3" fmla="*/ 4567262 h 4567262"/>
-                <a:gd name="connsiteX4" fmla="*/ 2684 w 4467986"/>
-                <a:gd name="connsiteY4" fmla="*/ 3548087 h 4567262"/>
-                <a:gd name="connsiteX5" fmla="*/ 3266585 w 4467986"/>
-                <a:gd name="connsiteY5" fmla="*/ 2290788 h 4567262"/>
-                <a:gd name="connsiteX6" fmla="*/ 2533 w 4467986"/>
-                <a:gd name="connsiteY6" fmla="*/ 1025551 h 4567262"/>
-                <a:gd name="connsiteX7" fmla="*/ 0 w 4467986"/>
-                <a:gd name="connsiteY7" fmla="*/ 0 h 4567262"/>
-                <a:gd name="connsiteX0" fmla="*/ 377 w 4465956"/>
-                <a:gd name="connsiteY0" fmla="*/ 0 h 4569668"/>
-                <a:gd name="connsiteX1" fmla="*/ 4465497 w 4465956"/>
-                <a:gd name="connsiteY1" fmla="*/ 1816943 h 4569668"/>
-                <a:gd name="connsiteX2" fmla="*/ 4465499 w 4465956"/>
-                <a:gd name="connsiteY2" fmla="*/ 2759918 h 4569668"/>
-                <a:gd name="connsiteX3" fmla="*/ 655 w 4465956"/>
-                <a:gd name="connsiteY3" fmla="*/ 4569668 h 4569668"/>
-                <a:gd name="connsiteX4" fmla="*/ 654 w 4465956"/>
-                <a:gd name="connsiteY4" fmla="*/ 3550493 h 4569668"/>
-                <a:gd name="connsiteX5" fmla="*/ 3264555 w 4465956"/>
-                <a:gd name="connsiteY5" fmla="*/ 2293194 h 4569668"/>
-                <a:gd name="connsiteX6" fmla="*/ 503 w 4465956"/>
-                <a:gd name="connsiteY6" fmla="*/ 1027957 h 4569668"/>
-                <a:gd name="connsiteX7" fmla="*/ 377 w 4465956"/>
-                <a:gd name="connsiteY7" fmla="*/ 0 h 4569668"/>
-                <a:gd name="connsiteX0" fmla="*/ 377 w 4465956"/>
-                <a:gd name="connsiteY0" fmla="*/ 0 h 4569668"/>
-                <a:gd name="connsiteX1" fmla="*/ 4465497 w 4465956"/>
-                <a:gd name="connsiteY1" fmla="*/ 1816943 h 4569668"/>
-                <a:gd name="connsiteX2" fmla="*/ 4465499 w 4465956"/>
-                <a:gd name="connsiteY2" fmla="*/ 2759918 h 4569668"/>
-                <a:gd name="connsiteX3" fmla="*/ 655 w 4465956"/>
-                <a:gd name="connsiteY3" fmla="*/ 4569668 h 4569668"/>
-                <a:gd name="connsiteX4" fmla="*/ 654 w 4465956"/>
-                <a:gd name="connsiteY4" fmla="*/ 3548111 h 4569668"/>
-                <a:gd name="connsiteX5" fmla="*/ 3264555 w 4465956"/>
-                <a:gd name="connsiteY5" fmla="*/ 2293194 h 4569668"/>
-                <a:gd name="connsiteX6" fmla="*/ 503 w 4465956"/>
-                <a:gd name="connsiteY6" fmla="*/ 1027957 h 4569668"/>
-                <a:gd name="connsiteX7" fmla="*/ 377 w 4465956"/>
-                <a:gd name="connsiteY7" fmla="*/ 0 h 4569668"/>
-                <a:gd name="connsiteX0" fmla="*/ 377 w 4465956"/>
-                <a:gd name="connsiteY0" fmla="*/ 0 h 4569668"/>
-                <a:gd name="connsiteX1" fmla="*/ 4465497 w 4465956"/>
-                <a:gd name="connsiteY1" fmla="*/ 1816943 h 4569668"/>
-                <a:gd name="connsiteX2" fmla="*/ 4465499 w 4465956"/>
-                <a:gd name="connsiteY2" fmla="*/ 2759918 h 4569668"/>
-                <a:gd name="connsiteX3" fmla="*/ 655 w 4465956"/>
-                <a:gd name="connsiteY3" fmla="*/ 4569668 h 4569668"/>
-                <a:gd name="connsiteX4" fmla="*/ 654 w 4465956"/>
-                <a:gd name="connsiteY4" fmla="*/ 3548111 h 4569668"/>
-                <a:gd name="connsiteX5" fmla="*/ 3257411 w 4465956"/>
-                <a:gd name="connsiteY5" fmla="*/ 2293194 h 4569668"/>
-                <a:gd name="connsiteX6" fmla="*/ 503 w 4465956"/>
-                <a:gd name="connsiteY6" fmla="*/ 1027957 h 4569668"/>
-                <a:gd name="connsiteX7" fmla="*/ 377 w 4465956"/>
-                <a:gd name="connsiteY7" fmla="*/ 0 h 4569668"/>
-              </a:gdLst>
-              <a:ahLst/>
-              <a:cxnLst>
-                <a:cxn ang="0">
-                  <a:pos x="connsiteX0" y="connsiteY0"/>
-                </a:cxn>
-                <a:cxn ang="0">
-                  <a:pos x="connsiteX1" y="connsiteY1"/>
-                </a:cxn>
-                <a:cxn ang="0">
-                  <a:pos x="connsiteX2" y="connsiteY2"/>
-                </a:cxn>
-                <a:cxn ang="0">
-                  <a:pos x="connsiteX3" y="connsiteY3"/>
-                </a:cxn>
-                <a:cxn ang="0">
-                  <a:pos x="connsiteX4" y="connsiteY4"/>
-                </a:cxn>
-                <a:cxn ang="0">
-                  <a:pos x="connsiteX5" y="connsiteY5"/>
-                </a:cxn>
-                <a:cxn ang="0">
-                  <a:pos x="connsiteX6" y="connsiteY6"/>
-                </a:cxn>
-                <a:cxn ang="0">
-                  <a:pos x="connsiteX7" y="connsiteY7"/>
-                </a:cxn>
-              </a:cxnLst>
-              <a:rect l="l" t="t" r="r" b="b"/>
-              <a:pathLst>
-                <a:path w="4465956" h="4569668">
-                  <a:moveTo>
-                    <a:pt x="377" y="0"/>
-                  </a:moveTo>
-                  <a:lnTo>
-                    <a:pt x="4465497" y="1816943"/>
-                  </a:lnTo>
-                  <a:cubicBezTo>
-                    <a:pt x="4463910" y="2124918"/>
-                    <a:pt x="4467086" y="2451943"/>
-                    <a:pt x="4465499" y="2759918"/>
-                  </a:cubicBezTo>
-                  <a:lnTo>
-                    <a:pt x="655" y="4569668"/>
-                  </a:lnTo>
-                  <a:cubicBezTo>
-                    <a:pt x="-139" y="4230737"/>
-                    <a:pt x="1448" y="3887042"/>
-                    <a:pt x="654" y="3548111"/>
-                  </a:cubicBezTo>
-                  <a:lnTo>
-                    <a:pt x="3257411" y="2293194"/>
-                  </a:lnTo>
-                  <a:lnTo>
-                    <a:pt x="503" y="1027957"/>
-                  </a:lnTo>
-                  <a:cubicBezTo>
-                    <a:pt x="-1186" y="686909"/>
-                    <a:pt x="2066" y="341048"/>
-                    <a:pt x="377" y="0"/>
-                  </a:cubicBezTo>
-                  <a:close/>
-                </a:path>
-              </a:pathLst>
-            </a:custGeom>
-            <a:solidFill>
-              <a:srgbClr val="FF0000"/>
-            </a:solidFill>
-            <a:ln>
-              <a:noFill/>
-            </a:ln>
-          </p:spPr>
-          <p:style>
-            <a:lnRef idx="2">
-              <a:schemeClr val="accent1">
-                <a:shade val="50000"/>
-              </a:schemeClr>
-            </a:lnRef>
-            <a:fillRef idx="1">
-              <a:schemeClr val="accent1"/>
-            </a:fillRef>
-            <a:effectRef idx="0">
-              <a:schemeClr val="accent1"/>
-            </a:effectRef>
-            <a:fontRef idx="minor">
-              <a:schemeClr val="lt1"/>
-            </a:fontRef>
-          </p:style>
-          <p:txBody>
-            <a:bodyPr rtlCol="0" anchor="ctr"/>
-            <a:lstStyle/>
-            <a:p>
-              <a:pPr algn="ctr"/>
-              <a:endParaRPr lang="en-CA"/>
-            </a:p>
-          </p:txBody>
-        </p:sp>
-        <p:pic>
-          <p:nvPicPr>
-            <p:cNvPr id="15" name="Picture 14"/>
-            <p:cNvPicPr>
-              <a:picLocks noChangeAspect="1"/>
-            </p:cNvPicPr>
-            <p:nvPr/>
-          </p:nvPicPr>
-          <p:blipFill>
-            <a:blip r:embed="rId3" cstate="print">
-              <a:extLst>
-                <a:ext uri="{28A0092B-C50C-407E-A947-70E740481C1C}">
-                  <a14:useLocalDpi xmlns:a14="http://schemas.microsoft.com/office/drawing/2010/main" val="0"/>
-                </a:ext>
-              </a:extLst>
-            </a:blip>
-            <a:stretch>
-              <a:fillRect/>
-            </a:stretch>
-          </p:blipFill>
-          <p:spPr>
-            <a:xfrm>
-              <a:off x="5701703" y="1523009"/>
-              <a:ext cx="3074395" cy="252000"/>
-            </a:xfrm>
-            <a:prstGeom prst="rect">
-              <a:avLst/>
-            </a:prstGeom>
-          </p:spPr>
-        </p:pic>
-      </p:grpSp>
-      <p:grpSp>
-        <p:nvGrpSpPr>
-          <p:cNvPr id="16" name="Group 15"/>
-          <p:cNvGrpSpPr/>
-          <p:nvPr userDrawn="1"/>
-        </p:nvGrpSpPr>
-        <p:grpSpPr>
-          <a:xfrm>
-            <a:off x="460377" y="293779"/>
-            <a:ext cx="2183719" cy="635721"/>
-            <a:chOff x="448031" y="5788818"/>
-            <a:chExt cx="2183719" cy="635721"/>
-          </a:xfrm>
-        </p:grpSpPr>
-        <p:pic>
-          <p:nvPicPr>
-            <p:cNvPr id="17" name="Picture 16"/>
-            <p:cNvPicPr>
-              <a:picLocks noChangeAspect="1"/>
-            </p:cNvPicPr>
-            <p:nvPr/>
-          </p:nvPicPr>
-          <p:blipFill>
-            <a:blip r:embed="rId4" cstate="print">
-              <a:extLst>
-                <a:ext uri="{28A0092B-C50C-407E-A947-70E740481C1C}">
-                  <a14:useLocalDpi xmlns:a14="http://schemas.microsoft.com/office/drawing/2010/main" val="0"/>
-                </a:ext>
-              </a:extLst>
-            </a:blip>
-            <a:stretch>
-              <a:fillRect/>
-            </a:stretch>
-          </p:blipFill>
-          <p:spPr>
-            <a:xfrm>
-              <a:off x="448031" y="6039743"/>
-              <a:ext cx="2183719" cy="384796"/>
-            </a:xfrm>
-            <a:prstGeom prst="rect">
-              <a:avLst/>
-            </a:prstGeom>
-          </p:spPr>
-        </p:pic>
-        <p:sp>
-          <p:nvSpPr>
-            <p:cNvPr id="18" name="Freeform 17"/>
-            <p:cNvSpPr/>
-            <p:nvPr/>
-          </p:nvSpPr>
-          <p:spPr>
-            <a:xfrm>
-              <a:off x="1730496" y="5788818"/>
-              <a:ext cx="210221" cy="215102"/>
-            </a:xfrm>
-            <a:custGeom>
-              <a:avLst/>
-              <a:gdLst>
-                <a:gd name="connsiteX0" fmla="*/ 0 w 4457700"/>
-                <a:gd name="connsiteY0" fmla="*/ 0 h 4552950"/>
-                <a:gd name="connsiteX1" fmla="*/ 4457700 w 4457700"/>
-                <a:gd name="connsiteY1" fmla="*/ 1828800 h 4552950"/>
-                <a:gd name="connsiteX2" fmla="*/ 4457700 w 4457700"/>
-                <a:gd name="connsiteY2" fmla="*/ 2743200 h 4552950"/>
-                <a:gd name="connsiteX3" fmla="*/ 0 w 4457700"/>
-                <a:gd name="connsiteY3" fmla="*/ 4552950 h 4552950"/>
-                <a:gd name="connsiteX4" fmla="*/ 0 w 4457700"/>
-                <a:gd name="connsiteY4" fmla="*/ 3543300 h 4552950"/>
-                <a:gd name="connsiteX5" fmla="*/ 3282950 w 4457700"/>
-                <a:gd name="connsiteY5" fmla="*/ 2286000 h 4552950"/>
-                <a:gd name="connsiteX6" fmla="*/ 0 w 4457700"/>
-                <a:gd name="connsiteY6" fmla="*/ 1016000 h 4552950"/>
-                <a:gd name="connsiteX7" fmla="*/ 0 w 4457700"/>
-                <a:gd name="connsiteY7" fmla="*/ 0 h 4552950"/>
-                <a:gd name="connsiteX0" fmla="*/ 0 w 4457700"/>
-                <a:gd name="connsiteY0" fmla="*/ 0 h 4552950"/>
-                <a:gd name="connsiteX1" fmla="*/ 4457700 w 4457700"/>
-                <a:gd name="connsiteY1" fmla="*/ 1824037 h 4552950"/>
-                <a:gd name="connsiteX2" fmla="*/ 4457700 w 4457700"/>
-                <a:gd name="connsiteY2" fmla="*/ 2743200 h 4552950"/>
-                <a:gd name="connsiteX3" fmla="*/ 0 w 4457700"/>
-                <a:gd name="connsiteY3" fmla="*/ 4552950 h 4552950"/>
-                <a:gd name="connsiteX4" fmla="*/ 0 w 4457700"/>
-                <a:gd name="connsiteY4" fmla="*/ 3543300 h 4552950"/>
-                <a:gd name="connsiteX5" fmla="*/ 3282950 w 4457700"/>
-                <a:gd name="connsiteY5" fmla="*/ 2286000 h 4552950"/>
-                <a:gd name="connsiteX6" fmla="*/ 0 w 4457700"/>
-                <a:gd name="connsiteY6" fmla="*/ 1016000 h 4552950"/>
-                <a:gd name="connsiteX7" fmla="*/ 0 w 4457700"/>
-                <a:gd name="connsiteY7" fmla="*/ 0 h 4552950"/>
-                <a:gd name="connsiteX0" fmla="*/ 0 w 4457700"/>
-                <a:gd name="connsiteY0" fmla="*/ 0 h 4552950"/>
-                <a:gd name="connsiteX1" fmla="*/ 4457700 w 4457700"/>
-                <a:gd name="connsiteY1" fmla="*/ 1816893 h 4552950"/>
-                <a:gd name="connsiteX2" fmla="*/ 4457700 w 4457700"/>
-                <a:gd name="connsiteY2" fmla="*/ 2743200 h 4552950"/>
-                <a:gd name="connsiteX3" fmla="*/ 0 w 4457700"/>
-                <a:gd name="connsiteY3" fmla="*/ 4552950 h 4552950"/>
-                <a:gd name="connsiteX4" fmla="*/ 0 w 4457700"/>
-                <a:gd name="connsiteY4" fmla="*/ 3543300 h 4552950"/>
-                <a:gd name="connsiteX5" fmla="*/ 3282950 w 4457700"/>
-                <a:gd name="connsiteY5" fmla="*/ 2286000 h 4552950"/>
-                <a:gd name="connsiteX6" fmla="*/ 0 w 4457700"/>
-                <a:gd name="connsiteY6" fmla="*/ 1016000 h 4552950"/>
-                <a:gd name="connsiteX7" fmla="*/ 0 w 4457700"/>
-                <a:gd name="connsiteY7" fmla="*/ 0 h 4552950"/>
-                <a:gd name="connsiteX0" fmla="*/ 0 w 4462462"/>
-                <a:gd name="connsiteY0" fmla="*/ 0 h 4552950"/>
-                <a:gd name="connsiteX1" fmla="*/ 4462462 w 4462462"/>
-                <a:gd name="connsiteY1" fmla="*/ 1819275 h 4552950"/>
-                <a:gd name="connsiteX2" fmla="*/ 4457700 w 4462462"/>
-                <a:gd name="connsiteY2" fmla="*/ 2743200 h 4552950"/>
-                <a:gd name="connsiteX3" fmla="*/ 0 w 4462462"/>
-                <a:gd name="connsiteY3" fmla="*/ 4552950 h 4552950"/>
-                <a:gd name="connsiteX4" fmla="*/ 0 w 4462462"/>
-                <a:gd name="connsiteY4" fmla="*/ 3543300 h 4552950"/>
-                <a:gd name="connsiteX5" fmla="*/ 3282950 w 4462462"/>
-                <a:gd name="connsiteY5" fmla="*/ 2286000 h 4552950"/>
-                <a:gd name="connsiteX6" fmla="*/ 0 w 4462462"/>
-                <a:gd name="connsiteY6" fmla="*/ 1016000 h 4552950"/>
-                <a:gd name="connsiteX7" fmla="*/ 0 w 4462462"/>
-                <a:gd name="connsiteY7" fmla="*/ 0 h 4552950"/>
-                <a:gd name="connsiteX0" fmla="*/ 0 w 4462921"/>
-                <a:gd name="connsiteY0" fmla="*/ 0 h 4552950"/>
-                <a:gd name="connsiteX1" fmla="*/ 4462462 w 4462921"/>
-                <a:gd name="connsiteY1" fmla="*/ 1819275 h 4552950"/>
-                <a:gd name="connsiteX2" fmla="*/ 4462463 w 4462921"/>
-                <a:gd name="connsiteY2" fmla="*/ 2747962 h 4552950"/>
-                <a:gd name="connsiteX3" fmla="*/ 0 w 4462921"/>
-                <a:gd name="connsiteY3" fmla="*/ 4552950 h 4552950"/>
-                <a:gd name="connsiteX4" fmla="*/ 0 w 4462921"/>
-                <a:gd name="connsiteY4" fmla="*/ 3543300 h 4552950"/>
-                <a:gd name="connsiteX5" fmla="*/ 3282950 w 4462921"/>
-                <a:gd name="connsiteY5" fmla="*/ 2286000 h 4552950"/>
-                <a:gd name="connsiteX6" fmla="*/ 0 w 4462921"/>
-                <a:gd name="connsiteY6" fmla="*/ 1016000 h 4552950"/>
-                <a:gd name="connsiteX7" fmla="*/ 0 w 4462921"/>
-                <a:gd name="connsiteY7" fmla="*/ 0 h 4552950"/>
-                <a:gd name="connsiteX0" fmla="*/ 0 w 4462921"/>
-                <a:gd name="connsiteY0" fmla="*/ 0 h 4552950"/>
-                <a:gd name="connsiteX1" fmla="*/ 4462462 w 4462921"/>
-                <a:gd name="connsiteY1" fmla="*/ 1819275 h 4552950"/>
-                <a:gd name="connsiteX2" fmla="*/ 4462463 w 4462921"/>
-                <a:gd name="connsiteY2" fmla="*/ 2747962 h 4552950"/>
-                <a:gd name="connsiteX3" fmla="*/ 0 w 4462921"/>
-                <a:gd name="connsiteY3" fmla="*/ 4552950 h 4552950"/>
-                <a:gd name="connsiteX4" fmla="*/ 0 w 4462921"/>
-                <a:gd name="connsiteY4" fmla="*/ 3543300 h 4552950"/>
-                <a:gd name="connsiteX5" fmla="*/ 3282950 w 4462921"/>
-                <a:gd name="connsiteY5" fmla="*/ 2286000 h 4552950"/>
-                <a:gd name="connsiteX6" fmla="*/ 0 w 4462921"/>
-                <a:gd name="connsiteY6" fmla="*/ 1016000 h 4552950"/>
-                <a:gd name="connsiteX7" fmla="*/ 0 w 4462921"/>
-                <a:gd name="connsiteY7" fmla="*/ 0 h 4552950"/>
-                <a:gd name="connsiteX0" fmla="*/ 0 w 4462921"/>
-                <a:gd name="connsiteY0" fmla="*/ 0 h 4560094"/>
-                <a:gd name="connsiteX1" fmla="*/ 4462462 w 4462921"/>
-                <a:gd name="connsiteY1" fmla="*/ 1819275 h 4560094"/>
-                <a:gd name="connsiteX2" fmla="*/ 4462463 w 4462921"/>
-                <a:gd name="connsiteY2" fmla="*/ 2747962 h 4560094"/>
-                <a:gd name="connsiteX3" fmla="*/ 2381 w 4462921"/>
-                <a:gd name="connsiteY3" fmla="*/ 4560094 h 4560094"/>
-                <a:gd name="connsiteX4" fmla="*/ 0 w 4462921"/>
-                <a:gd name="connsiteY4" fmla="*/ 3543300 h 4560094"/>
-                <a:gd name="connsiteX5" fmla="*/ 3282950 w 4462921"/>
-                <a:gd name="connsiteY5" fmla="*/ 2286000 h 4560094"/>
-                <a:gd name="connsiteX6" fmla="*/ 0 w 4462921"/>
-                <a:gd name="connsiteY6" fmla="*/ 1016000 h 4560094"/>
-                <a:gd name="connsiteX7" fmla="*/ 0 w 4462921"/>
-                <a:gd name="connsiteY7" fmla="*/ 0 h 4560094"/>
-                <a:gd name="connsiteX0" fmla="*/ 0 w 4462921"/>
-                <a:gd name="connsiteY0" fmla="*/ 0 h 4560094"/>
-                <a:gd name="connsiteX1" fmla="*/ 4462462 w 4462921"/>
-                <a:gd name="connsiteY1" fmla="*/ 1819275 h 4560094"/>
-                <a:gd name="connsiteX2" fmla="*/ 4462463 w 4462921"/>
-                <a:gd name="connsiteY2" fmla="*/ 2747962 h 4560094"/>
-                <a:gd name="connsiteX3" fmla="*/ 2381 w 4462921"/>
-                <a:gd name="connsiteY3" fmla="*/ 4560094 h 4560094"/>
-                <a:gd name="connsiteX4" fmla="*/ 0 w 4462921"/>
-                <a:gd name="connsiteY4" fmla="*/ 3543300 h 4560094"/>
-                <a:gd name="connsiteX5" fmla="*/ 3275807 w 4462921"/>
-                <a:gd name="connsiteY5" fmla="*/ 2286000 h 4560094"/>
-                <a:gd name="connsiteX6" fmla="*/ 0 w 4462921"/>
-                <a:gd name="connsiteY6" fmla="*/ 1016000 h 4560094"/>
-                <a:gd name="connsiteX7" fmla="*/ 0 w 4462921"/>
-                <a:gd name="connsiteY7" fmla="*/ 0 h 4560094"/>
-                <a:gd name="connsiteX0" fmla="*/ 0 w 4462921"/>
-                <a:gd name="connsiteY0" fmla="*/ 0 h 4557713"/>
-                <a:gd name="connsiteX1" fmla="*/ 4462462 w 4462921"/>
-                <a:gd name="connsiteY1" fmla="*/ 1819275 h 4557713"/>
-                <a:gd name="connsiteX2" fmla="*/ 4462463 w 4462921"/>
-                <a:gd name="connsiteY2" fmla="*/ 2747962 h 4557713"/>
-                <a:gd name="connsiteX3" fmla="*/ 2381 w 4462921"/>
-                <a:gd name="connsiteY3" fmla="*/ 4557713 h 4557713"/>
-                <a:gd name="connsiteX4" fmla="*/ 0 w 4462921"/>
-                <a:gd name="connsiteY4" fmla="*/ 3543300 h 4557713"/>
-                <a:gd name="connsiteX5" fmla="*/ 3275807 w 4462921"/>
-                <a:gd name="connsiteY5" fmla="*/ 2286000 h 4557713"/>
-                <a:gd name="connsiteX6" fmla="*/ 0 w 4462921"/>
-                <a:gd name="connsiteY6" fmla="*/ 1016000 h 4557713"/>
-                <a:gd name="connsiteX7" fmla="*/ 0 w 4462921"/>
-                <a:gd name="connsiteY7" fmla="*/ 0 h 4557713"/>
-                <a:gd name="connsiteX0" fmla="*/ 0 w 4462921"/>
-                <a:gd name="connsiteY0" fmla="*/ 0 h 4562475"/>
-                <a:gd name="connsiteX1" fmla="*/ 4462462 w 4462921"/>
-                <a:gd name="connsiteY1" fmla="*/ 1819275 h 4562475"/>
-                <a:gd name="connsiteX2" fmla="*/ 4462463 w 4462921"/>
-                <a:gd name="connsiteY2" fmla="*/ 2747962 h 4562475"/>
-                <a:gd name="connsiteX3" fmla="*/ 2381 w 4462921"/>
-                <a:gd name="connsiteY3" fmla="*/ 4562475 h 4562475"/>
-                <a:gd name="connsiteX4" fmla="*/ 0 w 4462921"/>
-                <a:gd name="connsiteY4" fmla="*/ 3543300 h 4562475"/>
-                <a:gd name="connsiteX5" fmla="*/ 3275807 w 4462921"/>
-                <a:gd name="connsiteY5" fmla="*/ 2286000 h 4562475"/>
-                <a:gd name="connsiteX6" fmla="*/ 0 w 4462921"/>
-                <a:gd name="connsiteY6" fmla="*/ 1016000 h 4562475"/>
-                <a:gd name="connsiteX7" fmla="*/ 0 w 4462921"/>
-                <a:gd name="connsiteY7" fmla="*/ 0 h 4562475"/>
-                <a:gd name="connsiteX0" fmla="*/ 2486 w 4465407"/>
-                <a:gd name="connsiteY0" fmla="*/ 0 h 4564856"/>
-                <a:gd name="connsiteX1" fmla="*/ 4464948 w 4465407"/>
-                <a:gd name="connsiteY1" fmla="*/ 1819275 h 4564856"/>
-                <a:gd name="connsiteX2" fmla="*/ 4464949 w 4465407"/>
-                <a:gd name="connsiteY2" fmla="*/ 2747962 h 4564856"/>
-                <a:gd name="connsiteX3" fmla="*/ 105 w 4465407"/>
-                <a:gd name="connsiteY3" fmla="*/ 4564856 h 4564856"/>
-                <a:gd name="connsiteX4" fmla="*/ 2486 w 4465407"/>
-                <a:gd name="connsiteY4" fmla="*/ 3543300 h 4564856"/>
-                <a:gd name="connsiteX5" fmla="*/ 3278293 w 4465407"/>
-                <a:gd name="connsiteY5" fmla="*/ 2286000 h 4564856"/>
-                <a:gd name="connsiteX6" fmla="*/ 2486 w 4465407"/>
-                <a:gd name="connsiteY6" fmla="*/ 1016000 h 4564856"/>
-                <a:gd name="connsiteX7" fmla="*/ 2486 w 4465407"/>
-                <a:gd name="connsiteY7" fmla="*/ 0 h 4564856"/>
-                <a:gd name="connsiteX0" fmla="*/ 2610 w 4465531"/>
-                <a:gd name="connsiteY0" fmla="*/ 0 h 4564856"/>
-                <a:gd name="connsiteX1" fmla="*/ 4465072 w 4465531"/>
-                <a:gd name="connsiteY1" fmla="*/ 1819275 h 4564856"/>
-                <a:gd name="connsiteX2" fmla="*/ 4465073 w 4465531"/>
-                <a:gd name="connsiteY2" fmla="*/ 2747962 h 4564856"/>
-                <a:gd name="connsiteX3" fmla="*/ 229 w 4465531"/>
-                <a:gd name="connsiteY3" fmla="*/ 4564856 h 4564856"/>
-                <a:gd name="connsiteX4" fmla="*/ 228 w 4465531"/>
-                <a:gd name="connsiteY4" fmla="*/ 3545681 h 4564856"/>
-                <a:gd name="connsiteX5" fmla="*/ 3278417 w 4465531"/>
-                <a:gd name="connsiteY5" fmla="*/ 2286000 h 4564856"/>
-                <a:gd name="connsiteX6" fmla="*/ 2610 w 4465531"/>
-                <a:gd name="connsiteY6" fmla="*/ 1016000 h 4564856"/>
-                <a:gd name="connsiteX7" fmla="*/ 2610 w 4465531"/>
-                <a:gd name="connsiteY7" fmla="*/ 0 h 4564856"/>
-                <a:gd name="connsiteX0" fmla="*/ 2610 w 4465531"/>
-                <a:gd name="connsiteY0" fmla="*/ 0 h 4564856"/>
-                <a:gd name="connsiteX1" fmla="*/ 4465072 w 4465531"/>
-                <a:gd name="connsiteY1" fmla="*/ 1819275 h 4564856"/>
-                <a:gd name="connsiteX2" fmla="*/ 4465073 w 4465531"/>
-                <a:gd name="connsiteY2" fmla="*/ 2750343 h 4564856"/>
-                <a:gd name="connsiteX3" fmla="*/ 229 w 4465531"/>
-                <a:gd name="connsiteY3" fmla="*/ 4564856 h 4564856"/>
-                <a:gd name="connsiteX4" fmla="*/ 228 w 4465531"/>
-                <a:gd name="connsiteY4" fmla="*/ 3545681 h 4564856"/>
-                <a:gd name="connsiteX5" fmla="*/ 3278417 w 4465531"/>
-                <a:gd name="connsiteY5" fmla="*/ 2286000 h 4564856"/>
-                <a:gd name="connsiteX6" fmla="*/ 2610 w 4465531"/>
-                <a:gd name="connsiteY6" fmla="*/ 1016000 h 4564856"/>
-                <a:gd name="connsiteX7" fmla="*/ 2610 w 4465531"/>
-                <a:gd name="connsiteY7" fmla="*/ 0 h 4564856"/>
-                <a:gd name="connsiteX0" fmla="*/ 2610 w 4465531"/>
-                <a:gd name="connsiteY0" fmla="*/ 0 h 4564856"/>
-                <a:gd name="connsiteX1" fmla="*/ 4465072 w 4465531"/>
-                <a:gd name="connsiteY1" fmla="*/ 1819275 h 4564856"/>
-                <a:gd name="connsiteX2" fmla="*/ 4465073 w 4465531"/>
-                <a:gd name="connsiteY2" fmla="*/ 2755106 h 4564856"/>
-                <a:gd name="connsiteX3" fmla="*/ 229 w 4465531"/>
-                <a:gd name="connsiteY3" fmla="*/ 4564856 h 4564856"/>
-                <a:gd name="connsiteX4" fmla="*/ 228 w 4465531"/>
-                <a:gd name="connsiteY4" fmla="*/ 3545681 h 4564856"/>
-                <a:gd name="connsiteX5" fmla="*/ 3278417 w 4465531"/>
-                <a:gd name="connsiteY5" fmla="*/ 2286000 h 4564856"/>
-                <a:gd name="connsiteX6" fmla="*/ 2610 w 4465531"/>
-                <a:gd name="connsiteY6" fmla="*/ 1016000 h 4564856"/>
-                <a:gd name="connsiteX7" fmla="*/ 2610 w 4465531"/>
-                <a:gd name="connsiteY7" fmla="*/ 0 h 4564856"/>
-                <a:gd name="connsiteX0" fmla="*/ 2610 w 4467453"/>
-                <a:gd name="connsiteY0" fmla="*/ 0 h 4564856"/>
-                <a:gd name="connsiteX1" fmla="*/ 4467453 w 4467453"/>
-                <a:gd name="connsiteY1" fmla="*/ 1816894 h 4564856"/>
-                <a:gd name="connsiteX2" fmla="*/ 4465073 w 4467453"/>
-                <a:gd name="connsiteY2" fmla="*/ 2755106 h 4564856"/>
-                <a:gd name="connsiteX3" fmla="*/ 229 w 4467453"/>
-                <a:gd name="connsiteY3" fmla="*/ 4564856 h 4564856"/>
-                <a:gd name="connsiteX4" fmla="*/ 228 w 4467453"/>
-                <a:gd name="connsiteY4" fmla="*/ 3545681 h 4564856"/>
-                <a:gd name="connsiteX5" fmla="*/ 3278417 w 4467453"/>
-                <a:gd name="connsiteY5" fmla="*/ 2286000 h 4564856"/>
-                <a:gd name="connsiteX6" fmla="*/ 2610 w 4467453"/>
-                <a:gd name="connsiteY6" fmla="*/ 1016000 h 4564856"/>
-                <a:gd name="connsiteX7" fmla="*/ 2610 w 4467453"/>
-                <a:gd name="connsiteY7" fmla="*/ 0 h 4564856"/>
-                <a:gd name="connsiteX0" fmla="*/ 2610 w 4467453"/>
-                <a:gd name="connsiteY0" fmla="*/ 0 h 4564856"/>
-                <a:gd name="connsiteX1" fmla="*/ 4467453 w 4467453"/>
-                <a:gd name="connsiteY1" fmla="*/ 1816894 h 4564856"/>
-                <a:gd name="connsiteX2" fmla="*/ 4465073 w 4467453"/>
-                <a:gd name="connsiteY2" fmla="*/ 2755106 h 4564856"/>
-                <a:gd name="connsiteX3" fmla="*/ 229 w 4467453"/>
-                <a:gd name="connsiteY3" fmla="*/ 4564856 h 4564856"/>
-                <a:gd name="connsiteX4" fmla="*/ 228 w 4467453"/>
-                <a:gd name="connsiteY4" fmla="*/ 3545681 h 4564856"/>
-                <a:gd name="connsiteX5" fmla="*/ 3278417 w 4467453"/>
-                <a:gd name="connsiteY5" fmla="*/ 2286000 h 4564856"/>
-                <a:gd name="connsiteX6" fmla="*/ 2610 w 4467453"/>
-                <a:gd name="connsiteY6" fmla="*/ 1020763 h 4564856"/>
-                <a:gd name="connsiteX7" fmla="*/ 2610 w 4467453"/>
-                <a:gd name="connsiteY7" fmla="*/ 0 h 4564856"/>
-                <a:gd name="connsiteX0" fmla="*/ 2610 w 4467453"/>
-                <a:gd name="connsiteY0" fmla="*/ 0 h 4564856"/>
-                <a:gd name="connsiteX1" fmla="*/ 4467453 w 4467453"/>
-                <a:gd name="connsiteY1" fmla="*/ 1816894 h 4564856"/>
-                <a:gd name="connsiteX2" fmla="*/ 4465073 w 4467453"/>
-                <a:gd name="connsiteY2" fmla="*/ 2755106 h 4564856"/>
-                <a:gd name="connsiteX3" fmla="*/ 229 w 4467453"/>
-                <a:gd name="connsiteY3" fmla="*/ 4564856 h 4564856"/>
-                <a:gd name="connsiteX4" fmla="*/ 228 w 4467453"/>
-                <a:gd name="connsiteY4" fmla="*/ 3545681 h 4564856"/>
-                <a:gd name="connsiteX5" fmla="*/ 3271273 w 4467453"/>
-                <a:gd name="connsiteY5" fmla="*/ 2288382 h 4564856"/>
-                <a:gd name="connsiteX6" fmla="*/ 2610 w 4467453"/>
-                <a:gd name="connsiteY6" fmla="*/ 1020763 h 4564856"/>
-                <a:gd name="connsiteX7" fmla="*/ 2610 w 4467453"/>
-                <a:gd name="connsiteY7" fmla="*/ 0 h 4564856"/>
-                <a:gd name="connsiteX0" fmla="*/ 2610 w 4467453"/>
-                <a:gd name="connsiteY0" fmla="*/ 0 h 4564856"/>
-                <a:gd name="connsiteX1" fmla="*/ 4467453 w 4467453"/>
-                <a:gd name="connsiteY1" fmla="*/ 1816894 h 4564856"/>
-                <a:gd name="connsiteX2" fmla="*/ 4465073 w 4467453"/>
-                <a:gd name="connsiteY2" fmla="*/ 2755106 h 4564856"/>
-                <a:gd name="connsiteX3" fmla="*/ 229 w 4467453"/>
-                <a:gd name="connsiteY3" fmla="*/ 4564856 h 4564856"/>
-                <a:gd name="connsiteX4" fmla="*/ 228 w 4467453"/>
-                <a:gd name="connsiteY4" fmla="*/ 3545681 h 4564856"/>
-                <a:gd name="connsiteX5" fmla="*/ 3271273 w 4467453"/>
-                <a:gd name="connsiteY5" fmla="*/ 2288382 h 4564856"/>
-                <a:gd name="connsiteX6" fmla="*/ 2610 w 4467453"/>
-                <a:gd name="connsiteY6" fmla="*/ 1020763 h 4564856"/>
-                <a:gd name="connsiteX7" fmla="*/ 2610 w 4467453"/>
-                <a:gd name="connsiteY7" fmla="*/ 0 h 4564856"/>
-                <a:gd name="connsiteX0" fmla="*/ 2610 w 4465530"/>
-                <a:gd name="connsiteY0" fmla="*/ 0 h 4564856"/>
-                <a:gd name="connsiteX1" fmla="*/ 4465071 w 4465530"/>
-                <a:gd name="connsiteY1" fmla="*/ 1819275 h 4564856"/>
-                <a:gd name="connsiteX2" fmla="*/ 4465073 w 4465530"/>
-                <a:gd name="connsiteY2" fmla="*/ 2755106 h 4564856"/>
-                <a:gd name="connsiteX3" fmla="*/ 229 w 4465530"/>
-                <a:gd name="connsiteY3" fmla="*/ 4564856 h 4564856"/>
-                <a:gd name="connsiteX4" fmla="*/ 228 w 4465530"/>
-                <a:gd name="connsiteY4" fmla="*/ 3545681 h 4564856"/>
-                <a:gd name="connsiteX5" fmla="*/ 3271273 w 4465530"/>
-                <a:gd name="connsiteY5" fmla="*/ 2288382 h 4564856"/>
-                <a:gd name="connsiteX6" fmla="*/ 2610 w 4465530"/>
-                <a:gd name="connsiteY6" fmla="*/ 1020763 h 4564856"/>
-                <a:gd name="connsiteX7" fmla="*/ 2610 w 4465530"/>
-                <a:gd name="connsiteY7" fmla="*/ 0 h 4564856"/>
-                <a:gd name="connsiteX0" fmla="*/ 2610 w 4465530"/>
-                <a:gd name="connsiteY0" fmla="*/ 0 h 4564856"/>
-                <a:gd name="connsiteX1" fmla="*/ 4465071 w 4465530"/>
-                <a:gd name="connsiteY1" fmla="*/ 1812131 h 4564856"/>
-                <a:gd name="connsiteX2" fmla="*/ 4465073 w 4465530"/>
-                <a:gd name="connsiteY2" fmla="*/ 2755106 h 4564856"/>
-                <a:gd name="connsiteX3" fmla="*/ 229 w 4465530"/>
-                <a:gd name="connsiteY3" fmla="*/ 4564856 h 4564856"/>
-                <a:gd name="connsiteX4" fmla="*/ 228 w 4465530"/>
-                <a:gd name="connsiteY4" fmla="*/ 3545681 h 4564856"/>
-                <a:gd name="connsiteX5" fmla="*/ 3271273 w 4465530"/>
-                <a:gd name="connsiteY5" fmla="*/ 2288382 h 4564856"/>
-                <a:gd name="connsiteX6" fmla="*/ 2610 w 4465530"/>
-                <a:gd name="connsiteY6" fmla="*/ 1020763 h 4564856"/>
-                <a:gd name="connsiteX7" fmla="*/ 2610 w 4465530"/>
-                <a:gd name="connsiteY7" fmla="*/ 0 h 4564856"/>
-                <a:gd name="connsiteX0" fmla="*/ 2610 w 4465530"/>
-                <a:gd name="connsiteY0" fmla="*/ 0 h 4564856"/>
-                <a:gd name="connsiteX1" fmla="*/ 4465071 w 4465530"/>
-                <a:gd name="connsiteY1" fmla="*/ 1812131 h 4564856"/>
-                <a:gd name="connsiteX2" fmla="*/ 4465073 w 4465530"/>
-                <a:gd name="connsiteY2" fmla="*/ 2755106 h 4564856"/>
-                <a:gd name="connsiteX3" fmla="*/ 229 w 4465530"/>
-                <a:gd name="connsiteY3" fmla="*/ 4564856 h 4564856"/>
-                <a:gd name="connsiteX4" fmla="*/ 228 w 4465530"/>
-                <a:gd name="connsiteY4" fmla="*/ 3545681 h 4564856"/>
-                <a:gd name="connsiteX5" fmla="*/ 3271273 w 4465530"/>
-                <a:gd name="connsiteY5" fmla="*/ 2288382 h 4564856"/>
-                <a:gd name="connsiteX6" fmla="*/ 2610 w 4465530"/>
-                <a:gd name="connsiteY6" fmla="*/ 1023145 h 4564856"/>
-                <a:gd name="connsiteX7" fmla="*/ 2610 w 4465530"/>
-                <a:gd name="connsiteY7" fmla="*/ 0 h 4564856"/>
-                <a:gd name="connsiteX0" fmla="*/ 2610 w 4465530"/>
-                <a:gd name="connsiteY0" fmla="*/ 0 h 4564856"/>
-                <a:gd name="connsiteX1" fmla="*/ 4465071 w 4465530"/>
-                <a:gd name="connsiteY1" fmla="*/ 1812131 h 4564856"/>
-                <a:gd name="connsiteX2" fmla="*/ 4465073 w 4465530"/>
-                <a:gd name="connsiteY2" fmla="*/ 2755106 h 4564856"/>
-                <a:gd name="connsiteX3" fmla="*/ 229 w 4465530"/>
-                <a:gd name="connsiteY3" fmla="*/ 4564856 h 4564856"/>
-                <a:gd name="connsiteX4" fmla="*/ 228 w 4465530"/>
-                <a:gd name="connsiteY4" fmla="*/ 3545681 h 4564856"/>
-                <a:gd name="connsiteX5" fmla="*/ 3264129 w 4465530"/>
-                <a:gd name="connsiteY5" fmla="*/ 2288382 h 4564856"/>
-                <a:gd name="connsiteX6" fmla="*/ 2610 w 4465530"/>
-                <a:gd name="connsiteY6" fmla="*/ 1023145 h 4564856"/>
-                <a:gd name="connsiteX7" fmla="*/ 2610 w 4465530"/>
-                <a:gd name="connsiteY7" fmla="*/ 0 h 4564856"/>
-                <a:gd name="connsiteX0" fmla="*/ 0 w 4467986"/>
-                <a:gd name="connsiteY0" fmla="*/ 0 h 4564856"/>
-                <a:gd name="connsiteX1" fmla="*/ 4467527 w 4467986"/>
-                <a:gd name="connsiteY1" fmla="*/ 1812131 h 4564856"/>
-                <a:gd name="connsiteX2" fmla="*/ 4467529 w 4467986"/>
-                <a:gd name="connsiteY2" fmla="*/ 2755106 h 4564856"/>
-                <a:gd name="connsiteX3" fmla="*/ 2685 w 4467986"/>
-                <a:gd name="connsiteY3" fmla="*/ 4564856 h 4564856"/>
-                <a:gd name="connsiteX4" fmla="*/ 2684 w 4467986"/>
-                <a:gd name="connsiteY4" fmla="*/ 3545681 h 4564856"/>
-                <a:gd name="connsiteX5" fmla="*/ 3266585 w 4467986"/>
-                <a:gd name="connsiteY5" fmla="*/ 2288382 h 4564856"/>
-                <a:gd name="connsiteX6" fmla="*/ 5066 w 4467986"/>
-                <a:gd name="connsiteY6" fmla="*/ 1023145 h 4564856"/>
-                <a:gd name="connsiteX7" fmla="*/ 0 w 4467986"/>
-                <a:gd name="connsiteY7" fmla="*/ 0 h 4564856"/>
-                <a:gd name="connsiteX0" fmla="*/ 0 w 4467986"/>
-                <a:gd name="connsiteY0" fmla="*/ 0 h 4564856"/>
-                <a:gd name="connsiteX1" fmla="*/ 4467527 w 4467986"/>
-                <a:gd name="connsiteY1" fmla="*/ 1812131 h 4564856"/>
-                <a:gd name="connsiteX2" fmla="*/ 4467529 w 4467986"/>
-                <a:gd name="connsiteY2" fmla="*/ 2755106 h 4564856"/>
-                <a:gd name="connsiteX3" fmla="*/ 2685 w 4467986"/>
-                <a:gd name="connsiteY3" fmla="*/ 4564856 h 4564856"/>
-                <a:gd name="connsiteX4" fmla="*/ 2684 w 4467986"/>
-                <a:gd name="connsiteY4" fmla="*/ 3545681 h 4564856"/>
-                <a:gd name="connsiteX5" fmla="*/ 3266585 w 4467986"/>
-                <a:gd name="connsiteY5" fmla="*/ 2288382 h 4564856"/>
-                <a:gd name="connsiteX6" fmla="*/ 2533 w 4467986"/>
-                <a:gd name="connsiteY6" fmla="*/ 1018079 h 4564856"/>
-                <a:gd name="connsiteX7" fmla="*/ 0 w 4467986"/>
-                <a:gd name="connsiteY7" fmla="*/ 0 h 4564856"/>
-                <a:gd name="connsiteX0" fmla="*/ 0 w 4467986"/>
-                <a:gd name="connsiteY0" fmla="*/ 0 h 4564856"/>
-                <a:gd name="connsiteX1" fmla="*/ 4467527 w 4467986"/>
-                <a:gd name="connsiteY1" fmla="*/ 1812131 h 4564856"/>
-                <a:gd name="connsiteX2" fmla="*/ 4467529 w 4467986"/>
-                <a:gd name="connsiteY2" fmla="*/ 2755106 h 4564856"/>
-                <a:gd name="connsiteX3" fmla="*/ 2685 w 4467986"/>
-                <a:gd name="connsiteY3" fmla="*/ 4564856 h 4564856"/>
-                <a:gd name="connsiteX4" fmla="*/ 2684 w 4467986"/>
-                <a:gd name="connsiteY4" fmla="*/ 3545681 h 4564856"/>
-                <a:gd name="connsiteX5" fmla="*/ 3266585 w 4467986"/>
-                <a:gd name="connsiteY5" fmla="*/ 2288382 h 4564856"/>
-                <a:gd name="connsiteX6" fmla="*/ 2533 w 4467986"/>
-                <a:gd name="connsiteY6" fmla="*/ 1023145 h 4564856"/>
-                <a:gd name="connsiteX7" fmla="*/ 0 w 4467986"/>
-                <a:gd name="connsiteY7" fmla="*/ 0 h 4564856"/>
-                <a:gd name="connsiteX0" fmla="*/ 0 w 4467986"/>
-                <a:gd name="connsiteY0" fmla="*/ 0 h 4567262"/>
-                <a:gd name="connsiteX1" fmla="*/ 4467527 w 4467986"/>
-                <a:gd name="connsiteY1" fmla="*/ 1814537 h 4567262"/>
-                <a:gd name="connsiteX2" fmla="*/ 4467529 w 4467986"/>
-                <a:gd name="connsiteY2" fmla="*/ 2757512 h 4567262"/>
-                <a:gd name="connsiteX3" fmla="*/ 2685 w 4467986"/>
-                <a:gd name="connsiteY3" fmla="*/ 4567262 h 4567262"/>
-                <a:gd name="connsiteX4" fmla="*/ 2684 w 4467986"/>
-                <a:gd name="connsiteY4" fmla="*/ 3548087 h 4567262"/>
-                <a:gd name="connsiteX5" fmla="*/ 3266585 w 4467986"/>
-                <a:gd name="connsiteY5" fmla="*/ 2290788 h 4567262"/>
-                <a:gd name="connsiteX6" fmla="*/ 2533 w 4467986"/>
-                <a:gd name="connsiteY6" fmla="*/ 1025551 h 4567262"/>
-                <a:gd name="connsiteX7" fmla="*/ 0 w 4467986"/>
-                <a:gd name="connsiteY7" fmla="*/ 0 h 4567262"/>
-                <a:gd name="connsiteX0" fmla="*/ 377 w 4465956"/>
-                <a:gd name="connsiteY0" fmla="*/ 0 h 4569668"/>
-                <a:gd name="connsiteX1" fmla="*/ 4465497 w 4465956"/>
-                <a:gd name="connsiteY1" fmla="*/ 1816943 h 4569668"/>
-                <a:gd name="connsiteX2" fmla="*/ 4465499 w 4465956"/>
-                <a:gd name="connsiteY2" fmla="*/ 2759918 h 4569668"/>
-                <a:gd name="connsiteX3" fmla="*/ 655 w 4465956"/>
-                <a:gd name="connsiteY3" fmla="*/ 4569668 h 4569668"/>
-                <a:gd name="connsiteX4" fmla="*/ 654 w 4465956"/>
-                <a:gd name="connsiteY4" fmla="*/ 3550493 h 4569668"/>
-                <a:gd name="connsiteX5" fmla="*/ 3264555 w 4465956"/>
-                <a:gd name="connsiteY5" fmla="*/ 2293194 h 4569668"/>
-                <a:gd name="connsiteX6" fmla="*/ 503 w 4465956"/>
-                <a:gd name="connsiteY6" fmla="*/ 1027957 h 4569668"/>
-                <a:gd name="connsiteX7" fmla="*/ 377 w 4465956"/>
-                <a:gd name="connsiteY7" fmla="*/ 0 h 4569668"/>
-                <a:gd name="connsiteX0" fmla="*/ 377 w 4465956"/>
-                <a:gd name="connsiteY0" fmla="*/ 0 h 4569668"/>
-                <a:gd name="connsiteX1" fmla="*/ 4465497 w 4465956"/>
-                <a:gd name="connsiteY1" fmla="*/ 1816943 h 4569668"/>
-                <a:gd name="connsiteX2" fmla="*/ 4465499 w 4465956"/>
-                <a:gd name="connsiteY2" fmla="*/ 2759918 h 4569668"/>
-                <a:gd name="connsiteX3" fmla="*/ 655 w 4465956"/>
-                <a:gd name="connsiteY3" fmla="*/ 4569668 h 4569668"/>
-                <a:gd name="connsiteX4" fmla="*/ 654 w 4465956"/>
-                <a:gd name="connsiteY4" fmla="*/ 3548111 h 4569668"/>
-                <a:gd name="connsiteX5" fmla="*/ 3264555 w 4465956"/>
-                <a:gd name="connsiteY5" fmla="*/ 2293194 h 4569668"/>
-                <a:gd name="connsiteX6" fmla="*/ 503 w 4465956"/>
-                <a:gd name="connsiteY6" fmla="*/ 1027957 h 4569668"/>
-                <a:gd name="connsiteX7" fmla="*/ 377 w 4465956"/>
-                <a:gd name="connsiteY7" fmla="*/ 0 h 4569668"/>
-                <a:gd name="connsiteX0" fmla="*/ 377 w 4465956"/>
-                <a:gd name="connsiteY0" fmla="*/ 0 h 4569668"/>
-                <a:gd name="connsiteX1" fmla="*/ 4465497 w 4465956"/>
-                <a:gd name="connsiteY1" fmla="*/ 1816943 h 4569668"/>
-                <a:gd name="connsiteX2" fmla="*/ 4465499 w 4465956"/>
-                <a:gd name="connsiteY2" fmla="*/ 2759918 h 4569668"/>
-                <a:gd name="connsiteX3" fmla="*/ 655 w 4465956"/>
-                <a:gd name="connsiteY3" fmla="*/ 4569668 h 4569668"/>
-                <a:gd name="connsiteX4" fmla="*/ 654 w 4465956"/>
-                <a:gd name="connsiteY4" fmla="*/ 3548111 h 4569668"/>
-                <a:gd name="connsiteX5" fmla="*/ 3257411 w 4465956"/>
-                <a:gd name="connsiteY5" fmla="*/ 2293194 h 4569668"/>
-                <a:gd name="connsiteX6" fmla="*/ 503 w 4465956"/>
-                <a:gd name="connsiteY6" fmla="*/ 1027957 h 4569668"/>
-                <a:gd name="connsiteX7" fmla="*/ 377 w 4465956"/>
-                <a:gd name="connsiteY7" fmla="*/ 0 h 4569668"/>
-              </a:gdLst>
-              <a:ahLst/>
-              <a:cxnLst>
-                <a:cxn ang="0">
-                  <a:pos x="connsiteX0" y="connsiteY0"/>
-                </a:cxn>
-                <a:cxn ang="0">
-                  <a:pos x="connsiteX1" y="connsiteY1"/>
-                </a:cxn>
-                <a:cxn ang="0">
-                  <a:pos x="connsiteX2" y="connsiteY2"/>
-                </a:cxn>
-                <a:cxn ang="0">
-                  <a:pos x="connsiteX3" y="connsiteY3"/>
-                </a:cxn>
-                <a:cxn ang="0">
-                  <a:pos x="connsiteX4" y="connsiteY4"/>
-                </a:cxn>
-                <a:cxn ang="0">
-                  <a:pos x="connsiteX5" y="connsiteY5"/>
-                </a:cxn>
-                <a:cxn ang="0">
-                  <a:pos x="connsiteX6" y="connsiteY6"/>
-                </a:cxn>
-                <a:cxn ang="0">
-                  <a:pos x="connsiteX7" y="connsiteY7"/>
-                </a:cxn>
-              </a:cxnLst>
-              <a:rect l="l" t="t" r="r" b="b"/>
-              <a:pathLst>
-                <a:path w="4465956" h="4569668">
-                  <a:moveTo>
-                    <a:pt x="377" y="0"/>
-                  </a:moveTo>
-                  <a:lnTo>
-                    <a:pt x="4465497" y="1816943"/>
-                  </a:lnTo>
-                  <a:cubicBezTo>
-                    <a:pt x="4463910" y="2124918"/>
-                    <a:pt x="4467086" y="2451943"/>
-                    <a:pt x="4465499" y="2759918"/>
-                  </a:cubicBezTo>
-                  <a:lnTo>
-                    <a:pt x="655" y="4569668"/>
-                  </a:lnTo>
-                  <a:cubicBezTo>
-                    <a:pt x="-139" y="4230737"/>
-                    <a:pt x="1448" y="3887042"/>
-                    <a:pt x="654" y="3548111"/>
-                  </a:cubicBezTo>
-                  <a:lnTo>
-                    <a:pt x="3257411" y="2293194"/>
-                  </a:lnTo>
-                  <a:lnTo>
-                    <a:pt x="503" y="1027957"/>
-                  </a:lnTo>
-                  <a:cubicBezTo>
-                    <a:pt x="-1186" y="686909"/>
-                    <a:pt x="2066" y="341048"/>
-                    <a:pt x="377" y="0"/>
-                  </a:cubicBezTo>
-                  <a:close/>
-                </a:path>
-              </a:pathLst>
-            </a:custGeom>
-            <a:solidFill>
-              <a:srgbClr val="FF0000"/>
-            </a:solidFill>
-            <a:ln>
-              <a:noFill/>
-            </a:ln>
-          </p:spPr>
-          <p:style>
-            <a:lnRef idx="2">
-              <a:schemeClr val="accent1">
-                <a:shade val="50000"/>
-              </a:schemeClr>
-            </a:lnRef>
-            <a:fillRef idx="1">
-              <a:schemeClr val="accent1"/>
-            </a:fillRef>
-            <a:effectRef idx="0">
-              <a:schemeClr val="accent1"/>
-            </a:effectRef>
-            <a:fontRef idx="minor">
-              <a:schemeClr val="lt1"/>
-            </a:fontRef>
-          </p:style>
-          <p:txBody>
-            <a:bodyPr rtlCol="0" anchor="ctr"/>
-            <a:lstStyle/>
-            <a:p>
-              <a:pPr algn="ctr"/>
-              <a:endParaRPr lang="en-CA">
-                <a:solidFill>
-                  <a:srgbClr val="002266"/>
-                </a:solidFill>
-              </a:endParaRPr>
-            </a:p>
-          </p:txBody>
-        </p:sp>
-      </p:grpSp>
       <p:sp>
         <p:nvSpPr>
           <p:cNvPr id="33" name="Title 1"/>
@@ -20656,7 +19383,7 @@
           <p:nvPr userDrawn="1"/>
         </p:nvPicPr>
         <p:blipFill>
-          <a:blip r:embed="rId5" cstate="print">
+          <a:blip r:embed="rId2" cstate="print">
             <a:extLst>
               <a:ext uri="{28A0092B-C50C-407E-A947-70E740481C1C}">
                 <a14:useLocalDpi xmlns:a14="http://schemas.microsoft.com/office/drawing/2010/main" val="0"/>
@@ -20817,7 +19544,7 @@
 </file>
 
 <file path=ppt/slideLayouts/slideLayout3.xml><?xml version="1.0" encoding="utf-8"?>
-<p:sldLayout xmlns:a="http://schemas.openxmlformats.org/drawingml/2006/main" xmlns:r="http://schemas.openxmlformats.org/officeDocument/2006/relationships" xmlns:p="http://schemas.openxmlformats.org/presentationml/2006/main" preserve="1" userDrawn="1">
+<p:sldLayout xmlns:a="http://schemas.openxmlformats.org/drawingml/2006/main" xmlns:r="http://schemas.openxmlformats.org/officeDocument/2006/relationships" xmlns:p="http://schemas.openxmlformats.org/presentationml/2006/main" showMasterSp="0" preserve="1" userDrawn="1">
   <p:cSld name="Title and Content 2">
     <p:spTree>
       <p:nvGrpSpPr>
@@ -20935,7 +19662,7 @@
 </file>
 
 <file path=ppt/slideLayouts/slideLayout4.xml><?xml version="1.0" encoding="utf-8"?>
-<p:sldLayout xmlns:a="http://schemas.openxmlformats.org/drawingml/2006/main" xmlns:r="http://schemas.openxmlformats.org/officeDocument/2006/relationships" xmlns:p="http://schemas.openxmlformats.org/presentationml/2006/main" preserve="1" userDrawn="1">
+<p:sldLayout xmlns:a="http://schemas.openxmlformats.org/drawingml/2006/main" xmlns:r="http://schemas.openxmlformats.org/officeDocument/2006/relationships" xmlns:p="http://schemas.openxmlformats.org/presentationml/2006/main" showMasterSp="0" preserve="1" userDrawn="1">
   <p:cSld name="Title and Two Column">
     <p:spTree>
       <p:nvGrpSpPr>
@@ -21101,7 +19828,7 @@
 </file>
 
 <file path=ppt/slideLayouts/slideLayout5.xml><?xml version="1.0" encoding="utf-8"?>
-<p:sldLayout xmlns:a="http://schemas.openxmlformats.org/drawingml/2006/main" xmlns:r="http://schemas.openxmlformats.org/officeDocument/2006/relationships" xmlns:p="http://schemas.openxmlformats.org/presentationml/2006/main" preserve="1" userDrawn="1">
+<p:sldLayout xmlns:a="http://schemas.openxmlformats.org/drawingml/2006/main" xmlns:r="http://schemas.openxmlformats.org/officeDocument/2006/relationships" xmlns:p="http://schemas.openxmlformats.org/presentationml/2006/main" showMasterSp="0" preserve="1" userDrawn="1">
   <p:cSld name="Title and Two Column 2">
     <p:spTree>
       <p:nvGrpSpPr>
@@ -21285,7 +20012,7 @@
 </file>
 
 <file path=ppt/slideLayouts/slideLayout6.xml><?xml version="1.0" encoding="utf-8"?>
-<p:sldLayout xmlns:a="http://schemas.openxmlformats.org/drawingml/2006/main" xmlns:r="http://schemas.openxmlformats.org/officeDocument/2006/relationships" xmlns:p="http://schemas.openxmlformats.org/presentationml/2006/main" preserve="1" userDrawn="1">
+<p:sldLayout xmlns:a="http://schemas.openxmlformats.org/drawingml/2006/main" xmlns:r="http://schemas.openxmlformats.org/officeDocument/2006/relationships" xmlns:p="http://schemas.openxmlformats.org/presentationml/2006/main" showMasterSp="0" preserve="1" userDrawn="1">
   <p:cSld name="Title Only">
     <p:spTree>
       <p:nvGrpSpPr>
@@ -21539,14 +20266,6 @@
 <file path=ppt/slideLayouts/slideLayout8.xml><?xml version="1.0" encoding="utf-8"?>
 <p:sldLayout xmlns:a="http://schemas.openxmlformats.org/drawingml/2006/main" xmlns:r="http://schemas.openxmlformats.org/officeDocument/2006/relationships" xmlns:p="http://schemas.openxmlformats.org/presentationml/2006/main" showMasterSp="0" preserve="1" userDrawn="1">
   <p:cSld name="Divider Slide ">
-    <p:bg>
-      <p:bgPr>
-        <a:solidFill>
-          <a:srgbClr val="FF0000"/>
-        </a:solidFill>
-        <a:effectLst/>
-      </p:bgPr>
-    </p:bg>
     <p:spTree>
       <p:nvGrpSpPr>
         <p:cNvPr id="1" name=""/>
@@ -21853,132 +20572,6 @@
                 </a:schemeClr>
               </a:solidFill>
             </a:endParaRPr>
-          </a:p>
-        </p:txBody>
-      </p:sp>
-      <p:sp>
-        <p:nvSpPr>
-          <p:cNvPr id="8" name="Footer Placeholder 8"/>
-          <p:cNvSpPr txBox="1">
-            <a:spLocks/>
-          </p:cNvSpPr>
-          <p:nvPr/>
-        </p:nvSpPr>
-        <p:spPr>
-          <a:xfrm>
-            <a:off x="463816" y="6546621"/>
-            <a:ext cx="2895600" cy="143568"/>
-          </a:xfrm>
-          <a:prstGeom prst="rect">
-            <a:avLst/>
-          </a:prstGeom>
-        </p:spPr>
-        <p:txBody>
-          <a:bodyPr lIns="0" tIns="0" rIns="0" bIns="0" anchor="b"/>
-          <a:lstStyle>
-            <a:defPPr>
-              <a:defRPr lang="en-US"/>
-            </a:defPPr>
-            <a:lvl1pPr marL="0" algn="l" defTabSz="914400" rtl="0" eaLnBrk="1" latinLnBrk="0" hangingPunct="1">
-              <a:defRPr sz="1800" kern="1200">
-                <a:solidFill>
-                  <a:schemeClr val="tx1"/>
-                </a:solidFill>
-                <a:latin typeface="+mn-lt"/>
-                <a:ea typeface="+mn-ea"/>
-                <a:cs typeface="+mn-cs"/>
-              </a:defRPr>
-            </a:lvl1pPr>
-            <a:lvl2pPr marL="457200" algn="l" defTabSz="914400" rtl="0" eaLnBrk="1" latinLnBrk="0" hangingPunct="1">
-              <a:defRPr sz="1800" kern="1200">
-                <a:solidFill>
-                  <a:schemeClr val="tx1"/>
-                </a:solidFill>
-                <a:latin typeface="+mn-lt"/>
-                <a:ea typeface="+mn-ea"/>
-                <a:cs typeface="+mn-cs"/>
-              </a:defRPr>
-            </a:lvl2pPr>
-            <a:lvl3pPr marL="914400" algn="l" defTabSz="914400" rtl="0" eaLnBrk="1" latinLnBrk="0" hangingPunct="1">
-              <a:defRPr sz="1800" kern="1200">
-                <a:solidFill>
-                  <a:schemeClr val="tx1"/>
-                </a:solidFill>
-                <a:latin typeface="+mn-lt"/>
-                <a:ea typeface="+mn-ea"/>
-                <a:cs typeface="+mn-cs"/>
-              </a:defRPr>
-            </a:lvl3pPr>
-            <a:lvl4pPr marL="1371600" algn="l" defTabSz="914400" rtl="0" eaLnBrk="1" latinLnBrk="0" hangingPunct="1">
-              <a:defRPr sz="1800" kern="1200">
-                <a:solidFill>
-                  <a:schemeClr val="tx1"/>
-                </a:solidFill>
-                <a:latin typeface="+mn-lt"/>
-                <a:ea typeface="+mn-ea"/>
-                <a:cs typeface="+mn-cs"/>
-              </a:defRPr>
-            </a:lvl4pPr>
-            <a:lvl5pPr marL="1828800" algn="l" defTabSz="914400" rtl="0" eaLnBrk="1" latinLnBrk="0" hangingPunct="1">
-              <a:defRPr sz="1800" kern="1200">
-                <a:solidFill>
-                  <a:schemeClr val="tx1"/>
-                </a:solidFill>
-                <a:latin typeface="+mn-lt"/>
-                <a:ea typeface="+mn-ea"/>
-                <a:cs typeface="+mn-cs"/>
-              </a:defRPr>
-            </a:lvl5pPr>
-            <a:lvl6pPr marL="2286000" algn="l" defTabSz="914400" rtl="0" eaLnBrk="1" latinLnBrk="0" hangingPunct="1">
-              <a:defRPr sz="1800" kern="1200">
-                <a:solidFill>
-                  <a:schemeClr val="tx1"/>
-                </a:solidFill>
-                <a:latin typeface="+mn-lt"/>
-                <a:ea typeface="+mn-ea"/>
-                <a:cs typeface="+mn-cs"/>
-              </a:defRPr>
-            </a:lvl6pPr>
-            <a:lvl7pPr marL="2743200" algn="l" defTabSz="914400" rtl="0" eaLnBrk="1" latinLnBrk="0" hangingPunct="1">
-              <a:defRPr sz="1800" kern="1200">
-                <a:solidFill>
-                  <a:schemeClr val="tx1"/>
-                </a:solidFill>
-                <a:latin typeface="+mn-lt"/>
-                <a:ea typeface="+mn-ea"/>
-                <a:cs typeface="+mn-cs"/>
-              </a:defRPr>
-            </a:lvl7pPr>
-            <a:lvl8pPr marL="3200400" algn="l" defTabSz="914400" rtl="0" eaLnBrk="1" latinLnBrk="0" hangingPunct="1">
-              <a:defRPr sz="1800" kern="1200">
-                <a:solidFill>
-                  <a:schemeClr val="tx1"/>
-                </a:solidFill>
-                <a:latin typeface="+mn-lt"/>
-                <a:ea typeface="+mn-ea"/>
-                <a:cs typeface="+mn-cs"/>
-              </a:defRPr>
-            </a:lvl8pPr>
-            <a:lvl9pPr marL="3657600" algn="l" defTabSz="914400" rtl="0" eaLnBrk="1" latinLnBrk="0" hangingPunct="1">
-              <a:defRPr sz="1800" kern="1200">
-                <a:solidFill>
-                  <a:schemeClr val="tx1"/>
-                </a:solidFill>
-                <a:latin typeface="+mn-lt"/>
-                <a:ea typeface="+mn-ea"/>
-                <a:cs typeface="+mn-cs"/>
-              </a:defRPr>
-            </a:lvl9pPr>
-          </a:lstStyle>
-          <a:p>
-            <a:r>
-              <a:rPr lang="en-US" sz="900">
-                <a:solidFill>
-                  <a:srgbClr val="7F7F7F"/>
-                </a:solidFill>
-              </a:rPr>
-              <a:t>Copyright © 2015 Accenture  All rights reserved.</a:t>
-            </a:r>
           </a:p>
         </p:txBody>
       </p:sp>
@@ -23196,14 +21789,6 @@
 <file path=ppt/slides/slide15.xml><?xml version="1.0" encoding="utf-8"?>
 <p:sld xmlns:a="http://schemas.openxmlformats.org/drawingml/2006/main" xmlns:r="http://schemas.openxmlformats.org/officeDocument/2006/relationships" xmlns:p="http://schemas.openxmlformats.org/presentationml/2006/main" showMasterSp="0">
   <p:cSld>
-    <p:bg>
-      <p:bgPr>
-        <a:solidFill>
-          <a:schemeClr val="bg1"/>
-        </a:solidFill>
-        <a:effectLst/>
-      </p:bgPr>
-    </p:bg>
     <p:spTree>
       <p:nvGrpSpPr>
         <p:cNvPr id="1" name=""/>
@@ -26109,7 +24694,7 @@
 </file>
 
 <file path=ppt/slides/slide28.xml><?xml version="1.0" encoding="utf-8"?>
-<p:sld xmlns:a="http://schemas.openxmlformats.org/drawingml/2006/main" xmlns:r="http://schemas.openxmlformats.org/officeDocument/2006/relationships" xmlns:p="http://schemas.openxmlformats.org/presentationml/2006/main">
+<p:sld xmlns:a="http://schemas.openxmlformats.org/drawingml/2006/main" xmlns:r="http://schemas.openxmlformats.org/officeDocument/2006/relationships" xmlns:p="http://schemas.openxmlformats.org/presentationml/2006/main" showMasterSp="0">
   <p:cSld>
     <p:spTree>
       <p:nvGrpSpPr>
@@ -27284,14 +25869,14 @@
                 <a:gridCol w="1854444">
                   <a:extLst>
                     <a:ext uri="{9D8B030D-6E8A-4147-A177-3AD203B41FA5}">
-                      <a16:colId xmlns="" xmlns:a16="http://schemas.microsoft.com/office/drawing/2014/main" val="20000"/>
+                      <a16:colId xmlns:a16="http://schemas.microsoft.com/office/drawing/2014/main" xmlns="" val="20000"/>
                     </a:ext>
                   </a:extLst>
                 </a:gridCol>
                 <a:gridCol w="4302369">
                   <a:extLst>
                     <a:ext uri="{9D8B030D-6E8A-4147-A177-3AD203B41FA5}">
-                      <a16:colId xmlns="" xmlns:a16="http://schemas.microsoft.com/office/drawing/2014/main" val="20001"/>
+                      <a16:colId xmlns:a16="http://schemas.microsoft.com/office/drawing/2014/main" xmlns="" val="20001"/>
                     </a:ext>
                   </a:extLst>
                 </a:gridCol>
@@ -27335,7 +25920,7 @@
                 </a:tc>
                 <a:extLst>
                   <a:ext uri="{0D108BD9-81ED-4DB2-BD59-A6C34878D82A}">
-                    <a16:rowId xmlns="" xmlns:a16="http://schemas.microsoft.com/office/drawing/2014/main" val="10000"/>
+                    <a16:rowId xmlns:a16="http://schemas.microsoft.com/office/drawing/2014/main" xmlns="" val="10000"/>
                   </a:ext>
                 </a:extLst>
               </a:tr>
@@ -27372,7 +25957,7 @@
                 </a:tc>
                 <a:extLst>
                   <a:ext uri="{0D108BD9-81ED-4DB2-BD59-A6C34878D82A}">
-                    <a16:rowId xmlns="" xmlns:a16="http://schemas.microsoft.com/office/drawing/2014/main" val="10001"/>
+                    <a16:rowId xmlns:a16="http://schemas.microsoft.com/office/drawing/2014/main" xmlns="" val="10001"/>
                   </a:ext>
                 </a:extLst>
               </a:tr>
@@ -27409,7 +25994,7 @@
                 </a:tc>
                 <a:extLst>
                   <a:ext uri="{0D108BD9-81ED-4DB2-BD59-A6C34878D82A}">
-                    <a16:rowId xmlns="" xmlns:a16="http://schemas.microsoft.com/office/drawing/2014/main" val="10002"/>
+                    <a16:rowId xmlns:a16="http://schemas.microsoft.com/office/drawing/2014/main" xmlns="" val="10002"/>
                   </a:ext>
                 </a:extLst>
               </a:tr>
@@ -27446,7 +26031,7 @@
                 </a:tc>
                 <a:extLst>
                   <a:ext uri="{0D108BD9-81ED-4DB2-BD59-A6C34878D82A}">
-                    <a16:rowId xmlns="" xmlns:a16="http://schemas.microsoft.com/office/drawing/2014/main" val="10003"/>
+                    <a16:rowId xmlns:a16="http://schemas.microsoft.com/office/drawing/2014/main" xmlns="" val="10003"/>
                   </a:ext>
                 </a:extLst>
               </a:tr>
@@ -27483,7 +26068,7 @@
                 </a:tc>
                 <a:extLst>
                   <a:ext uri="{0D108BD9-81ED-4DB2-BD59-A6C34878D82A}">
-                    <a16:rowId xmlns="" xmlns:a16="http://schemas.microsoft.com/office/drawing/2014/main" val="10004"/>
+                    <a16:rowId xmlns:a16="http://schemas.microsoft.com/office/drawing/2014/main" xmlns="" val="10004"/>
                   </a:ext>
                 </a:extLst>
               </a:tr>
@@ -27520,7 +26105,7 @@
                 </a:tc>
                 <a:extLst>
                   <a:ext uri="{0D108BD9-81ED-4DB2-BD59-A6C34878D82A}">
-                    <a16:rowId xmlns="" xmlns:a16="http://schemas.microsoft.com/office/drawing/2014/main" val="10005"/>
+                    <a16:rowId xmlns:a16="http://schemas.microsoft.com/office/drawing/2014/main" xmlns="" val="10005"/>
                   </a:ext>
                 </a:extLst>
               </a:tr>
@@ -27557,7 +26142,7 @@
                 </a:tc>
                 <a:extLst>
                   <a:ext uri="{0D108BD9-81ED-4DB2-BD59-A6C34878D82A}">
-                    <a16:rowId xmlns="" xmlns:a16="http://schemas.microsoft.com/office/drawing/2014/main" val="10006"/>
+                    <a16:rowId xmlns:a16="http://schemas.microsoft.com/office/drawing/2014/main" xmlns="" val="10006"/>
                   </a:ext>
                 </a:extLst>
               </a:tr>
@@ -27594,7 +26179,7 @@
                 </a:tc>
                 <a:extLst>
                   <a:ext uri="{0D108BD9-81ED-4DB2-BD59-A6C34878D82A}">
-                    <a16:rowId xmlns="" xmlns:a16="http://schemas.microsoft.com/office/drawing/2014/main" val="10007"/>
+                    <a16:rowId xmlns:a16="http://schemas.microsoft.com/office/drawing/2014/main" xmlns="" val="10007"/>
                   </a:ext>
                 </a:extLst>
               </a:tr>
@@ -27631,7 +26216,7 @@
                 </a:tc>
                 <a:extLst>
                   <a:ext uri="{0D108BD9-81ED-4DB2-BD59-A6C34878D82A}">
-                    <a16:rowId xmlns="" xmlns:a16="http://schemas.microsoft.com/office/drawing/2014/main" val="10008"/>
+                    <a16:rowId xmlns:a16="http://schemas.microsoft.com/office/drawing/2014/main" xmlns="" val="10008"/>
                   </a:ext>
                 </a:extLst>
               </a:tr>
@@ -27668,7 +26253,7 @@
                 </a:tc>
                 <a:extLst>
                   <a:ext uri="{0D108BD9-81ED-4DB2-BD59-A6C34878D82A}">
-                    <a16:rowId xmlns="" xmlns:a16="http://schemas.microsoft.com/office/drawing/2014/main" val="10009"/>
+                    <a16:rowId xmlns:a16="http://schemas.microsoft.com/office/drawing/2014/main" xmlns="" val="10009"/>
                   </a:ext>
                 </a:extLst>
               </a:tr>
@@ -27861,7 +26446,7 @@
           <p:cNvPr id="5" name="Picture 4">
             <a:extLst>
               <a:ext uri="{FF2B5EF4-FFF2-40B4-BE49-F238E27FC236}">
-                <a16:creationId xmlns="" xmlns:a16="http://schemas.microsoft.com/office/drawing/2014/main" id="{0677C262-C675-44B8-8DCC-A9DACF4199F3}"/>
+                <a16:creationId xmlns:a16="http://schemas.microsoft.com/office/drawing/2014/main" xmlns="" id="{0677C262-C675-44B8-8DCC-A9DACF4199F3}"/>
               </a:ext>
             </a:extLst>
           </p:cNvPr>
@@ -35365,7 +33950,7 @@
           <p:cNvPr id="2" name="Title 1">
             <a:extLst>
               <a:ext uri="{FF2B5EF4-FFF2-40B4-BE49-F238E27FC236}">
-                <a16:creationId xmlns="" xmlns:a16="http://schemas.microsoft.com/office/drawing/2014/main" id="{7C97CAB4-375B-4B76-931C-93478AA4146A}"/>
+                <a16:creationId xmlns:a16="http://schemas.microsoft.com/office/drawing/2014/main" xmlns="" id="{7C97CAB4-375B-4B76-931C-93478AA4146A}"/>
               </a:ext>
             </a:extLst>
           </p:cNvPr>
@@ -35393,7 +33978,7 @@
           <p:cNvPr id="3" name="Text Placeholder 2">
             <a:extLst>
               <a:ext uri="{FF2B5EF4-FFF2-40B4-BE49-F238E27FC236}">
-                <a16:creationId xmlns="" xmlns:a16="http://schemas.microsoft.com/office/drawing/2014/main" id="{BA8BB579-BBEC-4135-B315-E9AC16F93B07}"/>
+                <a16:creationId xmlns:a16="http://schemas.microsoft.com/office/drawing/2014/main" xmlns="" id="{BA8BB579-BBEC-4135-B315-E9AC16F93B07}"/>
               </a:ext>
             </a:extLst>
           </p:cNvPr>
@@ -35486,7 +34071,7 @@
           <p:cNvPr id="2" name="Title 1">
             <a:extLst>
               <a:ext uri="{FF2B5EF4-FFF2-40B4-BE49-F238E27FC236}">
-                <a16:creationId xmlns="" xmlns:a16="http://schemas.microsoft.com/office/drawing/2014/main" id="{7C97CAB4-375B-4B76-931C-93478AA4146A}"/>
+                <a16:creationId xmlns:a16="http://schemas.microsoft.com/office/drawing/2014/main" xmlns="" id="{7C97CAB4-375B-4B76-931C-93478AA4146A}"/>
               </a:ext>
             </a:extLst>
           </p:cNvPr>
@@ -35514,7 +34099,7 @@
           <p:cNvPr id="3" name="Text Placeholder 2">
             <a:extLst>
               <a:ext uri="{FF2B5EF4-FFF2-40B4-BE49-F238E27FC236}">
-                <a16:creationId xmlns="" xmlns:a16="http://schemas.microsoft.com/office/drawing/2014/main" id="{BA8BB579-BBEC-4135-B315-E9AC16F93B07}"/>
+                <a16:creationId xmlns:a16="http://schemas.microsoft.com/office/drawing/2014/main" xmlns="" id="{BA8BB579-BBEC-4135-B315-E9AC16F93B07}"/>
               </a:ext>
             </a:extLst>
           </p:cNvPr>
@@ -35589,7 +34174,7 @@
           <p:cNvPr id="4" name="Picture 3">
             <a:extLst>
               <a:ext uri="{FF2B5EF4-FFF2-40B4-BE49-F238E27FC236}">
-                <a16:creationId xmlns="" xmlns:a16="http://schemas.microsoft.com/office/drawing/2014/main" id="{760D2AC7-8360-4C9D-8AD9-D8E465C7C290}"/>
+                <a16:creationId xmlns:a16="http://schemas.microsoft.com/office/drawing/2014/main" xmlns="" id="{760D2AC7-8360-4C9D-8AD9-D8E465C7C290}"/>
               </a:ext>
             </a:extLst>
           </p:cNvPr>
@@ -35788,7 +34373,7 @@
           <p:cNvPr id="2" name="Title 1">
             <a:extLst>
               <a:ext uri="{FF2B5EF4-FFF2-40B4-BE49-F238E27FC236}">
-                <a16:creationId xmlns="" xmlns:a16="http://schemas.microsoft.com/office/drawing/2014/main" id="{7C97CAB4-375B-4B76-931C-93478AA4146A}"/>
+                <a16:creationId xmlns:a16="http://schemas.microsoft.com/office/drawing/2014/main" xmlns="" id="{7C97CAB4-375B-4B76-931C-93478AA4146A}"/>
               </a:ext>
             </a:extLst>
           </p:cNvPr>
@@ -35816,7 +34401,7 @@
           <p:cNvPr id="3" name="Text Placeholder 2">
             <a:extLst>
               <a:ext uri="{FF2B5EF4-FFF2-40B4-BE49-F238E27FC236}">
-                <a16:creationId xmlns="" xmlns:a16="http://schemas.microsoft.com/office/drawing/2014/main" id="{BA8BB579-BBEC-4135-B315-E9AC16F93B07}"/>
+                <a16:creationId xmlns:a16="http://schemas.microsoft.com/office/drawing/2014/main" xmlns="" id="{BA8BB579-BBEC-4135-B315-E9AC16F93B07}"/>
               </a:ext>
             </a:extLst>
           </p:cNvPr>
@@ -35868,7 +34453,7 @@
           <p:cNvPr id="5" name="Picture 4">
             <a:extLst>
               <a:ext uri="{FF2B5EF4-FFF2-40B4-BE49-F238E27FC236}">
-                <a16:creationId xmlns="" xmlns:a16="http://schemas.microsoft.com/office/drawing/2014/main" id="{C70C164A-4CA2-4C27-BBCE-3F674E4F8EE7}"/>
+                <a16:creationId xmlns:a16="http://schemas.microsoft.com/office/drawing/2014/main" xmlns="" id="{C70C164A-4CA2-4C27-BBCE-3F674E4F8EE7}"/>
               </a:ext>
             </a:extLst>
           </p:cNvPr>
@@ -35928,7 +34513,7 @@
           <p:cNvPr id="2" name="Title 1">
             <a:extLst>
               <a:ext uri="{FF2B5EF4-FFF2-40B4-BE49-F238E27FC236}">
-                <a16:creationId xmlns="" xmlns:a16="http://schemas.microsoft.com/office/drawing/2014/main" id="{7C97CAB4-375B-4B76-931C-93478AA4146A}"/>
+                <a16:creationId xmlns:a16="http://schemas.microsoft.com/office/drawing/2014/main" xmlns="" id="{7C97CAB4-375B-4B76-931C-93478AA4146A}"/>
               </a:ext>
             </a:extLst>
           </p:cNvPr>
@@ -35956,7 +34541,7 @@
           <p:cNvPr id="3" name="Text Placeholder 2">
             <a:extLst>
               <a:ext uri="{FF2B5EF4-FFF2-40B4-BE49-F238E27FC236}">
-                <a16:creationId xmlns="" xmlns:a16="http://schemas.microsoft.com/office/drawing/2014/main" id="{BA8BB579-BBEC-4135-B315-E9AC16F93B07}"/>
+                <a16:creationId xmlns:a16="http://schemas.microsoft.com/office/drawing/2014/main" xmlns="" id="{BA8BB579-BBEC-4135-B315-E9AC16F93B07}"/>
               </a:ext>
             </a:extLst>
           </p:cNvPr>
@@ -36061,7 +34646,7 @@
           <p:cNvPr id="7" name="Picture 6">
             <a:extLst>
               <a:ext uri="{FF2B5EF4-FFF2-40B4-BE49-F238E27FC236}">
-                <a16:creationId xmlns="" xmlns:a16="http://schemas.microsoft.com/office/drawing/2014/main" id="{7AFB659F-4649-4345-9EF9-F18473FB023C}"/>
+                <a16:creationId xmlns:a16="http://schemas.microsoft.com/office/drawing/2014/main" xmlns="" id="{7AFB659F-4649-4345-9EF9-F18473FB023C}"/>
               </a:ext>
             </a:extLst>
           </p:cNvPr>
@@ -36250,7 +34835,7 @@
           <p:cNvPr id="2" name="Title 1">
             <a:extLst>
               <a:ext uri="{FF2B5EF4-FFF2-40B4-BE49-F238E27FC236}">
-                <a16:creationId xmlns="" xmlns:a16="http://schemas.microsoft.com/office/drawing/2014/main" id="{ED7FFE98-9BD3-43F7-A676-A8F1D8EAADDD}"/>
+                <a16:creationId xmlns:a16="http://schemas.microsoft.com/office/drawing/2014/main" xmlns="" id="{ED7FFE98-9BD3-43F7-A676-A8F1D8EAADDD}"/>
               </a:ext>
             </a:extLst>
           </p:cNvPr>
@@ -36278,7 +34863,7 @@
           <p:cNvPr id="3" name="Text Placeholder 2">
             <a:extLst>
               <a:ext uri="{FF2B5EF4-FFF2-40B4-BE49-F238E27FC236}">
-                <a16:creationId xmlns="" xmlns:a16="http://schemas.microsoft.com/office/drawing/2014/main" id="{18DBBEF3-246A-4FC9-8226-D8BE6BC55B61}"/>
+                <a16:creationId xmlns:a16="http://schemas.microsoft.com/office/drawing/2014/main" xmlns="" id="{18DBBEF3-246A-4FC9-8226-D8BE6BC55B61}"/>
               </a:ext>
             </a:extLst>
           </p:cNvPr>
@@ -36354,7 +34939,7 @@
           <p:cNvPr id="4" name="Picture 3">
             <a:extLst>
               <a:ext uri="{FF2B5EF4-FFF2-40B4-BE49-F238E27FC236}">
-                <a16:creationId xmlns="" xmlns:a16="http://schemas.microsoft.com/office/drawing/2014/main" id="{342D2BD8-13AD-4733-A29F-7AD16099FD13}"/>
+                <a16:creationId xmlns:a16="http://schemas.microsoft.com/office/drawing/2014/main" xmlns="" id="{342D2BD8-13AD-4733-A29F-7AD16099FD13}"/>
               </a:ext>
             </a:extLst>
           </p:cNvPr>
@@ -36384,7 +34969,7 @@
           <p:cNvPr id="5" name="Picture 4">
             <a:extLst>
               <a:ext uri="{FF2B5EF4-FFF2-40B4-BE49-F238E27FC236}">
-                <a16:creationId xmlns="" xmlns:a16="http://schemas.microsoft.com/office/drawing/2014/main" id="{FDFC9002-1E54-47FE-970B-995AB9AD0CE9}"/>
+                <a16:creationId xmlns:a16="http://schemas.microsoft.com/office/drawing/2014/main" xmlns="" id="{FDFC9002-1E54-47FE-970B-995AB9AD0CE9}"/>
               </a:ext>
             </a:extLst>
           </p:cNvPr>
@@ -36451,7 +35036,7 @@
           <p:cNvPr id="2" name="Title 1">
             <a:extLst>
               <a:ext uri="{FF2B5EF4-FFF2-40B4-BE49-F238E27FC236}">
-                <a16:creationId xmlns="" xmlns:a16="http://schemas.microsoft.com/office/drawing/2014/main" id="{2FA471DC-2676-4F59-BC3F-119C73239BAD}"/>
+                <a16:creationId xmlns:a16="http://schemas.microsoft.com/office/drawing/2014/main" xmlns="" id="{2FA471DC-2676-4F59-BC3F-119C73239BAD}"/>
               </a:ext>
             </a:extLst>
           </p:cNvPr>
@@ -36479,7 +35064,7 @@
           <p:cNvPr id="3" name="Text Placeholder 2">
             <a:extLst>
               <a:ext uri="{FF2B5EF4-FFF2-40B4-BE49-F238E27FC236}">
-                <a16:creationId xmlns="" xmlns:a16="http://schemas.microsoft.com/office/drawing/2014/main" id="{AE4C347F-FAB6-4DEA-A1D2-8AF1C60BE402}"/>
+                <a16:creationId xmlns:a16="http://schemas.microsoft.com/office/drawing/2014/main" xmlns="" id="{AE4C347F-FAB6-4DEA-A1D2-8AF1C60BE402}"/>
               </a:ext>
             </a:extLst>
           </p:cNvPr>
